--- a/Sessions/Session 2/Session_02.pptx
+++ b/Sessions/Session 2/Session_02.pptx
@@ -5,14 +5,17 @@
     <p:sldMasterId id="2147483843" r:id="rId1"/>
   </p:sldMasterIdLst>
   <p:notesMasterIdLst>
-    <p:notesMasterId r:id="rId7"/>
+    <p:notesMasterId r:id="rId10"/>
   </p:notesMasterIdLst>
   <p:sldIdLst>
     <p:sldId id="256" r:id="rId2"/>
     <p:sldId id="257" r:id="rId3"/>
     <p:sldId id="286" r:id="rId4"/>
     <p:sldId id="288" r:id="rId5"/>
-    <p:sldId id="287" r:id="rId6"/>
+    <p:sldId id="289" r:id="rId6"/>
+    <p:sldId id="290" r:id="rId7"/>
+    <p:sldId id="291" r:id="rId8"/>
+    <p:sldId id="287" r:id="rId9"/>
   </p:sldIdLst>
   <p:sldSz cx="12192000" cy="6858000"/>
   <p:notesSz cx="6858000" cy="9144000"/>
@@ -3403,15 +3406,7 @@
                   <a:srgbClr val="002060"/>
                 </a:solidFill>
               </a:rPr>
-              <a:t>Session </a:t>
-            </a:r>
-            <a:r>
-              <a:rPr lang="en-US" sz="5400" dirty="0" smtClean="0">
-                <a:solidFill>
-                  <a:srgbClr val="002060"/>
-                </a:solidFill>
-              </a:rPr>
-              <a:t>2</a:t>
+              <a:t>Session 2</a:t>
             </a:r>
             <a:endParaRPr lang="en-US" sz="5400" dirty="0">
               <a:solidFill>
@@ -9254,44 +9249,662 @@
           </a:p>
         </p:txBody>
       </p:sp>
-      <p:sp>
-        <p:nvSpPr>
-          <p:cNvPr id="11" name="TextBox 10"/>
-          <p:cNvSpPr txBox="1"/>
-          <p:nvPr/>
-        </p:nvSpPr>
-        <p:spPr>
-          <a:xfrm>
-            <a:off x="352425" y="1931135"/>
-            <a:ext cx="3409950" cy="400110"/>
-          </a:xfrm>
-          <a:prstGeom prst="rect">
-            <a:avLst/>
-          </a:prstGeom>
-          <a:noFill/>
-        </p:spPr>
-        <p:txBody>
-          <a:bodyPr wrap="square" rtlCol="0">
-            <a:spAutoFit/>
-          </a:bodyPr>
-          <a:lstStyle/>
-          <a:p>
-            <a:r>
-              <a:rPr lang="en-US" sz="2000" dirty="0" smtClean="0">
-                <a:latin typeface="Hack" panose="020B0609030202020204" pitchFamily="49" charset="0"/>
-                <a:ea typeface="Hack" panose="020B0609030202020204" pitchFamily="49" charset="0"/>
-                <a:cs typeface="Hack" panose="020B0609030202020204" pitchFamily="49" charset="0"/>
-              </a:rPr>
-              <a:t>Text</a:t>
-            </a:r>
-            <a:endParaRPr lang="en-US" sz="2000" dirty="0">
-              <a:latin typeface="Hack" panose="020B0609030202020204" pitchFamily="49" charset="0"/>
-              <a:ea typeface="Hack" panose="020B0609030202020204" pitchFamily="49" charset="0"/>
-              <a:cs typeface="Hack" panose="020B0609030202020204" pitchFamily="49" charset="0"/>
-            </a:endParaRPr>
-          </a:p>
-        </p:txBody>
-      </p:sp>
+      <mc:AlternateContent xmlns:mc="http://schemas.openxmlformats.org/markup-compatibility/2006">
+        <mc:Choice xmlns:a14="http://schemas.microsoft.com/office/drawing/2010/main" Requires="a14">
+          <p:sp>
+            <p:nvSpPr>
+              <p:cNvPr id="11" name="TextBox 10"/>
+              <p:cNvSpPr txBox="1"/>
+              <p:nvPr/>
+            </p:nvSpPr>
+            <p:spPr>
+              <a:xfrm>
+                <a:off x="448159" y="3211051"/>
+                <a:ext cx="7372078" cy="2274918"/>
+              </a:xfrm>
+              <a:prstGeom prst="rect">
+                <a:avLst/>
+              </a:prstGeom>
+              <a:noFill/>
+            </p:spPr>
+            <p:txBody>
+              <a:bodyPr wrap="square" rtlCol="0">
+                <a:spAutoFit/>
+              </a:bodyPr>
+              <a:lstStyle/>
+              <a:p>
+                <a:r>
+                  <a:rPr lang="en-US" sz="2000" dirty="0" smtClean="0">
+                    <a:latin typeface="Hack" panose="020B0609030202020204" pitchFamily="49" charset="0"/>
+                    <a:ea typeface="Hack" panose="020B0609030202020204" pitchFamily="49" charset="0"/>
+                    <a:cs typeface="Hack" panose="020B0609030202020204" pitchFamily="49" charset="0"/>
+                  </a:rPr>
+                  <a:t>We have some function: </a:t>
+                </a:r>
+                <a14:m>
+                  <m:oMath xmlns:m="http://schemas.openxmlformats.org/officeDocument/2006/math">
+                    <m:r>
+                      <a:rPr lang="en-US" sz="2000" i="1">
+                        <a:latin typeface="Cambria Math" panose="02040503050406030204" pitchFamily="18" charset="0"/>
+                        <a:ea typeface="Cambria Math" panose="02040503050406030204" pitchFamily="18" charset="0"/>
+                      </a:rPr>
+                      <m:t>𝐽</m:t>
+                    </m:r>
+                    <m:d>
+                      <m:dPr>
+                        <m:ctrlPr>
+                          <a:rPr lang="en-US" sz="2000" i="1">
+                            <a:latin typeface="Cambria Math" panose="02040503050406030204" pitchFamily="18" charset="0"/>
+                            <a:ea typeface="Cambria Math" panose="02040503050406030204" pitchFamily="18" charset="0"/>
+                          </a:rPr>
+                        </m:ctrlPr>
+                      </m:dPr>
+                      <m:e>
+                        <m:sSub>
+                          <m:sSubPr>
+                            <m:ctrlPr>
+                              <a:rPr lang="en-US" sz="2000" i="1">
+                                <a:latin typeface="Cambria Math" panose="02040503050406030204" pitchFamily="18" charset="0"/>
+                                <a:ea typeface="Cambria Math" panose="02040503050406030204" pitchFamily="18" charset="0"/>
+                              </a:rPr>
+                            </m:ctrlPr>
+                          </m:sSubPr>
+                          <m:e>
+                            <m:r>
+                              <a:rPr lang="en-US" sz="2000" i="1">
+                                <a:latin typeface="Cambria Math" panose="02040503050406030204" pitchFamily="18" charset="0"/>
+                                <a:ea typeface="Cambria Math" panose="02040503050406030204" pitchFamily="18" charset="0"/>
+                              </a:rPr>
+                              <m:t>𝜃</m:t>
+                            </m:r>
+                          </m:e>
+                          <m:sub>
+                            <m:r>
+                              <a:rPr lang="en-US" sz="2000" i="1">
+                                <a:latin typeface="Cambria Math" panose="02040503050406030204" pitchFamily="18" charset="0"/>
+                                <a:ea typeface="Cambria Math" panose="02040503050406030204" pitchFamily="18" charset="0"/>
+                              </a:rPr>
+                              <m:t>0</m:t>
+                            </m:r>
+                          </m:sub>
+                        </m:sSub>
+                        <m:r>
+                          <a:rPr lang="en-US" sz="2000" i="1">
+                            <a:latin typeface="Cambria Math" panose="02040503050406030204" pitchFamily="18" charset="0"/>
+                            <a:ea typeface="Cambria Math" panose="02040503050406030204" pitchFamily="18" charset="0"/>
+                          </a:rPr>
+                          <m:t>,</m:t>
+                        </m:r>
+                        <m:sSub>
+                          <m:sSubPr>
+                            <m:ctrlPr>
+                              <a:rPr lang="en-US" sz="2000" i="1">
+                                <a:latin typeface="Cambria Math" panose="02040503050406030204" pitchFamily="18" charset="0"/>
+                                <a:ea typeface="Cambria Math" panose="02040503050406030204" pitchFamily="18" charset="0"/>
+                              </a:rPr>
+                            </m:ctrlPr>
+                          </m:sSubPr>
+                          <m:e>
+                            <m:r>
+                              <a:rPr lang="en-US" sz="2000" i="1">
+                                <a:latin typeface="Cambria Math" panose="02040503050406030204" pitchFamily="18" charset="0"/>
+                                <a:ea typeface="Cambria Math" panose="02040503050406030204" pitchFamily="18" charset="0"/>
+                              </a:rPr>
+                              <m:t>𝜃</m:t>
+                            </m:r>
+                          </m:e>
+                          <m:sub>
+                            <m:r>
+                              <a:rPr lang="en-US" sz="2000" i="1">
+                                <a:latin typeface="Cambria Math" panose="02040503050406030204" pitchFamily="18" charset="0"/>
+                                <a:ea typeface="Cambria Math" panose="02040503050406030204" pitchFamily="18" charset="0"/>
+                              </a:rPr>
+                              <m:t>1</m:t>
+                            </m:r>
+                          </m:sub>
+                        </m:sSub>
+                      </m:e>
+                    </m:d>
+                  </m:oMath>
+                </a14:m>
+                <a:endParaRPr lang="en-US" sz="2000" dirty="0" smtClean="0">
+                  <a:latin typeface="Hack" panose="020B0609030202020204" pitchFamily="49" charset="0"/>
+                  <a:ea typeface="Hack" panose="020B0609030202020204" pitchFamily="49" charset="0"/>
+                  <a:cs typeface="Hack" panose="020B0609030202020204" pitchFamily="49" charset="0"/>
+                </a:endParaRPr>
+              </a:p>
+              <a:p>
+                <a:r>
+                  <a:rPr lang="en-US" sz="2000" dirty="0" smtClean="0">
+                    <a:latin typeface="Hack" panose="020B0609030202020204" pitchFamily="49" charset="0"/>
+                    <a:ea typeface="Hack" panose="020B0609030202020204" pitchFamily="49" charset="0"/>
+                    <a:cs typeface="Hack" panose="020B0609030202020204" pitchFamily="49" charset="0"/>
+                  </a:rPr>
+                  <a:t>Want to </a:t>
+                </a:r>
+                <a14:m>
+                  <m:oMath xmlns:m="http://schemas.openxmlformats.org/officeDocument/2006/math">
+                    <m:func>
+                      <m:funcPr>
+                        <m:ctrlPr>
+                          <a:rPr lang="en-US" sz="2000" b="0" i="1" smtClean="0">
+                            <a:latin typeface="Cambria Math" panose="02040503050406030204" pitchFamily="18" charset="0"/>
+                            <a:ea typeface="Hack" panose="020B0609030202020204" pitchFamily="49" charset="0"/>
+                            <a:cs typeface="Hack" panose="020B0609030202020204" pitchFamily="49" charset="0"/>
+                          </a:rPr>
+                        </m:ctrlPr>
+                      </m:funcPr>
+                      <m:fName>
+                        <m:limLow>
+                          <m:limLowPr>
+                            <m:ctrlPr>
+                              <a:rPr lang="en-US" sz="2000" b="0" i="1" smtClean="0">
+                                <a:latin typeface="Cambria Math" panose="02040503050406030204" pitchFamily="18" charset="0"/>
+                                <a:ea typeface="Hack" panose="020B0609030202020204" pitchFamily="49" charset="0"/>
+                                <a:cs typeface="Hack" panose="020B0609030202020204" pitchFamily="49" charset="0"/>
+                              </a:rPr>
+                            </m:ctrlPr>
+                          </m:limLowPr>
+                          <m:e>
+                            <m:r>
+                              <m:rPr>
+                                <m:sty m:val="p"/>
+                              </m:rPr>
+                              <a:rPr lang="en-US" sz="2000" b="0" i="0" smtClean="0">
+                                <a:latin typeface="Cambria Math" panose="02040503050406030204" pitchFamily="18" charset="0"/>
+                                <a:ea typeface="Hack" panose="020B0609030202020204" pitchFamily="49" charset="0"/>
+                                <a:cs typeface="Hack" panose="020B0609030202020204" pitchFamily="49" charset="0"/>
+                              </a:rPr>
+                              <m:t>min</m:t>
+                            </m:r>
+                          </m:e>
+                          <m:lim>
+                            <m:sSub>
+                              <m:sSubPr>
+                                <m:ctrlPr>
+                                  <a:rPr lang="en-US" sz="2000" b="0" i="1" smtClean="0">
+                                    <a:latin typeface="Cambria Math" panose="02040503050406030204" pitchFamily="18" charset="0"/>
+                                    <a:ea typeface="Hack" panose="020B0609030202020204" pitchFamily="49" charset="0"/>
+                                    <a:cs typeface="Hack" panose="020B0609030202020204" pitchFamily="49" charset="0"/>
+                                  </a:rPr>
+                                </m:ctrlPr>
+                              </m:sSubPr>
+                              <m:e>
+                                <m:r>
+                                  <a:rPr lang="en-US" sz="2000" b="0" i="1" smtClean="0">
+                                    <a:latin typeface="Cambria Math" panose="02040503050406030204" pitchFamily="18" charset="0"/>
+                                    <a:ea typeface="Hack" panose="020B0609030202020204" pitchFamily="49" charset="0"/>
+                                    <a:cs typeface="Hack" panose="020B0609030202020204" pitchFamily="49" charset="0"/>
+                                  </a:rPr>
+                                  <m:t>𝜃</m:t>
+                                </m:r>
+                              </m:e>
+                              <m:sub>
+                                <m:r>
+                                  <a:rPr lang="en-US" sz="2000" b="0" i="1" smtClean="0">
+                                    <a:latin typeface="Cambria Math" panose="02040503050406030204" pitchFamily="18" charset="0"/>
+                                    <a:ea typeface="Hack" panose="020B0609030202020204" pitchFamily="49" charset="0"/>
+                                    <a:cs typeface="Hack" panose="020B0609030202020204" pitchFamily="49" charset="0"/>
+                                  </a:rPr>
+                                  <m:t>0</m:t>
+                                </m:r>
+                              </m:sub>
+                            </m:sSub>
+                            <m:r>
+                              <a:rPr lang="en-US" sz="2000" b="0" i="1" smtClean="0">
+                                <a:latin typeface="Cambria Math" panose="02040503050406030204" pitchFamily="18" charset="0"/>
+                                <a:ea typeface="Hack" panose="020B0609030202020204" pitchFamily="49" charset="0"/>
+                                <a:cs typeface="Hack" panose="020B0609030202020204" pitchFamily="49" charset="0"/>
+                              </a:rPr>
+                              <m:t>,</m:t>
+                            </m:r>
+                            <m:sSub>
+                              <m:sSubPr>
+                                <m:ctrlPr>
+                                  <a:rPr lang="en-US" sz="2000" b="0" i="1" smtClean="0">
+                                    <a:latin typeface="Cambria Math" panose="02040503050406030204" pitchFamily="18" charset="0"/>
+                                    <a:ea typeface="Hack" panose="020B0609030202020204" pitchFamily="49" charset="0"/>
+                                    <a:cs typeface="Hack" panose="020B0609030202020204" pitchFamily="49" charset="0"/>
+                                  </a:rPr>
+                                </m:ctrlPr>
+                              </m:sSubPr>
+                              <m:e>
+                                <m:r>
+                                  <a:rPr lang="en-US" sz="2000" b="0" i="1" smtClean="0">
+                                    <a:latin typeface="Cambria Math" panose="02040503050406030204" pitchFamily="18" charset="0"/>
+                                    <a:ea typeface="Hack" panose="020B0609030202020204" pitchFamily="49" charset="0"/>
+                                    <a:cs typeface="Hack" panose="020B0609030202020204" pitchFamily="49" charset="0"/>
+                                  </a:rPr>
+                                  <m:t>𝜃</m:t>
+                                </m:r>
+                              </m:e>
+                              <m:sub>
+                                <m:r>
+                                  <a:rPr lang="en-US" sz="2000" b="0" i="1" smtClean="0">
+                                    <a:latin typeface="Cambria Math" panose="02040503050406030204" pitchFamily="18" charset="0"/>
+                                    <a:ea typeface="Hack" panose="020B0609030202020204" pitchFamily="49" charset="0"/>
+                                    <a:cs typeface="Hack" panose="020B0609030202020204" pitchFamily="49" charset="0"/>
+                                  </a:rPr>
+                                  <m:t>1</m:t>
+                                </m:r>
+                              </m:sub>
+                            </m:sSub>
+                          </m:lim>
+                        </m:limLow>
+                      </m:fName>
+                      <m:e>
+                        <m:r>
+                          <a:rPr lang="en-US" sz="2000" i="1">
+                            <a:latin typeface="Cambria Math" panose="02040503050406030204" pitchFamily="18" charset="0"/>
+                            <a:ea typeface="Cambria Math" panose="02040503050406030204" pitchFamily="18" charset="0"/>
+                          </a:rPr>
+                          <m:t>𝐽</m:t>
+                        </m:r>
+                        <m:d>
+                          <m:dPr>
+                            <m:ctrlPr>
+                              <a:rPr lang="en-US" sz="2000" i="1">
+                                <a:latin typeface="Cambria Math" panose="02040503050406030204" pitchFamily="18" charset="0"/>
+                                <a:ea typeface="Cambria Math" panose="02040503050406030204" pitchFamily="18" charset="0"/>
+                              </a:rPr>
+                            </m:ctrlPr>
+                          </m:dPr>
+                          <m:e>
+                            <m:sSub>
+                              <m:sSubPr>
+                                <m:ctrlPr>
+                                  <a:rPr lang="en-US" sz="2000" i="1">
+                                    <a:latin typeface="Cambria Math" panose="02040503050406030204" pitchFamily="18" charset="0"/>
+                                    <a:ea typeface="Cambria Math" panose="02040503050406030204" pitchFamily="18" charset="0"/>
+                                  </a:rPr>
+                                </m:ctrlPr>
+                              </m:sSubPr>
+                              <m:e>
+                                <m:r>
+                                  <a:rPr lang="en-US" sz="2000" i="1">
+                                    <a:latin typeface="Cambria Math" panose="02040503050406030204" pitchFamily="18" charset="0"/>
+                                    <a:ea typeface="Cambria Math" panose="02040503050406030204" pitchFamily="18" charset="0"/>
+                                  </a:rPr>
+                                  <m:t>𝜃</m:t>
+                                </m:r>
+                              </m:e>
+                              <m:sub>
+                                <m:r>
+                                  <a:rPr lang="en-US" sz="2000" i="1">
+                                    <a:latin typeface="Cambria Math" panose="02040503050406030204" pitchFamily="18" charset="0"/>
+                                    <a:ea typeface="Cambria Math" panose="02040503050406030204" pitchFamily="18" charset="0"/>
+                                  </a:rPr>
+                                  <m:t>0</m:t>
+                                </m:r>
+                              </m:sub>
+                            </m:sSub>
+                            <m:r>
+                              <a:rPr lang="en-US" sz="2000" i="1">
+                                <a:latin typeface="Cambria Math" panose="02040503050406030204" pitchFamily="18" charset="0"/>
+                                <a:ea typeface="Cambria Math" panose="02040503050406030204" pitchFamily="18" charset="0"/>
+                              </a:rPr>
+                              <m:t>,</m:t>
+                            </m:r>
+                            <m:sSub>
+                              <m:sSubPr>
+                                <m:ctrlPr>
+                                  <a:rPr lang="en-US" sz="2000" i="1">
+                                    <a:latin typeface="Cambria Math" panose="02040503050406030204" pitchFamily="18" charset="0"/>
+                                    <a:ea typeface="Cambria Math" panose="02040503050406030204" pitchFamily="18" charset="0"/>
+                                  </a:rPr>
+                                </m:ctrlPr>
+                              </m:sSubPr>
+                              <m:e>
+                                <m:r>
+                                  <a:rPr lang="en-US" sz="2000" i="1">
+                                    <a:latin typeface="Cambria Math" panose="02040503050406030204" pitchFamily="18" charset="0"/>
+                                    <a:ea typeface="Cambria Math" panose="02040503050406030204" pitchFamily="18" charset="0"/>
+                                  </a:rPr>
+                                  <m:t>𝜃</m:t>
+                                </m:r>
+                              </m:e>
+                              <m:sub>
+                                <m:r>
+                                  <a:rPr lang="en-US" sz="2000" i="1">
+                                    <a:latin typeface="Cambria Math" panose="02040503050406030204" pitchFamily="18" charset="0"/>
+                                    <a:ea typeface="Cambria Math" panose="02040503050406030204" pitchFamily="18" charset="0"/>
+                                  </a:rPr>
+                                  <m:t>1</m:t>
+                                </m:r>
+                              </m:sub>
+                            </m:sSub>
+                          </m:e>
+                        </m:d>
+                      </m:e>
+                    </m:func>
+                  </m:oMath>
+                </a14:m>
+                <a:endParaRPr lang="en-US" sz="2000" dirty="0" smtClean="0">
+                  <a:latin typeface="Hack" panose="020B0609030202020204" pitchFamily="49" charset="0"/>
+                  <a:ea typeface="Hack" panose="020B0609030202020204" pitchFamily="49" charset="0"/>
+                  <a:cs typeface="Hack" panose="020B0609030202020204" pitchFamily="49" charset="0"/>
+                </a:endParaRPr>
+              </a:p>
+              <a:p>
+                <a:endParaRPr lang="en-US" sz="2000" dirty="0">
+                  <a:latin typeface="Hack" panose="020B0609030202020204" pitchFamily="49" charset="0"/>
+                  <a:ea typeface="Hack" panose="020B0609030202020204" pitchFamily="49" charset="0"/>
+                  <a:cs typeface="Hack" panose="020B0609030202020204" pitchFamily="49" charset="0"/>
+                </a:endParaRPr>
+              </a:p>
+              <a:p>
+                <a:r>
+                  <a:rPr lang="en-US" sz="2000" dirty="0" smtClean="0">
+                    <a:latin typeface="Hack" panose="020B0609030202020204" pitchFamily="49" charset="0"/>
+                    <a:ea typeface="Hack" panose="020B0609030202020204" pitchFamily="49" charset="0"/>
+                    <a:cs typeface="Hack" panose="020B0609030202020204" pitchFamily="49" charset="0"/>
+                  </a:rPr>
+                  <a:t>Steps:</a:t>
+                </a:r>
+              </a:p>
+              <a:p>
+                <a:pPr marL="800100" lvl="1" indent="-342900">
+                  <a:buFont typeface="Arial" panose="020B0604020202020204" pitchFamily="34" charset="0"/>
+                  <a:buChar char="•"/>
+                </a:pPr>
+                <a:r>
+                  <a:rPr lang="en-US" sz="2000" dirty="0" smtClean="0">
+                    <a:latin typeface="Hack" panose="020B0609030202020204" pitchFamily="49" charset="0"/>
+                    <a:ea typeface="Hack" panose="020B0609030202020204" pitchFamily="49" charset="0"/>
+                    <a:cs typeface="Hack" panose="020B0609030202020204" pitchFamily="49" charset="0"/>
+                  </a:rPr>
+                  <a:t>Start with some initial </a:t>
+                </a:r>
+                <a14:m>
+                  <m:oMath xmlns:m="http://schemas.openxmlformats.org/officeDocument/2006/math">
+                    <m:sSub>
+                      <m:sSubPr>
+                        <m:ctrlPr>
+                          <a:rPr lang="en-US" sz="2000" b="0" i="1" smtClean="0">
+                            <a:latin typeface="Cambria Math" panose="02040503050406030204" pitchFamily="18" charset="0"/>
+                            <a:ea typeface="Hack" panose="020B0609030202020204" pitchFamily="49" charset="0"/>
+                            <a:cs typeface="Hack" panose="020B0609030202020204" pitchFamily="49" charset="0"/>
+                          </a:rPr>
+                        </m:ctrlPr>
+                      </m:sSubPr>
+                      <m:e>
+                        <m:r>
+                          <a:rPr lang="en-US" sz="2000" b="0" i="1" smtClean="0">
+                            <a:latin typeface="Cambria Math" panose="02040503050406030204" pitchFamily="18" charset="0"/>
+                            <a:ea typeface="Hack" panose="020B0609030202020204" pitchFamily="49" charset="0"/>
+                            <a:cs typeface="Hack" panose="020B0609030202020204" pitchFamily="49" charset="0"/>
+                          </a:rPr>
+                          <m:t>𝜃</m:t>
+                        </m:r>
+                      </m:e>
+                      <m:sub>
+                        <m:r>
+                          <a:rPr lang="en-US" sz="2000" b="0" i="1" smtClean="0">
+                            <a:latin typeface="Cambria Math" panose="02040503050406030204" pitchFamily="18" charset="0"/>
+                            <a:ea typeface="Hack" panose="020B0609030202020204" pitchFamily="49" charset="0"/>
+                            <a:cs typeface="Hack" panose="020B0609030202020204" pitchFamily="49" charset="0"/>
+                          </a:rPr>
+                          <m:t>0</m:t>
+                        </m:r>
+                      </m:sub>
+                    </m:sSub>
+                    <m:r>
+                      <a:rPr lang="en-US" sz="2000" b="0" i="1" smtClean="0">
+                        <a:latin typeface="Cambria Math" panose="02040503050406030204" pitchFamily="18" charset="0"/>
+                        <a:ea typeface="Hack" panose="020B0609030202020204" pitchFamily="49" charset="0"/>
+                        <a:cs typeface="Hack" panose="020B0609030202020204" pitchFamily="49" charset="0"/>
+                      </a:rPr>
+                      <m:t>,</m:t>
+                    </m:r>
+                    <m:sSub>
+                      <m:sSubPr>
+                        <m:ctrlPr>
+                          <a:rPr lang="en-US" sz="2000" b="0" i="1" smtClean="0">
+                            <a:latin typeface="Cambria Math" panose="02040503050406030204" pitchFamily="18" charset="0"/>
+                            <a:ea typeface="Hack" panose="020B0609030202020204" pitchFamily="49" charset="0"/>
+                            <a:cs typeface="Hack" panose="020B0609030202020204" pitchFamily="49" charset="0"/>
+                          </a:rPr>
+                        </m:ctrlPr>
+                      </m:sSubPr>
+                      <m:e>
+                        <m:r>
+                          <a:rPr lang="en-US" sz="2000" b="0" i="1" smtClean="0">
+                            <a:latin typeface="Cambria Math" panose="02040503050406030204" pitchFamily="18" charset="0"/>
+                            <a:ea typeface="Hack" panose="020B0609030202020204" pitchFamily="49" charset="0"/>
+                            <a:cs typeface="Hack" panose="020B0609030202020204" pitchFamily="49" charset="0"/>
+                          </a:rPr>
+                          <m:t>𝜃</m:t>
+                        </m:r>
+                      </m:e>
+                      <m:sub>
+                        <m:r>
+                          <a:rPr lang="en-US" sz="2000" b="0" i="1" smtClean="0">
+                            <a:latin typeface="Cambria Math" panose="02040503050406030204" pitchFamily="18" charset="0"/>
+                            <a:ea typeface="Hack" panose="020B0609030202020204" pitchFamily="49" charset="0"/>
+                            <a:cs typeface="Hack" panose="020B0609030202020204" pitchFamily="49" charset="0"/>
+                          </a:rPr>
+                          <m:t>1</m:t>
+                        </m:r>
+                      </m:sub>
+                    </m:sSub>
+                  </m:oMath>
+                </a14:m>
+                <a:endParaRPr lang="en-US" sz="2000" dirty="0" smtClean="0">
+                  <a:latin typeface="Hack" panose="020B0609030202020204" pitchFamily="49" charset="0"/>
+                  <a:ea typeface="Hack" panose="020B0609030202020204" pitchFamily="49" charset="0"/>
+                  <a:cs typeface="Hack" panose="020B0609030202020204" pitchFamily="49" charset="0"/>
+                </a:endParaRPr>
+              </a:p>
+              <a:p>
+                <a:pPr marL="800100" lvl="1" indent="-342900">
+                  <a:buFont typeface="Arial" panose="020B0604020202020204" pitchFamily="34" charset="0"/>
+                  <a:buChar char="•"/>
+                </a:pPr>
+                <a:r>
+                  <a:rPr lang="en-US" sz="2000" dirty="0" smtClean="0">
+                    <a:latin typeface="Hack" panose="020B0609030202020204" pitchFamily="49" charset="0"/>
+                    <a:ea typeface="Hack" panose="020B0609030202020204" pitchFamily="49" charset="0"/>
+                    <a:cs typeface="Hack" panose="020B0609030202020204" pitchFamily="49" charset="0"/>
+                  </a:rPr>
+                  <a:t>Keep changing </a:t>
+                </a:r>
+                <a14:m>
+                  <m:oMath xmlns:m="http://schemas.openxmlformats.org/officeDocument/2006/math">
+                    <m:sSub>
+                      <m:sSubPr>
+                        <m:ctrlPr>
+                          <a:rPr lang="en-US" sz="2000" i="1">
+                            <a:latin typeface="Cambria Math" panose="02040503050406030204" pitchFamily="18" charset="0"/>
+                            <a:ea typeface="Hack" panose="020B0609030202020204" pitchFamily="49" charset="0"/>
+                            <a:cs typeface="Hack" panose="020B0609030202020204" pitchFamily="49" charset="0"/>
+                          </a:rPr>
+                        </m:ctrlPr>
+                      </m:sSubPr>
+                      <m:e>
+                        <m:r>
+                          <a:rPr lang="en-US" sz="2000" i="1">
+                            <a:latin typeface="Cambria Math" panose="02040503050406030204" pitchFamily="18" charset="0"/>
+                            <a:ea typeface="Hack" panose="020B0609030202020204" pitchFamily="49" charset="0"/>
+                            <a:cs typeface="Hack" panose="020B0609030202020204" pitchFamily="49" charset="0"/>
+                          </a:rPr>
+                          <m:t>𝜃</m:t>
+                        </m:r>
+                      </m:e>
+                      <m:sub>
+                        <m:r>
+                          <a:rPr lang="en-US" sz="2000" i="1">
+                            <a:latin typeface="Cambria Math" panose="02040503050406030204" pitchFamily="18" charset="0"/>
+                            <a:ea typeface="Hack" panose="020B0609030202020204" pitchFamily="49" charset="0"/>
+                            <a:cs typeface="Hack" panose="020B0609030202020204" pitchFamily="49" charset="0"/>
+                          </a:rPr>
+                          <m:t>0</m:t>
+                        </m:r>
+                      </m:sub>
+                    </m:sSub>
+                    <m:r>
+                      <a:rPr lang="en-US" sz="2000" i="1">
+                        <a:latin typeface="Cambria Math" panose="02040503050406030204" pitchFamily="18" charset="0"/>
+                        <a:ea typeface="Hack" panose="020B0609030202020204" pitchFamily="49" charset="0"/>
+                        <a:cs typeface="Hack" panose="020B0609030202020204" pitchFamily="49" charset="0"/>
+                      </a:rPr>
+                      <m:t>,</m:t>
+                    </m:r>
+                    <m:sSub>
+                      <m:sSubPr>
+                        <m:ctrlPr>
+                          <a:rPr lang="en-US" sz="2000" i="1">
+                            <a:latin typeface="Cambria Math" panose="02040503050406030204" pitchFamily="18" charset="0"/>
+                            <a:ea typeface="Hack" panose="020B0609030202020204" pitchFamily="49" charset="0"/>
+                            <a:cs typeface="Hack" panose="020B0609030202020204" pitchFamily="49" charset="0"/>
+                          </a:rPr>
+                        </m:ctrlPr>
+                      </m:sSubPr>
+                      <m:e>
+                        <m:r>
+                          <a:rPr lang="en-US" sz="2000" i="1">
+                            <a:latin typeface="Cambria Math" panose="02040503050406030204" pitchFamily="18" charset="0"/>
+                            <a:ea typeface="Hack" panose="020B0609030202020204" pitchFamily="49" charset="0"/>
+                            <a:cs typeface="Hack" panose="020B0609030202020204" pitchFamily="49" charset="0"/>
+                          </a:rPr>
+                          <m:t>𝜃</m:t>
+                        </m:r>
+                      </m:e>
+                      <m:sub>
+                        <m:r>
+                          <a:rPr lang="en-US" sz="2000" i="1">
+                            <a:latin typeface="Cambria Math" panose="02040503050406030204" pitchFamily="18" charset="0"/>
+                            <a:ea typeface="Hack" panose="020B0609030202020204" pitchFamily="49" charset="0"/>
+                            <a:cs typeface="Hack" panose="020B0609030202020204" pitchFamily="49" charset="0"/>
+                          </a:rPr>
+                          <m:t>1</m:t>
+                        </m:r>
+                      </m:sub>
+                    </m:sSub>
+                  </m:oMath>
+                </a14:m>
+                <a:r>
+                  <a:rPr lang="en-US" sz="2000" dirty="0" smtClean="0">
+                    <a:latin typeface="Hack" panose="020B0609030202020204" pitchFamily="49" charset="0"/>
+                    <a:ea typeface="Hack" panose="020B0609030202020204" pitchFamily="49" charset="0"/>
+                    <a:cs typeface="Hack" panose="020B0609030202020204" pitchFamily="49" charset="0"/>
+                  </a:rPr>
+                  <a:t> to reduce </a:t>
+                </a:r>
+                <a14:m>
+                  <m:oMath xmlns:m="http://schemas.openxmlformats.org/officeDocument/2006/math">
+                    <m:r>
+                      <a:rPr lang="en-US" i="1"/>
+                      <m:t>𝐽</m:t>
+                    </m:r>
+                    <m:d>
+                      <m:dPr>
+                        <m:ctrlPr>
+                          <a:rPr lang="en-US" i="1"/>
+                        </m:ctrlPr>
+                      </m:dPr>
+                      <m:e>
+                        <m:sSub>
+                          <m:sSubPr>
+                            <m:ctrlPr>
+                              <a:rPr lang="en-US" i="1"/>
+                            </m:ctrlPr>
+                          </m:sSubPr>
+                          <m:e>
+                            <m:r>
+                              <a:rPr lang="en-US" i="1"/>
+                              <m:t>𝜃</m:t>
+                            </m:r>
+                          </m:e>
+                          <m:sub>
+                            <m:r>
+                              <a:rPr lang="en-US" i="1"/>
+                              <m:t>0</m:t>
+                            </m:r>
+                          </m:sub>
+                        </m:sSub>
+                        <m:r>
+                          <a:rPr lang="en-US" i="1"/>
+                          <m:t>,</m:t>
+                        </m:r>
+                        <m:sSub>
+                          <m:sSubPr>
+                            <m:ctrlPr>
+                              <a:rPr lang="en-US" i="1"/>
+                            </m:ctrlPr>
+                          </m:sSubPr>
+                          <m:e>
+                            <m:r>
+                              <a:rPr lang="en-US" i="1"/>
+                              <m:t>𝜃</m:t>
+                            </m:r>
+                          </m:e>
+                          <m:sub>
+                            <m:r>
+                              <a:rPr lang="en-US" i="1"/>
+                              <m:t>1</m:t>
+                            </m:r>
+                          </m:sub>
+                        </m:sSub>
+                      </m:e>
+                    </m:d>
+                  </m:oMath>
+                </a14:m>
+                <a:r>
+                  <a:rPr lang="en-US" sz="2000" dirty="0" smtClean="0">
+                    <a:latin typeface="Hack" panose="020B0609030202020204" pitchFamily="49" charset="0"/>
+                    <a:ea typeface="Hack" panose="020B0609030202020204" pitchFamily="49" charset="0"/>
+                    <a:cs typeface="Hack" panose="020B0609030202020204" pitchFamily="49" charset="0"/>
+                  </a:rPr>
+                  <a:t> until we reach a minimum values.</a:t>
+                </a:r>
+                <a:endParaRPr lang="en-US" sz="2000" dirty="0">
+                  <a:latin typeface="Hack" panose="020B0609030202020204" pitchFamily="49" charset="0"/>
+                  <a:ea typeface="Hack" panose="020B0609030202020204" pitchFamily="49" charset="0"/>
+                  <a:cs typeface="Hack" panose="020B0609030202020204" pitchFamily="49" charset="0"/>
+                </a:endParaRPr>
+              </a:p>
+            </p:txBody>
+          </p:sp>
+        </mc:Choice>
+        <mc:Fallback>
+          <p:sp>
+            <p:nvSpPr>
+              <p:cNvPr id="11" name="TextBox 10"/>
+              <p:cNvSpPr txBox="1">
+                <a:spLocks noRot="1" noChangeAspect="1" noMove="1" noResize="1" noEditPoints="1" noAdjustHandles="1" noChangeArrowheads="1" noChangeShapeType="1" noTextEdit="1"/>
+              </p:cNvSpPr>
+              <p:nvPr/>
+            </p:nvSpPr>
+            <p:spPr>
+              <a:xfrm>
+                <a:off x="448159" y="3211051"/>
+                <a:ext cx="7372078" cy="2274918"/>
+              </a:xfrm>
+              <a:prstGeom prst="rect">
+                <a:avLst/>
+              </a:prstGeom>
+              <a:blipFill>
+                <a:blip r:embed="rId2"/>
+                <a:stretch>
+                  <a:fillRect l="-910" t="-1609" b="-4021"/>
+                </a:stretch>
+              </a:blipFill>
+            </p:spPr>
+            <p:txBody>
+              <a:bodyPr/>
+              <a:lstStyle/>
+              <a:p>
+                <a:r>
+                  <a:rPr lang="en-US">
+                    <a:noFill/>
+                  </a:rPr>
+                  <a:t> </a:t>
+                </a:r>
+              </a:p>
+            </p:txBody>
+          </p:sp>
+        </mc:Fallback>
+      </mc:AlternateContent>
       <p:pic>
         <p:nvPicPr>
           <p:cNvPr id="12" name="Picture 11"/>
@@ -9301,7 +9914,7 @@
           <p:nvPr/>
         </p:nvPicPr>
         <p:blipFill>
-          <a:blip r:embed="rId2" cstate="print">
+          <a:blip r:embed="rId3" cstate="print">
             <a:extLst>
               <a:ext uri="{28A0092B-C50C-407E-A947-70E740481C1C}">
                 <a14:useLocalDpi xmlns:a14="http://schemas.microsoft.com/office/drawing/2010/main" val="0"/>
@@ -10044,7 +10657,7 @@
           <p:nvPr/>
         </p:nvPicPr>
         <p:blipFill rotWithShape="1">
-          <a:blip r:embed="rId3" cstate="print">
+          <a:blip r:embed="rId4" cstate="print">
             <a:extLst>
               <a:ext uri="{28A0092B-C50C-407E-A947-70E740481C1C}">
                 <a14:useLocalDpi xmlns:a14="http://schemas.microsoft.com/office/drawing/2010/main" val="0"/>
@@ -10080,7 +10693,7 @@
           <p:nvPr/>
         </p:nvPicPr>
         <p:blipFill rotWithShape="1">
-          <a:blip r:embed="rId4" cstate="print">
+          <a:blip r:embed="rId5" cstate="print">
             <a:extLst>
               <a:ext uri="{28A0092B-C50C-407E-A947-70E740481C1C}">
                 <a14:useLocalDpi xmlns:a14="http://schemas.microsoft.com/office/drawing/2010/main" val="0"/>
@@ -10157,7 +10770,7 @@
           <p:nvPr/>
         </p:nvPicPr>
         <p:blipFill rotWithShape="1">
-          <a:blip r:embed="rId5" cstate="print">
+          <a:blip r:embed="rId6" cstate="print">
             <a:extLst>
               <a:ext uri="{28A0092B-C50C-407E-A947-70E740481C1C}">
                 <a14:useLocalDpi xmlns:a14="http://schemas.microsoft.com/office/drawing/2010/main" val="0"/>
@@ -11348,6 +11961,50 @@
           <a:p>
             <a:pPr algn="ctr"/>
             <a:endParaRPr lang="en-US"/>
+          </a:p>
+        </p:txBody>
+      </p:sp>
+      <p:sp>
+        <p:nvSpPr>
+          <p:cNvPr id="46" name="TextBox 45"/>
+          <p:cNvSpPr txBox="1"/>
+          <p:nvPr/>
+        </p:nvSpPr>
+        <p:spPr>
+          <a:xfrm>
+            <a:off x="448159" y="2059765"/>
+            <a:ext cx="10481097" cy="707886"/>
+          </a:xfrm>
+          <a:prstGeom prst="rect">
+            <a:avLst/>
+          </a:prstGeom>
+          <a:noFill/>
+        </p:spPr>
+        <p:txBody>
+          <a:bodyPr wrap="square" rtlCol="0">
+            <a:spAutoFit/>
+          </a:bodyPr>
+          <a:lstStyle/>
+          <a:p>
+            <a:r>
+              <a:rPr lang="en-US" sz="2000" dirty="0">
+                <a:solidFill>
+                  <a:srgbClr val="C00000"/>
+                </a:solidFill>
+                <a:latin typeface="Hack" panose="020B0609030202020204" pitchFamily="49" charset="0"/>
+                <a:ea typeface="Hack" panose="020B0609030202020204" pitchFamily="49" charset="0"/>
+                <a:cs typeface="Hack" panose="020B0609030202020204" pitchFamily="49" charset="0"/>
+              </a:rPr>
+              <a:t>Gradient descent is a first-order iterative optimization algorithm for finding a local minimum of a differentiable function.</a:t>
+            </a:r>
+            <a:endParaRPr lang="en-US" sz="2000" dirty="0">
+              <a:solidFill>
+                <a:srgbClr val="C00000"/>
+              </a:solidFill>
+              <a:latin typeface="Hack" panose="020B0609030202020204" pitchFamily="49" charset="0"/>
+              <a:ea typeface="Hack" panose="020B0609030202020204" pitchFamily="49" charset="0"/>
+              <a:cs typeface="Hack" panose="020B0609030202020204" pitchFamily="49" charset="0"/>
+            </a:endParaRPr>
           </a:p>
         </p:txBody>
       </p:sp>
@@ -11372,6 +12029,7124 @@
 </file>
 
 <file path=ppt/slides/slide5.xml><?xml version="1.0" encoding="utf-8"?>
+<p:sld xmlns:a="http://schemas.openxmlformats.org/drawingml/2006/main" xmlns:r="http://schemas.openxmlformats.org/officeDocument/2006/relationships" xmlns:p="http://schemas.openxmlformats.org/presentationml/2006/main">
+  <p:cSld>
+    <p:spTree>
+      <p:nvGrpSpPr>
+        <p:cNvPr id="1" name=""/>
+        <p:cNvGrpSpPr/>
+        <p:nvPr/>
+      </p:nvGrpSpPr>
+      <p:grpSpPr>
+        <a:xfrm>
+          <a:off x="0" y="0"/>
+          <a:ext cx="0" cy="0"/>
+          <a:chOff x="0" y="0"/>
+          <a:chExt cx="0" cy="0"/>
+        </a:xfrm>
+      </p:grpSpPr>
+      <p:sp>
+        <p:nvSpPr>
+          <p:cNvPr id="7" name="TextBox 6"/>
+          <p:cNvSpPr txBox="1"/>
+          <p:nvPr/>
+        </p:nvSpPr>
+        <p:spPr>
+          <a:xfrm>
+            <a:off x="352425" y="323850"/>
+            <a:ext cx="4848225" cy="861774"/>
+          </a:xfrm>
+          <a:prstGeom prst="rect">
+            <a:avLst/>
+          </a:prstGeom>
+          <a:solidFill>
+            <a:schemeClr val="bg1"/>
+          </a:solidFill>
+          <a:effectLst>
+            <a:outerShdw blurRad="50800" dist="38100" dir="2700000" algn="tl" rotWithShape="0">
+              <a:prstClr val="black">
+                <a:alpha val="40000"/>
+              </a:prstClr>
+            </a:outerShdw>
+          </a:effectLst>
+        </p:spPr>
+        <p:txBody>
+          <a:bodyPr wrap="square" rtlCol="0">
+            <a:spAutoFit/>
+          </a:bodyPr>
+          <a:lstStyle/>
+          <a:p>
+            <a:r>
+              <a:rPr lang="en-US" sz="5000" b="1" dirty="0" smtClean="0">
+                <a:solidFill>
+                  <a:srgbClr val="D92027"/>
+                </a:solidFill>
+                <a:latin typeface="Hack" panose="020B0609030202020204" pitchFamily="49" charset="0"/>
+                <a:ea typeface="Hack" panose="020B0609030202020204" pitchFamily="49" charset="0"/>
+                <a:cs typeface="Hack" panose="020B0609030202020204" pitchFamily="49" charset="0"/>
+              </a:rPr>
+              <a:t>Session 2</a:t>
+            </a:r>
+            <a:endParaRPr lang="en-US" sz="5000" b="1" dirty="0">
+              <a:solidFill>
+                <a:srgbClr val="D92027"/>
+              </a:solidFill>
+              <a:latin typeface="Hack" panose="020B0609030202020204" pitchFamily="49" charset="0"/>
+              <a:ea typeface="Hack" panose="020B0609030202020204" pitchFamily="49" charset="0"/>
+              <a:cs typeface="Hack" panose="020B0609030202020204" pitchFamily="49" charset="0"/>
+            </a:endParaRPr>
+          </a:p>
+        </p:txBody>
+      </p:sp>
+      <p:sp>
+        <p:nvSpPr>
+          <p:cNvPr id="9" name="TextBox 8"/>
+          <p:cNvSpPr txBox="1"/>
+          <p:nvPr/>
+        </p:nvSpPr>
+        <p:spPr>
+          <a:xfrm>
+            <a:off x="352425" y="1235214"/>
+            <a:ext cx="4942386" cy="646331"/>
+          </a:xfrm>
+          <a:prstGeom prst="rect">
+            <a:avLst/>
+          </a:prstGeom>
+          <a:solidFill>
+            <a:schemeClr val="bg1"/>
+          </a:solidFill>
+          <a:effectLst>
+            <a:outerShdw blurRad="50800" dist="38100" dir="2700000" algn="tl" rotWithShape="0">
+              <a:prstClr val="black">
+                <a:alpha val="40000"/>
+              </a:prstClr>
+            </a:outerShdw>
+          </a:effectLst>
+        </p:spPr>
+        <p:txBody>
+          <a:bodyPr wrap="square" rtlCol="0">
+            <a:spAutoFit/>
+          </a:bodyPr>
+          <a:lstStyle/>
+          <a:p>
+            <a:r>
+              <a:rPr lang="en-US" sz="3600" b="1" dirty="0" smtClean="0">
+                <a:solidFill>
+                  <a:srgbClr val="46484A"/>
+                </a:solidFill>
+                <a:latin typeface="Hack" panose="020B0609030202020204" pitchFamily="49" charset="0"/>
+                <a:ea typeface="Hack" panose="020B0609030202020204" pitchFamily="49" charset="0"/>
+                <a:cs typeface="Hack" panose="020B0609030202020204" pitchFamily="49" charset="0"/>
+              </a:rPr>
+              <a:t>Gradient descent</a:t>
+            </a:r>
+            <a:endParaRPr lang="en-US" sz="3600" b="1" dirty="0">
+              <a:solidFill>
+                <a:srgbClr val="46484A"/>
+              </a:solidFill>
+              <a:latin typeface="Hack" panose="020B0609030202020204" pitchFamily="49" charset="0"/>
+              <a:ea typeface="Hack" panose="020B0609030202020204" pitchFamily="49" charset="0"/>
+              <a:cs typeface="Hack" panose="020B0609030202020204" pitchFamily="49" charset="0"/>
+            </a:endParaRPr>
+          </a:p>
+        </p:txBody>
+      </p:sp>
+      <p:pic>
+        <p:nvPicPr>
+          <p:cNvPr id="12" name="Picture 11"/>
+          <p:cNvPicPr>
+            <a:picLocks noChangeAspect="1"/>
+          </p:cNvPicPr>
+          <p:nvPr/>
+        </p:nvPicPr>
+        <p:blipFill>
+          <a:blip r:embed="rId2" cstate="print">
+            <a:extLst>
+              <a:ext uri="{28A0092B-C50C-407E-A947-70E740481C1C}">
+                <a14:useLocalDpi xmlns:a14="http://schemas.microsoft.com/office/drawing/2010/main" val="0"/>
+              </a:ext>
+            </a:extLst>
+          </a:blip>
+          <a:stretch>
+            <a:fillRect/>
+          </a:stretch>
+        </p:blipFill>
+        <p:spPr>
+          <a:xfrm>
+            <a:off x="11110705" y="123825"/>
+            <a:ext cx="930903" cy="982164"/>
+          </a:xfrm>
+          <a:prstGeom prst="rect">
+            <a:avLst/>
+          </a:prstGeom>
+        </p:spPr>
+      </p:pic>
+      <p:sp>
+        <p:nvSpPr>
+          <p:cNvPr id="86" name="Isosceles Triangle 85"/>
+          <p:cNvSpPr/>
+          <p:nvPr/>
+        </p:nvSpPr>
+        <p:spPr>
+          <a:xfrm>
+            <a:off x="6502657" y="6263532"/>
+            <a:ext cx="1344964" cy="498460"/>
+          </a:xfrm>
+          <a:prstGeom prst="triangle">
+            <a:avLst/>
+          </a:prstGeom>
+          <a:solidFill>
+            <a:srgbClr val="D92027"/>
+          </a:solidFill>
+          <a:ln>
+            <a:solidFill>
+              <a:srgbClr val="D92027"/>
+            </a:solidFill>
+          </a:ln>
+          <a:effectLst>
+            <a:outerShdw blurRad="50800" dist="38100" dir="2700000" algn="tl" rotWithShape="0">
+              <a:prstClr val="black">
+                <a:alpha val="40000"/>
+              </a:prstClr>
+            </a:outerShdw>
+          </a:effectLst>
+        </p:spPr>
+        <p:style>
+          <a:lnRef idx="2">
+            <a:schemeClr val="accent1">
+              <a:shade val="50000"/>
+            </a:schemeClr>
+          </a:lnRef>
+          <a:fillRef idx="1">
+            <a:schemeClr val="accent1"/>
+          </a:fillRef>
+          <a:effectRef idx="0">
+            <a:schemeClr val="accent1"/>
+          </a:effectRef>
+          <a:fontRef idx="minor">
+            <a:schemeClr val="lt1"/>
+          </a:fontRef>
+        </p:style>
+        <p:txBody>
+          <a:bodyPr rtlCol="0" anchor="ctr"/>
+          <a:lstStyle/>
+          <a:p>
+            <a:pPr algn="ctr"/>
+            <a:endParaRPr lang="en-US"/>
+          </a:p>
+        </p:txBody>
+      </p:sp>
+      <p:sp>
+        <p:nvSpPr>
+          <p:cNvPr id="78" name="Isosceles Triangle 77"/>
+          <p:cNvSpPr/>
+          <p:nvPr/>
+        </p:nvSpPr>
+        <p:spPr>
+          <a:xfrm>
+            <a:off x="3777283" y="6242359"/>
+            <a:ext cx="1344964" cy="498460"/>
+          </a:xfrm>
+          <a:prstGeom prst="triangle">
+            <a:avLst/>
+          </a:prstGeom>
+          <a:solidFill>
+            <a:srgbClr val="D92027"/>
+          </a:solidFill>
+          <a:ln>
+            <a:solidFill>
+              <a:srgbClr val="D92027"/>
+            </a:solidFill>
+          </a:ln>
+          <a:effectLst>
+            <a:outerShdw blurRad="50800" dist="38100" dir="2700000" algn="tl" rotWithShape="0">
+              <a:prstClr val="black">
+                <a:alpha val="40000"/>
+              </a:prstClr>
+            </a:outerShdw>
+          </a:effectLst>
+        </p:spPr>
+        <p:style>
+          <a:lnRef idx="2">
+            <a:schemeClr val="accent1">
+              <a:shade val="50000"/>
+            </a:schemeClr>
+          </a:lnRef>
+          <a:fillRef idx="1">
+            <a:schemeClr val="accent1"/>
+          </a:fillRef>
+          <a:effectRef idx="0">
+            <a:schemeClr val="accent1"/>
+          </a:effectRef>
+          <a:fontRef idx="minor">
+            <a:schemeClr val="lt1"/>
+          </a:fontRef>
+        </p:style>
+        <p:txBody>
+          <a:bodyPr rtlCol="0" anchor="ctr"/>
+          <a:lstStyle/>
+          <a:p>
+            <a:pPr algn="ctr"/>
+            <a:endParaRPr lang="en-US"/>
+          </a:p>
+        </p:txBody>
+      </p:sp>
+      <p:sp>
+        <p:nvSpPr>
+          <p:cNvPr id="58" name="Isosceles Triangle 57"/>
+          <p:cNvSpPr/>
+          <p:nvPr/>
+        </p:nvSpPr>
+        <p:spPr>
+          <a:xfrm>
+            <a:off x="6948494" y="6263532"/>
+            <a:ext cx="1344964" cy="498460"/>
+          </a:xfrm>
+          <a:prstGeom prst="triangle">
+            <a:avLst/>
+          </a:prstGeom>
+          <a:solidFill>
+            <a:srgbClr val="D92027"/>
+          </a:solidFill>
+          <a:ln>
+            <a:solidFill>
+              <a:srgbClr val="D92027"/>
+            </a:solidFill>
+          </a:ln>
+          <a:effectLst>
+            <a:outerShdw blurRad="50800" dist="38100" dir="2700000" algn="tl" rotWithShape="0">
+              <a:prstClr val="black">
+                <a:alpha val="40000"/>
+              </a:prstClr>
+            </a:outerShdw>
+          </a:effectLst>
+        </p:spPr>
+        <p:style>
+          <a:lnRef idx="2">
+            <a:schemeClr val="accent1">
+              <a:shade val="50000"/>
+            </a:schemeClr>
+          </a:lnRef>
+          <a:fillRef idx="1">
+            <a:schemeClr val="accent1"/>
+          </a:fillRef>
+          <a:effectRef idx="0">
+            <a:schemeClr val="accent1"/>
+          </a:effectRef>
+          <a:fontRef idx="minor">
+            <a:schemeClr val="lt1"/>
+          </a:fontRef>
+        </p:style>
+        <p:txBody>
+          <a:bodyPr rtlCol="0" anchor="ctr"/>
+          <a:lstStyle/>
+          <a:p>
+            <a:pPr algn="ctr"/>
+            <a:endParaRPr lang="en-US"/>
+          </a:p>
+        </p:txBody>
+      </p:sp>
+      <p:sp>
+        <p:nvSpPr>
+          <p:cNvPr id="59" name="Isosceles Triangle 58"/>
+          <p:cNvSpPr/>
+          <p:nvPr/>
+        </p:nvSpPr>
+        <p:spPr>
+          <a:xfrm>
+            <a:off x="8580922" y="6251647"/>
+            <a:ext cx="1344964" cy="498460"/>
+          </a:xfrm>
+          <a:prstGeom prst="triangle">
+            <a:avLst/>
+          </a:prstGeom>
+          <a:solidFill>
+            <a:srgbClr val="D92027"/>
+          </a:solidFill>
+          <a:ln>
+            <a:solidFill>
+              <a:srgbClr val="D92027"/>
+            </a:solidFill>
+          </a:ln>
+          <a:effectLst>
+            <a:outerShdw blurRad="50800" dist="38100" dir="2700000" algn="tl" rotWithShape="0">
+              <a:prstClr val="black">
+                <a:alpha val="40000"/>
+              </a:prstClr>
+            </a:outerShdw>
+          </a:effectLst>
+        </p:spPr>
+        <p:style>
+          <a:lnRef idx="2">
+            <a:schemeClr val="accent1">
+              <a:shade val="50000"/>
+            </a:schemeClr>
+          </a:lnRef>
+          <a:fillRef idx="1">
+            <a:schemeClr val="accent1"/>
+          </a:fillRef>
+          <a:effectRef idx="0">
+            <a:schemeClr val="accent1"/>
+          </a:effectRef>
+          <a:fontRef idx="minor">
+            <a:schemeClr val="lt1"/>
+          </a:fontRef>
+        </p:style>
+        <p:txBody>
+          <a:bodyPr rtlCol="0" anchor="ctr"/>
+          <a:lstStyle/>
+          <a:p>
+            <a:pPr algn="ctr"/>
+            <a:endParaRPr lang="en-US"/>
+          </a:p>
+        </p:txBody>
+      </p:sp>
+      <p:sp>
+        <p:nvSpPr>
+          <p:cNvPr id="60" name="Isosceles Triangle 59"/>
+          <p:cNvSpPr/>
+          <p:nvPr/>
+        </p:nvSpPr>
+        <p:spPr>
+          <a:xfrm>
+            <a:off x="7927524" y="6250531"/>
+            <a:ext cx="1344964" cy="498460"/>
+          </a:xfrm>
+          <a:prstGeom prst="triangle">
+            <a:avLst/>
+          </a:prstGeom>
+          <a:solidFill>
+            <a:srgbClr val="D92027"/>
+          </a:solidFill>
+          <a:ln>
+            <a:solidFill>
+              <a:srgbClr val="D92027"/>
+            </a:solidFill>
+          </a:ln>
+          <a:effectLst>
+            <a:outerShdw blurRad="50800" dist="38100" dir="2700000" algn="tl" rotWithShape="0">
+              <a:prstClr val="black">
+                <a:alpha val="40000"/>
+              </a:prstClr>
+            </a:outerShdw>
+          </a:effectLst>
+        </p:spPr>
+        <p:style>
+          <a:lnRef idx="2">
+            <a:schemeClr val="accent1">
+              <a:shade val="50000"/>
+            </a:schemeClr>
+          </a:lnRef>
+          <a:fillRef idx="1">
+            <a:schemeClr val="accent1"/>
+          </a:fillRef>
+          <a:effectRef idx="0">
+            <a:schemeClr val="accent1"/>
+          </a:effectRef>
+          <a:fontRef idx="minor">
+            <a:schemeClr val="lt1"/>
+          </a:fontRef>
+        </p:style>
+        <p:txBody>
+          <a:bodyPr rtlCol="0" anchor="ctr"/>
+          <a:lstStyle/>
+          <a:p>
+            <a:pPr algn="ctr"/>
+            <a:endParaRPr lang="en-US"/>
+          </a:p>
+        </p:txBody>
+      </p:sp>
+      <p:sp>
+        <p:nvSpPr>
+          <p:cNvPr id="61" name="Isosceles Triangle 60"/>
+          <p:cNvSpPr/>
+          <p:nvPr/>
+        </p:nvSpPr>
+        <p:spPr>
+          <a:xfrm>
+            <a:off x="7424176" y="6250531"/>
+            <a:ext cx="1344964" cy="498460"/>
+          </a:xfrm>
+          <a:prstGeom prst="triangle">
+            <a:avLst/>
+          </a:prstGeom>
+          <a:solidFill>
+            <a:srgbClr val="D92027"/>
+          </a:solidFill>
+          <a:ln>
+            <a:solidFill>
+              <a:srgbClr val="D92027"/>
+            </a:solidFill>
+          </a:ln>
+          <a:effectLst>
+            <a:outerShdw blurRad="50800" dist="38100" dir="2700000" algn="tl" rotWithShape="0">
+              <a:prstClr val="black">
+                <a:alpha val="40000"/>
+              </a:prstClr>
+            </a:outerShdw>
+          </a:effectLst>
+        </p:spPr>
+        <p:style>
+          <a:lnRef idx="2">
+            <a:schemeClr val="accent1">
+              <a:shade val="50000"/>
+            </a:schemeClr>
+          </a:lnRef>
+          <a:fillRef idx="1">
+            <a:schemeClr val="accent1"/>
+          </a:fillRef>
+          <a:effectRef idx="0">
+            <a:schemeClr val="accent1"/>
+          </a:effectRef>
+          <a:fontRef idx="minor">
+            <a:schemeClr val="lt1"/>
+          </a:fontRef>
+        </p:style>
+        <p:txBody>
+          <a:bodyPr rtlCol="0" anchor="ctr"/>
+          <a:lstStyle/>
+          <a:p>
+            <a:pPr algn="ctr"/>
+            <a:endParaRPr lang="en-US"/>
+          </a:p>
+        </p:txBody>
+      </p:sp>
+      <p:sp>
+        <p:nvSpPr>
+          <p:cNvPr id="62" name="Isosceles Triangle 61"/>
+          <p:cNvSpPr/>
+          <p:nvPr/>
+        </p:nvSpPr>
+        <p:spPr>
+          <a:xfrm>
+            <a:off x="8341203" y="6343014"/>
+            <a:ext cx="1344964" cy="498460"/>
+          </a:xfrm>
+          <a:prstGeom prst="triangle">
+            <a:avLst/>
+          </a:prstGeom>
+          <a:solidFill>
+            <a:srgbClr val="8D98A7"/>
+          </a:solidFill>
+          <a:ln>
+            <a:solidFill>
+              <a:srgbClr val="8D98A7"/>
+            </a:solidFill>
+          </a:ln>
+          <a:effectLst>
+            <a:outerShdw blurRad="50800" dist="38100" dir="2700000" algn="tl" rotWithShape="0">
+              <a:prstClr val="black">
+                <a:alpha val="40000"/>
+              </a:prstClr>
+            </a:outerShdw>
+          </a:effectLst>
+        </p:spPr>
+        <p:style>
+          <a:lnRef idx="2">
+            <a:schemeClr val="accent1">
+              <a:shade val="50000"/>
+            </a:schemeClr>
+          </a:lnRef>
+          <a:fillRef idx="1">
+            <a:schemeClr val="accent1"/>
+          </a:fillRef>
+          <a:effectRef idx="0">
+            <a:schemeClr val="accent1"/>
+          </a:effectRef>
+          <a:fontRef idx="minor">
+            <a:schemeClr val="lt1"/>
+          </a:fontRef>
+        </p:style>
+        <p:txBody>
+          <a:bodyPr rtlCol="0" anchor="ctr"/>
+          <a:lstStyle/>
+          <a:p>
+            <a:pPr algn="ctr"/>
+            <a:endParaRPr lang="en-US"/>
+          </a:p>
+        </p:txBody>
+      </p:sp>
+      <p:sp>
+        <p:nvSpPr>
+          <p:cNvPr id="63" name="Isosceles Triangle 62"/>
+          <p:cNvSpPr/>
+          <p:nvPr/>
+        </p:nvSpPr>
+        <p:spPr>
+          <a:xfrm>
+            <a:off x="7265687" y="6330013"/>
+            <a:ext cx="1344964" cy="498460"/>
+          </a:xfrm>
+          <a:prstGeom prst="triangle">
+            <a:avLst/>
+          </a:prstGeom>
+          <a:solidFill>
+            <a:srgbClr val="8D98A7"/>
+          </a:solidFill>
+          <a:ln>
+            <a:solidFill>
+              <a:srgbClr val="8D98A7"/>
+            </a:solidFill>
+          </a:ln>
+          <a:effectLst>
+            <a:outerShdw blurRad="50800" dist="38100" dir="2700000" algn="tl" rotWithShape="0">
+              <a:prstClr val="black">
+                <a:alpha val="40000"/>
+              </a:prstClr>
+            </a:outerShdw>
+          </a:effectLst>
+        </p:spPr>
+        <p:style>
+          <a:lnRef idx="2">
+            <a:schemeClr val="accent1">
+              <a:shade val="50000"/>
+            </a:schemeClr>
+          </a:lnRef>
+          <a:fillRef idx="1">
+            <a:schemeClr val="accent1"/>
+          </a:fillRef>
+          <a:effectRef idx="0">
+            <a:schemeClr val="accent1"/>
+          </a:effectRef>
+          <a:fontRef idx="minor">
+            <a:schemeClr val="lt1"/>
+          </a:fontRef>
+        </p:style>
+        <p:txBody>
+          <a:bodyPr rtlCol="0" anchor="ctr"/>
+          <a:lstStyle/>
+          <a:p>
+            <a:pPr algn="ctr"/>
+            <a:endParaRPr lang="en-US"/>
+          </a:p>
+        </p:txBody>
+      </p:sp>
+      <p:sp>
+        <p:nvSpPr>
+          <p:cNvPr id="64" name="Isosceles Triangle 63"/>
+          <p:cNvSpPr/>
+          <p:nvPr/>
+        </p:nvSpPr>
+        <p:spPr>
+          <a:xfrm>
+            <a:off x="6572014" y="6356016"/>
+            <a:ext cx="1344964" cy="498460"/>
+          </a:xfrm>
+          <a:prstGeom prst="triangle">
+            <a:avLst/>
+          </a:prstGeom>
+          <a:solidFill>
+            <a:srgbClr val="46484A"/>
+          </a:solidFill>
+          <a:ln>
+            <a:solidFill>
+              <a:srgbClr val="46484A"/>
+            </a:solidFill>
+          </a:ln>
+          <a:effectLst>
+            <a:outerShdw blurRad="50800" dist="38100" dir="2700000" algn="tl" rotWithShape="0">
+              <a:prstClr val="black">
+                <a:alpha val="40000"/>
+              </a:prstClr>
+            </a:outerShdw>
+          </a:effectLst>
+        </p:spPr>
+        <p:style>
+          <a:lnRef idx="2">
+            <a:schemeClr val="accent1">
+              <a:shade val="50000"/>
+            </a:schemeClr>
+          </a:lnRef>
+          <a:fillRef idx="1">
+            <a:schemeClr val="accent1"/>
+          </a:fillRef>
+          <a:effectRef idx="0">
+            <a:schemeClr val="accent1"/>
+          </a:effectRef>
+          <a:fontRef idx="minor">
+            <a:schemeClr val="lt1"/>
+          </a:fontRef>
+        </p:style>
+        <p:txBody>
+          <a:bodyPr rtlCol="0" anchor="ctr"/>
+          <a:lstStyle/>
+          <a:p>
+            <a:pPr algn="ctr"/>
+            <a:endParaRPr lang="en-US"/>
+          </a:p>
+        </p:txBody>
+      </p:sp>
+      <p:sp>
+        <p:nvSpPr>
+          <p:cNvPr id="65" name="Isosceles Triangle 64"/>
+          <p:cNvSpPr/>
+          <p:nvPr/>
+        </p:nvSpPr>
+        <p:spPr>
+          <a:xfrm>
+            <a:off x="9141097" y="6238274"/>
+            <a:ext cx="1344964" cy="498460"/>
+          </a:xfrm>
+          <a:prstGeom prst="triangle">
+            <a:avLst/>
+          </a:prstGeom>
+          <a:solidFill>
+            <a:srgbClr val="D92027"/>
+          </a:solidFill>
+          <a:ln>
+            <a:solidFill>
+              <a:srgbClr val="D92027"/>
+            </a:solidFill>
+          </a:ln>
+          <a:effectLst>
+            <a:outerShdw blurRad="50800" dist="38100" dir="2700000" algn="tl" rotWithShape="0">
+              <a:prstClr val="black">
+                <a:alpha val="40000"/>
+              </a:prstClr>
+            </a:outerShdw>
+          </a:effectLst>
+        </p:spPr>
+        <p:style>
+          <a:lnRef idx="2">
+            <a:schemeClr val="accent1">
+              <a:shade val="50000"/>
+            </a:schemeClr>
+          </a:lnRef>
+          <a:fillRef idx="1">
+            <a:schemeClr val="accent1"/>
+          </a:fillRef>
+          <a:effectRef idx="0">
+            <a:schemeClr val="accent1"/>
+          </a:effectRef>
+          <a:fontRef idx="minor">
+            <a:schemeClr val="lt1"/>
+          </a:fontRef>
+        </p:style>
+        <p:txBody>
+          <a:bodyPr rtlCol="0" anchor="ctr"/>
+          <a:lstStyle/>
+          <a:p>
+            <a:pPr algn="ctr"/>
+            <a:endParaRPr lang="en-US"/>
+          </a:p>
+        </p:txBody>
+      </p:sp>
+      <p:sp>
+        <p:nvSpPr>
+          <p:cNvPr id="66" name="Isosceles Triangle 65"/>
+          <p:cNvSpPr/>
+          <p:nvPr/>
+        </p:nvSpPr>
+        <p:spPr>
+          <a:xfrm>
+            <a:off x="8746198" y="6347100"/>
+            <a:ext cx="1344964" cy="498460"/>
+          </a:xfrm>
+          <a:prstGeom prst="triangle">
+            <a:avLst/>
+          </a:prstGeom>
+          <a:solidFill>
+            <a:srgbClr val="46484A"/>
+          </a:solidFill>
+          <a:ln>
+            <a:solidFill>
+              <a:srgbClr val="46484A"/>
+            </a:solidFill>
+          </a:ln>
+          <a:effectLst>
+            <a:outerShdw blurRad="50800" dist="38100" dir="2700000" algn="tl" rotWithShape="0">
+              <a:prstClr val="black">
+                <a:alpha val="40000"/>
+              </a:prstClr>
+            </a:outerShdw>
+          </a:effectLst>
+        </p:spPr>
+        <p:style>
+          <a:lnRef idx="2">
+            <a:schemeClr val="accent1">
+              <a:shade val="50000"/>
+            </a:schemeClr>
+          </a:lnRef>
+          <a:fillRef idx="1">
+            <a:schemeClr val="accent1"/>
+          </a:fillRef>
+          <a:effectRef idx="0">
+            <a:schemeClr val="accent1"/>
+          </a:effectRef>
+          <a:fontRef idx="minor">
+            <a:schemeClr val="lt1"/>
+          </a:fontRef>
+        </p:style>
+        <p:txBody>
+          <a:bodyPr rtlCol="0" anchor="ctr"/>
+          <a:lstStyle/>
+          <a:p>
+            <a:pPr algn="ctr"/>
+            <a:endParaRPr lang="en-US" dirty="0"/>
+          </a:p>
+        </p:txBody>
+      </p:sp>
+      <p:sp>
+        <p:nvSpPr>
+          <p:cNvPr id="67" name="Isosceles Triangle 66"/>
+          <p:cNvSpPr/>
+          <p:nvPr/>
+        </p:nvSpPr>
+        <p:spPr>
+          <a:xfrm>
+            <a:off x="7566660" y="6356016"/>
+            <a:ext cx="1344964" cy="498460"/>
+          </a:xfrm>
+          <a:prstGeom prst="triangle">
+            <a:avLst/>
+          </a:prstGeom>
+          <a:solidFill>
+            <a:srgbClr val="46484A"/>
+          </a:solidFill>
+          <a:ln>
+            <a:solidFill>
+              <a:srgbClr val="46484A"/>
+            </a:solidFill>
+          </a:ln>
+          <a:effectLst>
+            <a:outerShdw blurRad="50800" dist="38100" dir="2700000" algn="tl" rotWithShape="0">
+              <a:prstClr val="black">
+                <a:alpha val="40000"/>
+              </a:prstClr>
+            </a:outerShdw>
+          </a:effectLst>
+        </p:spPr>
+        <p:style>
+          <a:lnRef idx="2">
+            <a:schemeClr val="accent1">
+              <a:shade val="50000"/>
+            </a:schemeClr>
+          </a:lnRef>
+          <a:fillRef idx="1">
+            <a:schemeClr val="accent1"/>
+          </a:fillRef>
+          <a:effectRef idx="0">
+            <a:schemeClr val="accent1"/>
+          </a:effectRef>
+          <a:fontRef idx="minor">
+            <a:schemeClr val="lt1"/>
+          </a:fontRef>
+        </p:style>
+        <p:txBody>
+          <a:bodyPr rtlCol="0" anchor="ctr"/>
+          <a:lstStyle/>
+          <a:p>
+            <a:pPr algn="ctr"/>
+            <a:endParaRPr lang="en-US"/>
+          </a:p>
+        </p:txBody>
+      </p:sp>
+      <p:sp>
+        <p:nvSpPr>
+          <p:cNvPr id="23" name="Rectangle 22"/>
+          <p:cNvSpPr/>
+          <p:nvPr/>
+        </p:nvSpPr>
+        <p:spPr>
+          <a:xfrm>
+            <a:off x="9368179" y="6356016"/>
+            <a:ext cx="2812953" cy="498460"/>
+          </a:xfrm>
+          <a:prstGeom prst="rect">
+            <a:avLst/>
+          </a:prstGeom>
+          <a:solidFill>
+            <a:schemeClr val="bg1"/>
+          </a:solidFill>
+          <a:ln>
+            <a:noFill/>
+          </a:ln>
+          <a:effectLst>
+            <a:outerShdw blurRad="50800" dist="38100" dir="2700000" algn="tl" rotWithShape="0">
+              <a:prstClr val="black">
+                <a:alpha val="40000"/>
+              </a:prstClr>
+            </a:outerShdw>
+          </a:effectLst>
+        </p:spPr>
+        <p:style>
+          <a:lnRef idx="2">
+            <a:schemeClr val="accent1">
+              <a:shade val="50000"/>
+            </a:schemeClr>
+          </a:lnRef>
+          <a:fillRef idx="1">
+            <a:schemeClr val="accent1"/>
+          </a:fillRef>
+          <a:effectRef idx="0">
+            <a:schemeClr val="accent1"/>
+          </a:effectRef>
+          <a:fontRef idx="minor">
+            <a:schemeClr val="lt1"/>
+          </a:fontRef>
+        </p:style>
+        <p:txBody>
+          <a:bodyPr rtlCol="0" anchor="ctr"/>
+          <a:lstStyle/>
+          <a:p>
+            <a:pPr algn="ctr"/>
+            <a:endParaRPr lang="en-US"/>
+          </a:p>
+        </p:txBody>
+      </p:sp>
+      <p:pic>
+        <p:nvPicPr>
+          <p:cNvPr id="13" name="Picture 12"/>
+          <p:cNvPicPr>
+            <a:picLocks noChangeAspect="1"/>
+          </p:cNvPicPr>
+          <p:nvPr/>
+        </p:nvPicPr>
+        <p:blipFill rotWithShape="1">
+          <a:blip r:embed="rId3" cstate="print">
+            <a:extLst>
+              <a:ext uri="{28A0092B-C50C-407E-A947-70E740481C1C}">
+                <a14:useLocalDpi xmlns:a14="http://schemas.microsoft.com/office/drawing/2010/main" val="0"/>
+              </a:ext>
+            </a:extLst>
+          </a:blip>
+          <a:srcRect r="34539" b="73472"/>
+          <a:stretch/>
+        </p:blipFill>
+        <p:spPr>
+          <a:xfrm>
+            <a:off x="7938169" y="6074100"/>
+            <a:ext cx="4245498" cy="780376"/>
+          </a:xfrm>
+          <a:prstGeom prst="rect">
+            <a:avLst/>
+          </a:prstGeom>
+          <a:effectLst>
+            <a:outerShdw blurRad="50800" dist="38100" dir="2700000" algn="tl" rotWithShape="0">
+              <a:prstClr val="black">
+                <a:alpha val="40000"/>
+              </a:prstClr>
+            </a:outerShdw>
+          </a:effectLst>
+        </p:spPr>
+      </p:pic>
+      <p:pic>
+        <p:nvPicPr>
+          <p:cNvPr id="14" name="Picture 13"/>
+          <p:cNvPicPr>
+            <a:picLocks noChangeAspect="1"/>
+          </p:cNvPicPr>
+          <p:nvPr/>
+        </p:nvPicPr>
+        <p:blipFill rotWithShape="1">
+          <a:blip r:embed="rId4" cstate="print">
+            <a:extLst>
+              <a:ext uri="{28A0092B-C50C-407E-A947-70E740481C1C}">
+                <a14:useLocalDpi xmlns:a14="http://schemas.microsoft.com/office/drawing/2010/main" val="0"/>
+              </a:ext>
+            </a:extLst>
+          </a:blip>
+          <a:srcRect r="34539" b="73472"/>
+          <a:stretch/>
+        </p:blipFill>
+        <p:spPr>
+          <a:xfrm>
+            <a:off x="7146304" y="5930537"/>
+            <a:ext cx="5045696" cy="927463"/>
+          </a:xfrm>
+          <a:prstGeom prst="rect">
+            <a:avLst/>
+          </a:prstGeom>
+          <a:effectLst>
+            <a:outerShdw blurRad="50800" dist="38100" dir="2700000" algn="tl" rotWithShape="0">
+              <a:prstClr val="black">
+                <a:alpha val="40000"/>
+              </a:prstClr>
+            </a:outerShdw>
+          </a:effectLst>
+        </p:spPr>
+      </p:pic>
+      <p:sp>
+        <p:nvSpPr>
+          <p:cNvPr id="20" name="TextBox 19"/>
+          <p:cNvSpPr txBox="1"/>
+          <p:nvPr/>
+        </p:nvSpPr>
+        <p:spPr>
+          <a:xfrm>
+            <a:off x="10244217" y="6473196"/>
+            <a:ext cx="1936915" cy="369332"/>
+          </a:xfrm>
+          <a:prstGeom prst="rect">
+            <a:avLst/>
+          </a:prstGeom>
+          <a:solidFill>
+            <a:schemeClr val="bg1"/>
+          </a:solidFill>
+          <a:effectLst/>
+        </p:spPr>
+        <p:txBody>
+          <a:bodyPr wrap="square" rtlCol="0">
+            <a:spAutoFit/>
+          </a:bodyPr>
+          <a:lstStyle/>
+          <a:p>
+            <a:r>
+              <a:rPr lang="en-US" b="1" dirty="0" smtClean="0">
+                <a:latin typeface="Hack" panose="020B0609030202020204" pitchFamily="49" charset="0"/>
+                <a:ea typeface="Hack" panose="020B0609030202020204" pitchFamily="49" charset="0"/>
+                <a:cs typeface="Hack" panose="020B0609030202020204" pitchFamily="49" charset="0"/>
+              </a:rPr>
+              <a:t>Grow Through</a:t>
+            </a:r>
+            <a:endParaRPr lang="en-US" b="1" dirty="0">
+              <a:latin typeface="Hack" panose="020B0609030202020204" pitchFamily="49" charset="0"/>
+              <a:ea typeface="Hack" panose="020B0609030202020204" pitchFamily="49" charset="0"/>
+              <a:cs typeface="Hack" panose="020B0609030202020204" pitchFamily="49" charset="0"/>
+            </a:endParaRPr>
+          </a:p>
+        </p:txBody>
+      </p:sp>
+      <p:pic>
+        <p:nvPicPr>
+          <p:cNvPr id="15" name="Picture 14"/>
+          <p:cNvPicPr>
+            <a:picLocks noChangeAspect="1"/>
+          </p:cNvPicPr>
+          <p:nvPr/>
+        </p:nvPicPr>
+        <p:blipFill rotWithShape="1">
+          <a:blip r:embed="rId5" cstate="print">
+            <a:extLst>
+              <a:ext uri="{28A0092B-C50C-407E-A947-70E740481C1C}">
+                <a14:useLocalDpi xmlns:a14="http://schemas.microsoft.com/office/drawing/2010/main" val="0"/>
+              </a:ext>
+            </a:extLst>
+          </a:blip>
+          <a:srcRect r="34539" b="73472"/>
+          <a:stretch/>
+        </p:blipFill>
+        <p:spPr>
+          <a:xfrm>
+            <a:off x="8629531" y="6203173"/>
+            <a:ext cx="3562469" cy="654827"/>
+          </a:xfrm>
+          <a:prstGeom prst="rect">
+            <a:avLst/>
+          </a:prstGeom>
+          <a:effectLst>
+            <a:outerShdw blurRad="50800" dist="38100" dir="2700000" algn="tl" rotWithShape="0">
+              <a:prstClr val="black">
+                <a:alpha val="40000"/>
+              </a:prstClr>
+            </a:outerShdw>
+          </a:effectLst>
+        </p:spPr>
+      </p:pic>
+      <p:sp>
+        <p:nvSpPr>
+          <p:cNvPr id="27" name="Isosceles Triangle 26"/>
+          <p:cNvSpPr/>
+          <p:nvPr/>
+        </p:nvSpPr>
+        <p:spPr>
+          <a:xfrm>
+            <a:off x="966421" y="6263532"/>
+            <a:ext cx="1344964" cy="498460"/>
+          </a:xfrm>
+          <a:prstGeom prst="triangle">
+            <a:avLst/>
+          </a:prstGeom>
+          <a:solidFill>
+            <a:srgbClr val="D92027"/>
+          </a:solidFill>
+          <a:ln>
+            <a:solidFill>
+              <a:srgbClr val="D92027"/>
+            </a:solidFill>
+          </a:ln>
+          <a:effectLst>
+            <a:outerShdw blurRad="50800" dist="38100" dir="2700000" algn="tl" rotWithShape="0">
+              <a:prstClr val="black">
+                <a:alpha val="40000"/>
+              </a:prstClr>
+            </a:outerShdw>
+          </a:effectLst>
+        </p:spPr>
+        <p:style>
+          <a:lnRef idx="2">
+            <a:schemeClr val="accent1">
+              <a:shade val="50000"/>
+            </a:schemeClr>
+          </a:lnRef>
+          <a:fillRef idx="1">
+            <a:schemeClr val="accent1"/>
+          </a:fillRef>
+          <a:effectRef idx="0">
+            <a:schemeClr val="accent1"/>
+          </a:effectRef>
+          <a:fontRef idx="minor">
+            <a:schemeClr val="lt1"/>
+          </a:fontRef>
+        </p:style>
+        <p:txBody>
+          <a:bodyPr rtlCol="0" anchor="ctr"/>
+          <a:lstStyle/>
+          <a:p>
+            <a:pPr algn="ctr"/>
+            <a:endParaRPr lang="en-US"/>
+          </a:p>
+        </p:txBody>
+      </p:sp>
+      <p:sp>
+        <p:nvSpPr>
+          <p:cNvPr id="29" name="Isosceles Triangle 28"/>
+          <p:cNvSpPr/>
+          <p:nvPr/>
+        </p:nvSpPr>
+        <p:spPr>
+          <a:xfrm>
+            <a:off x="2598849" y="6251647"/>
+            <a:ext cx="1344964" cy="498460"/>
+          </a:xfrm>
+          <a:prstGeom prst="triangle">
+            <a:avLst/>
+          </a:prstGeom>
+          <a:solidFill>
+            <a:srgbClr val="D92027"/>
+          </a:solidFill>
+          <a:ln>
+            <a:solidFill>
+              <a:srgbClr val="D92027"/>
+            </a:solidFill>
+          </a:ln>
+          <a:effectLst>
+            <a:outerShdw blurRad="50800" dist="38100" dir="2700000" algn="tl" rotWithShape="0">
+              <a:prstClr val="black">
+                <a:alpha val="40000"/>
+              </a:prstClr>
+            </a:outerShdw>
+          </a:effectLst>
+        </p:spPr>
+        <p:style>
+          <a:lnRef idx="2">
+            <a:schemeClr val="accent1">
+              <a:shade val="50000"/>
+            </a:schemeClr>
+          </a:lnRef>
+          <a:fillRef idx="1">
+            <a:schemeClr val="accent1"/>
+          </a:fillRef>
+          <a:effectRef idx="0">
+            <a:schemeClr val="accent1"/>
+          </a:effectRef>
+          <a:fontRef idx="minor">
+            <a:schemeClr val="lt1"/>
+          </a:fontRef>
+        </p:style>
+        <p:txBody>
+          <a:bodyPr rtlCol="0" anchor="ctr"/>
+          <a:lstStyle/>
+          <a:p>
+            <a:pPr algn="ctr"/>
+            <a:endParaRPr lang="en-US"/>
+          </a:p>
+        </p:txBody>
+      </p:sp>
+      <p:sp>
+        <p:nvSpPr>
+          <p:cNvPr id="30" name="Isosceles Triangle 29"/>
+          <p:cNvSpPr/>
+          <p:nvPr/>
+        </p:nvSpPr>
+        <p:spPr>
+          <a:xfrm>
+            <a:off x="1945451" y="6250531"/>
+            <a:ext cx="1344964" cy="498460"/>
+          </a:xfrm>
+          <a:prstGeom prst="triangle">
+            <a:avLst/>
+          </a:prstGeom>
+          <a:solidFill>
+            <a:srgbClr val="D92027"/>
+          </a:solidFill>
+          <a:ln>
+            <a:solidFill>
+              <a:srgbClr val="D92027"/>
+            </a:solidFill>
+          </a:ln>
+          <a:effectLst>
+            <a:outerShdw blurRad="50800" dist="38100" dir="2700000" algn="tl" rotWithShape="0">
+              <a:prstClr val="black">
+                <a:alpha val="40000"/>
+              </a:prstClr>
+            </a:outerShdw>
+          </a:effectLst>
+        </p:spPr>
+        <p:style>
+          <a:lnRef idx="2">
+            <a:schemeClr val="accent1">
+              <a:shade val="50000"/>
+            </a:schemeClr>
+          </a:lnRef>
+          <a:fillRef idx="1">
+            <a:schemeClr val="accent1"/>
+          </a:fillRef>
+          <a:effectRef idx="0">
+            <a:schemeClr val="accent1"/>
+          </a:effectRef>
+          <a:fontRef idx="minor">
+            <a:schemeClr val="lt1"/>
+          </a:fontRef>
+        </p:style>
+        <p:txBody>
+          <a:bodyPr rtlCol="0" anchor="ctr"/>
+          <a:lstStyle/>
+          <a:p>
+            <a:pPr algn="ctr"/>
+            <a:endParaRPr lang="en-US"/>
+          </a:p>
+        </p:txBody>
+      </p:sp>
+      <p:sp>
+        <p:nvSpPr>
+          <p:cNvPr id="31" name="Isosceles Triangle 30"/>
+          <p:cNvSpPr/>
+          <p:nvPr/>
+        </p:nvSpPr>
+        <p:spPr>
+          <a:xfrm>
+            <a:off x="1442103" y="6250531"/>
+            <a:ext cx="1344964" cy="498460"/>
+          </a:xfrm>
+          <a:prstGeom prst="triangle">
+            <a:avLst/>
+          </a:prstGeom>
+          <a:solidFill>
+            <a:srgbClr val="D92027"/>
+          </a:solidFill>
+          <a:ln>
+            <a:solidFill>
+              <a:srgbClr val="D92027"/>
+            </a:solidFill>
+          </a:ln>
+          <a:effectLst>
+            <a:outerShdw blurRad="50800" dist="38100" dir="2700000" algn="tl" rotWithShape="0">
+              <a:prstClr val="black">
+                <a:alpha val="40000"/>
+              </a:prstClr>
+            </a:outerShdw>
+          </a:effectLst>
+        </p:spPr>
+        <p:style>
+          <a:lnRef idx="2">
+            <a:schemeClr val="accent1">
+              <a:shade val="50000"/>
+            </a:schemeClr>
+          </a:lnRef>
+          <a:fillRef idx="1">
+            <a:schemeClr val="accent1"/>
+          </a:fillRef>
+          <a:effectRef idx="0">
+            <a:schemeClr val="accent1"/>
+          </a:effectRef>
+          <a:fontRef idx="minor">
+            <a:schemeClr val="lt1"/>
+          </a:fontRef>
+        </p:style>
+        <p:txBody>
+          <a:bodyPr rtlCol="0" anchor="ctr"/>
+          <a:lstStyle/>
+          <a:p>
+            <a:pPr algn="ctr"/>
+            <a:endParaRPr lang="en-US"/>
+          </a:p>
+        </p:txBody>
+      </p:sp>
+      <p:sp>
+        <p:nvSpPr>
+          <p:cNvPr id="32" name="Isosceles Triangle 31"/>
+          <p:cNvSpPr/>
+          <p:nvPr/>
+        </p:nvSpPr>
+        <p:spPr>
+          <a:xfrm>
+            <a:off x="309197" y="6237529"/>
+            <a:ext cx="1344964" cy="498460"/>
+          </a:xfrm>
+          <a:prstGeom prst="triangle">
+            <a:avLst/>
+          </a:prstGeom>
+          <a:solidFill>
+            <a:srgbClr val="D92027"/>
+          </a:solidFill>
+          <a:ln>
+            <a:solidFill>
+              <a:srgbClr val="D92027"/>
+            </a:solidFill>
+          </a:ln>
+          <a:effectLst>
+            <a:outerShdw blurRad="50800" dist="38100" dir="2700000" algn="tl" rotWithShape="0">
+              <a:prstClr val="black">
+                <a:alpha val="40000"/>
+              </a:prstClr>
+            </a:outerShdw>
+          </a:effectLst>
+        </p:spPr>
+        <p:style>
+          <a:lnRef idx="2">
+            <a:schemeClr val="accent1">
+              <a:shade val="50000"/>
+            </a:schemeClr>
+          </a:lnRef>
+          <a:fillRef idx="1">
+            <a:schemeClr val="accent1"/>
+          </a:fillRef>
+          <a:effectRef idx="0">
+            <a:schemeClr val="accent1"/>
+          </a:effectRef>
+          <a:fontRef idx="minor">
+            <a:schemeClr val="lt1"/>
+          </a:fontRef>
+        </p:style>
+        <p:txBody>
+          <a:bodyPr rtlCol="0" anchor="ctr"/>
+          <a:lstStyle/>
+          <a:p>
+            <a:pPr algn="ctr"/>
+            <a:endParaRPr lang="en-US"/>
+          </a:p>
+        </p:txBody>
+      </p:sp>
+      <p:sp>
+        <p:nvSpPr>
+          <p:cNvPr id="33" name="Isosceles Triangle 32"/>
+          <p:cNvSpPr/>
+          <p:nvPr/>
+        </p:nvSpPr>
+        <p:spPr>
+          <a:xfrm>
+            <a:off x="0" y="6356016"/>
+            <a:ext cx="1344964" cy="498460"/>
+          </a:xfrm>
+          <a:prstGeom prst="triangle">
+            <a:avLst/>
+          </a:prstGeom>
+          <a:solidFill>
+            <a:srgbClr val="8D98A7"/>
+          </a:solidFill>
+          <a:ln>
+            <a:solidFill>
+              <a:srgbClr val="8D98A7"/>
+            </a:solidFill>
+          </a:ln>
+        </p:spPr>
+        <p:style>
+          <a:lnRef idx="2">
+            <a:schemeClr val="accent1">
+              <a:shade val="50000"/>
+            </a:schemeClr>
+          </a:lnRef>
+          <a:fillRef idx="1">
+            <a:schemeClr val="accent1"/>
+          </a:fillRef>
+          <a:effectRef idx="0">
+            <a:schemeClr val="accent1"/>
+          </a:effectRef>
+          <a:fontRef idx="minor">
+            <a:schemeClr val="lt1"/>
+          </a:fontRef>
+        </p:style>
+        <p:txBody>
+          <a:bodyPr rtlCol="0" anchor="ctr"/>
+          <a:lstStyle/>
+          <a:p>
+            <a:pPr algn="ctr"/>
+            <a:endParaRPr lang="en-US"/>
+          </a:p>
+        </p:txBody>
+      </p:sp>
+      <p:sp>
+        <p:nvSpPr>
+          <p:cNvPr id="38" name="Isosceles Triangle 37"/>
+          <p:cNvSpPr/>
+          <p:nvPr/>
+        </p:nvSpPr>
+        <p:spPr>
+          <a:xfrm>
+            <a:off x="2359130" y="6343014"/>
+            <a:ext cx="1344964" cy="498460"/>
+          </a:xfrm>
+          <a:prstGeom prst="triangle">
+            <a:avLst/>
+          </a:prstGeom>
+          <a:solidFill>
+            <a:srgbClr val="8D98A7"/>
+          </a:solidFill>
+          <a:ln>
+            <a:solidFill>
+              <a:srgbClr val="8D98A7"/>
+            </a:solidFill>
+          </a:ln>
+          <a:effectLst>
+            <a:outerShdw blurRad="50800" dist="38100" dir="2700000" algn="tl" rotWithShape="0">
+              <a:prstClr val="black">
+                <a:alpha val="40000"/>
+              </a:prstClr>
+            </a:outerShdw>
+          </a:effectLst>
+        </p:spPr>
+        <p:style>
+          <a:lnRef idx="2">
+            <a:schemeClr val="accent1">
+              <a:shade val="50000"/>
+            </a:schemeClr>
+          </a:lnRef>
+          <a:fillRef idx="1">
+            <a:schemeClr val="accent1"/>
+          </a:fillRef>
+          <a:effectRef idx="0">
+            <a:schemeClr val="accent1"/>
+          </a:effectRef>
+          <a:fontRef idx="minor">
+            <a:schemeClr val="lt1"/>
+          </a:fontRef>
+        </p:style>
+        <p:txBody>
+          <a:bodyPr rtlCol="0" anchor="ctr"/>
+          <a:lstStyle/>
+          <a:p>
+            <a:pPr algn="ctr"/>
+            <a:endParaRPr lang="en-US"/>
+          </a:p>
+        </p:txBody>
+      </p:sp>
+      <p:sp>
+        <p:nvSpPr>
+          <p:cNvPr id="39" name="Isosceles Triangle 38"/>
+          <p:cNvSpPr/>
+          <p:nvPr/>
+        </p:nvSpPr>
+        <p:spPr>
+          <a:xfrm>
+            <a:off x="1283614" y="6330013"/>
+            <a:ext cx="1344964" cy="498460"/>
+          </a:xfrm>
+          <a:prstGeom prst="triangle">
+            <a:avLst/>
+          </a:prstGeom>
+          <a:solidFill>
+            <a:srgbClr val="8D98A7"/>
+          </a:solidFill>
+          <a:ln>
+            <a:solidFill>
+              <a:srgbClr val="8D98A7"/>
+            </a:solidFill>
+          </a:ln>
+          <a:effectLst>
+            <a:outerShdw blurRad="50800" dist="38100" dir="2700000" algn="tl" rotWithShape="0">
+              <a:prstClr val="black">
+                <a:alpha val="40000"/>
+              </a:prstClr>
+            </a:outerShdw>
+          </a:effectLst>
+        </p:spPr>
+        <p:style>
+          <a:lnRef idx="2">
+            <a:schemeClr val="accent1">
+              <a:shade val="50000"/>
+            </a:schemeClr>
+          </a:lnRef>
+          <a:fillRef idx="1">
+            <a:schemeClr val="accent1"/>
+          </a:fillRef>
+          <a:effectRef idx="0">
+            <a:schemeClr val="accent1"/>
+          </a:effectRef>
+          <a:fontRef idx="minor">
+            <a:schemeClr val="lt1"/>
+          </a:fontRef>
+        </p:style>
+        <p:txBody>
+          <a:bodyPr rtlCol="0" anchor="ctr"/>
+          <a:lstStyle/>
+          <a:p>
+            <a:pPr algn="ctr"/>
+            <a:endParaRPr lang="en-US"/>
+          </a:p>
+        </p:txBody>
+      </p:sp>
+      <p:sp>
+        <p:nvSpPr>
+          <p:cNvPr id="40" name="Isosceles Triangle 39"/>
+          <p:cNvSpPr/>
+          <p:nvPr/>
+        </p:nvSpPr>
+        <p:spPr>
+          <a:xfrm>
+            <a:off x="589941" y="6356016"/>
+            <a:ext cx="1344964" cy="498460"/>
+          </a:xfrm>
+          <a:prstGeom prst="triangle">
+            <a:avLst/>
+          </a:prstGeom>
+          <a:solidFill>
+            <a:srgbClr val="46484A"/>
+          </a:solidFill>
+          <a:ln>
+            <a:solidFill>
+              <a:srgbClr val="46484A"/>
+            </a:solidFill>
+          </a:ln>
+          <a:effectLst/>
+        </p:spPr>
+        <p:style>
+          <a:lnRef idx="2">
+            <a:schemeClr val="accent1">
+              <a:shade val="50000"/>
+            </a:schemeClr>
+          </a:lnRef>
+          <a:fillRef idx="1">
+            <a:schemeClr val="accent1"/>
+          </a:fillRef>
+          <a:effectRef idx="0">
+            <a:schemeClr val="accent1"/>
+          </a:effectRef>
+          <a:fontRef idx="minor">
+            <a:schemeClr val="lt1"/>
+          </a:fontRef>
+        </p:style>
+        <p:txBody>
+          <a:bodyPr rtlCol="0" anchor="ctr"/>
+          <a:lstStyle/>
+          <a:p>
+            <a:pPr algn="ctr"/>
+            <a:endParaRPr lang="en-US"/>
+          </a:p>
+        </p:txBody>
+      </p:sp>
+      <p:sp>
+        <p:nvSpPr>
+          <p:cNvPr id="47" name="Isosceles Triangle 46"/>
+          <p:cNvSpPr/>
+          <p:nvPr/>
+        </p:nvSpPr>
+        <p:spPr>
+          <a:xfrm>
+            <a:off x="3159024" y="6238274"/>
+            <a:ext cx="1344964" cy="498460"/>
+          </a:xfrm>
+          <a:prstGeom prst="triangle">
+            <a:avLst/>
+          </a:prstGeom>
+          <a:solidFill>
+            <a:srgbClr val="D92027"/>
+          </a:solidFill>
+          <a:ln>
+            <a:solidFill>
+              <a:srgbClr val="D92027"/>
+            </a:solidFill>
+          </a:ln>
+          <a:effectLst>
+            <a:outerShdw blurRad="50800" dist="38100" dir="2700000" algn="tl" rotWithShape="0">
+              <a:prstClr val="black">
+                <a:alpha val="40000"/>
+              </a:prstClr>
+            </a:outerShdw>
+          </a:effectLst>
+        </p:spPr>
+        <p:style>
+          <a:lnRef idx="2">
+            <a:schemeClr val="accent1">
+              <a:shade val="50000"/>
+            </a:schemeClr>
+          </a:lnRef>
+          <a:fillRef idx="1">
+            <a:schemeClr val="accent1"/>
+          </a:fillRef>
+          <a:effectRef idx="0">
+            <a:schemeClr val="accent1"/>
+          </a:effectRef>
+          <a:fontRef idx="minor">
+            <a:schemeClr val="lt1"/>
+          </a:fontRef>
+        </p:style>
+        <p:txBody>
+          <a:bodyPr rtlCol="0" anchor="ctr"/>
+          <a:lstStyle/>
+          <a:p>
+            <a:pPr algn="ctr"/>
+            <a:endParaRPr lang="en-US"/>
+          </a:p>
+        </p:txBody>
+      </p:sp>
+      <p:sp>
+        <p:nvSpPr>
+          <p:cNvPr id="44" name="Isosceles Triangle 43"/>
+          <p:cNvSpPr/>
+          <p:nvPr/>
+        </p:nvSpPr>
+        <p:spPr>
+          <a:xfrm>
+            <a:off x="2764125" y="6347100"/>
+            <a:ext cx="1344964" cy="498460"/>
+          </a:xfrm>
+          <a:prstGeom prst="triangle">
+            <a:avLst/>
+          </a:prstGeom>
+          <a:solidFill>
+            <a:srgbClr val="46484A"/>
+          </a:solidFill>
+          <a:ln>
+            <a:solidFill>
+              <a:srgbClr val="46484A"/>
+            </a:solidFill>
+          </a:ln>
+          <a:effectLst>
+            <a:outerShdw blurRad="50800" dist="38100" dir="2700000" algn="tl" rotWithShape="0">
+              <a:prstClr val="black">
+                <a:alpha val="40000"/>
+              </a:prstClr>
+            </a:outerShdw>
+          </a:effectLst>
+        </p:spPr>
+        <p:style>
+          <a:lnRef idx="2">
+            <a:schemeClr val="accent1">
+              <a:shade val="50000"/>
+            </a:schemeClr>
+          </a:lnRef>
+          <a:fillRef idx="1">
+            <a:schemeClr val="accent1"/>
+          </a:fillRef>
+          <a:effectRef idx="0">
+            <a:schemeClr val="accent1"/>
+          </a:effectRef>
+          <a:fontRef idx="minor">
+            <a:schemeClr val="lt1"/>
+          </a:fontRef>
+        </p:style>
+        <p:txBody>
+          <a:bodyPr rtlCol="0" anchor="ctr"/>
+          <a:lstStyle/>
+          <a:p>
+            <a:pPr algn="ctr"/>
+            <a:endParaRPr lang="en-US" dirty="0"/>
+          </a:p>
+        </p:txBody>
+      </p:sp>
+      <p:sp>
+        <p:nvSpPr>
+          <p:cNvPr id="45" name="Isosceles Triangle 44"/>
+          <p:cNvSpPr/>
+          <p:nvPr/>
+        </p:nvSpPr>
+        <p:spPr>
+          <a:xfrm>
+            <a:off x="1584587" y="6356016"/>
+            <a:ext cx="1344964" cy="498460"/>
+          </a:xfrm>
+          <a:prstGeom prst="triangle">
+            <a:avLst/>
+          </a:prstGeom>
+          <a:solidFill>
+            <a:srgbClr val="46484A"/>
+          </a:solidFill>
+          <a:ln>
+            <a:solidFill>
+              <a:srgbClr val="46484A"/>
+            </a:solidFill>
+          </a:ln>
+          <a:effectLst/>
+        </p:spPr>
+        <p:style>
+          <a:lnRef idx="2">
+            <a:schemeClr val="accent1">
+              <a:shade val="50000"/>
+            </a:schemeClr>
+          </a:lnRef>
+          <a:fillRef idx="1">
+            <a:schemeClr val="accent1"/>
+          </a:fillRef>
+          <a:effectRef idx="0">
+            <a:schemeClr val="accent1"/>
+          </a:effectRef>
+          <a:fontRef idx="minor">
+            <a:schemeClr val="lt1"/>
+          </a:fontRef>
+        </p:style>
+        <p:txBody>
+          <a:bodyPr rtlCol="0" anchor="ctr"/>
+          <a:lstStyle/>
+          <a:p>
+            <a:pPr algn="ctr"/>
+            <a:endParaRPr lang="en-US"/>
+          </a:p>
+        </p:txBody>
+      </p:sp>
+      <p:sp>
+        <p:nvSpPr>
+          <p:cNvPr id="37" name="Isosceles Triangle 36"/>
+          <p:cNvSpPr/>
+          <p:nvPr/>
+        </p:nvSpPr>
+        <p:spPr>
+          <a:xfrm>
+            <a:off x="3468780" y="6351558"/>
+            <a:ext cx="1344964" cy="498460"/>
+          </a:xfrm>
+          <a:prstGeom prst="triangle">
+            <a:avLst/>
+          </a:prstGeom>
+          <a:solidFill>
+            <a:srgbClr val="8D98A7"/>
+          </a:solidFill>
+          <a:ln>
+            <a:solidFill>
+              <a:srgbClr val="8D98A7"/>
+            </a:solidFill>
+          </a:ln>
+          <a:effectLst/>
+        </p:spPr>
+        <p:style>
+          <a:lnRef idx="2">
+            <a:schemeClr val="accent1">
+              <a:shade val="50000"/>
+            </a:schemeClr>
+          </a:lnRef>
+          <a:fillRef idx="1">
+            <a:schemeClr val="accent1"/>
+          </a:fillRef>
+          <a:effectRef idx="0">
+            <a:schemeClr val="accent1"/>
+          </a:effectRef>
+          <a:fontRef idx="minor">
+            <a:schemeClr val="lt1"/>
+          </a:fontRef>
+        </p:style>
+        <p:txBody>
+          <a:bodyPr rtlCol="0" anchor="ctr"/>
+          <a:lstStyle/>
+          <a:p>
+            <a:pPr algn="ctr"/>
+            <a:endParaRPr lang="en-US" dirty="0"/>
+          </a:p>
+        </p:txBody>
+      </p:sp>
+      <p:sp>
+        <p:nvSpPr>
+          <p:cNvPr id="48" name="Isosceles Triangle 47"/>
+          <p:cNvSpPr/>
+          <p:nvPr/>
+        </p:nvSpPr>
+        <p:spPr>
+          <a:xfrm>
+            <a:off x="4414046" y="6263532"/>
+            <a:ext cx="1344964" cy="498460"/>
+          </a:xfrm>
+          <a:prstGeom prst="triangle">
+            <a:avLst/>
+          </a:prstGeom>
+          <a:solidFill>
+            <a:srgbClr val="D92027"/>
+          </a:solidFill>
+          <a:ln>
+            <a:solidFill>
+              <a:srgbClr val="D92027"/>
+            </a:solidFill>
+          </a:ln>
+          <a:effectLst>
+            <a:outerShdw blurRad="50800" dist="38100" dir="2700000" algn="tl" rotWithShape="0">
+              <a:prstClr val="black">
+                <a:alpha val="40000"/>
+              </a:prstClr>
+            </a:outerShdw>
+          </a:effectLst>
+        </p:spPr>
+        <p:style>
+          <a:lnRef idx="2">
+            <a:schemeClr val="accent1">
+              <a:shade val="50000"/>
+            </a:schemeClr>
+          </a:lnRef>
+          <a:fillRef idx="1">
+            <a:schemeClr val="accent1"/>
+          </a:fillRef>
+          <a:effectRef idx="0">
+            <a:schemeClr val="accent1"/>
+          </a:effectRef>
+          <a:fontRef idx="minor">
+            <a:schemeClr val="lt1"/>
+          </a:fontRef>
+        </p:style>
+        <p:txBody>
+          <a:bodyPr rtlCol="0" anchor="ctr"/>
+          <a:lstStyle/>
+          <a:p>
+            <a:pPr algn="ctr"/>
+            <a:endParaRPr lang="en-US"/>
+          </a:p>
+        </p:txBody>
+      </p:sp>
+      <p:sp>
+        <p:nvSpPr>
+          <p:cNvPr id="49" name="Isosceles Triangle 48"/>
+          <p:cNvSpPr/>
+          <p:nvPr/>
+        </p:nvSpPr>
+        <p:spPr>
+          <a:xfrm>
+            <a:off x="6046473" y="6251647"/>
+            <a:ext cx="1344964" cy="498460"/>
+          </a:xfrm>
+          <a:prstGeom prst="triangle">
+            <a:avLst/>
+          </a:prstGeom>
+          <a:solidFill>
+            <a:srgbClr val="D92027"/>
+          </a:solidFill>
+          <a:ln>
+            <a:solidFill>
+              <a:srgbClr val="D92027"/>
+            </a:solidFill>
+          </a:ln>
+          <a:effectLst>
+            <a:outerShdw blurRad="50800" dist="38100" dir="2700000" algn="tl" rotWithShape="0">
+              <a:prstClr val="black">
+                <a:alpha val="40000"/>
+              </a:prstClr>
+            </a:outerShdw>
+          </a:effectLst>
+        </p:spPr>
+        <p:style>
+          <a:lnRef idx="2">
+            <a:schemeClr val="accent1">
+              <a:shade val="50000"/>
+            </a:schemeClr>
+          </a:lnRef>
+          <a:fillRef idx="1">
+            <a:schemeClr val="accent1"/>
+          </a:fillRef>
+          <a:effectRef idx="0">
+            <a:schemeClr val="accent1"/>
+          </a:effectRef>
+          <a:fontRef idx="minor">
+            <a:schemeClr val="lt1"/>
+          </a:fontRef>
+        </p:style>
+        <p:txBody>
+          <a:bodyPr rtlCol="0" anchor="ctr"/>
+          <a:lstStyle/>
+          <a:p>
+            <a:pPr algn="ctr"/>
+            <a:endParaRPr lang="en-US"/>
+          </a:p>
+        </p:txBody>
+      </p:sp>
+      <p:sp>
+        <p:nvSpPr>
+          <p:cNvPr id="50" name="Isosceles Triangle 49"/>
+          <p:cNvSpPr/>
+          <p:nvPr/>
+        </p:nvSpPr>
+        <p:spPr>
+          <a:xfrm>
+            <a:off x="5393076" y="6250531"/>
+            <a:ext cx="1344964" cy="498460"/>
+          </a:xfrm>
+          <a:prstGeom prst="triangle">
+            <a:avLst/>
+          </a:prstGeom>
+          <a:solidFill>
+            <a:srgbClr val="D92027"/>
+          </a:solidFill>
+          <a:ln>
+            <a:solidFill>
+              <a:srgbClr val="D92027"/>
+            </a:solidFill>
+          </a:ln>
+          <a:effectLst>
+            <a:outerShdw blurRad="50800" dist="38100" dir="2700000" algn="tl" rotWithShape="0">
+              <a:prstClr val="black">
+                <a:alpha val="40000"/>
+              </a:prstClr>
+            </a:outerShdw>
+          </a:effectLst>
+        </p:spPr>
+        <p:style>
+          <a:lnRef idx="2">
+            <a:schemeClr val="accent1">
+              <a:shade val="50000"/>
+            </a:schemeClr>
+          </a:lnRef>
+          <a:fillRef idx="1">
+            <a:schemeClr val="accent1"/>
+          </a:fillRef>
+          <a:effectRef idx="0">
+            <a:schemeClr val="accent1"/>
+          </a:effectRef>
+          <a:fontRef idx="minor">
+            <a:schemeClr val="lt1"/>
+          </a:fontRef>
+        </p:style>
+        <p:txBody>
+          <a:bodyPr rtlCol="0" anchor="ctr"/>
+          <a:lstStyle/>
+          <a:p>
+            <a:pPr algn="ctr"/>
+            <a:endParaRPr lang="en-US"/>
+          </a:p>
+        </p:txBody>
+      </p:sp>
+      <p:sp>
+        <p:nvSpPr>
+          <p:cNvPr id="51" name="Isosceles Triangle 50"/>
+          <p:cNvSpPr/>
+          <p:nvPr/>
+        </p:nvSpPr>
+        <p:spPr>
+          <a:xfrm>
+            <a:off x="4889728" y="6250531"/>
+            <a:ext cx="1344964" cy="498460"/>
+          </a:xfrm>
+          <a:prstGeom prst="triangle">
+            <a:avLst/>
+          </a:prstGeom>
+          <a:solidFill>
+            <a:srgbClr val="D92027"/>
+          </a:solidFill>
+          <a:ln>
+            <a:solidFill>
+              <a:srgbClr val="D92027"/>
+            </a:solidFill>
+          </a:ln>
+          <a:effectLst>
+            <a:outerShdw blurRad="50800" dist="38100" dir="2700000" algn="tl" rotWithShape="0">
+              <a:prstClr val="black">
+                <a:alpha val="40000"/>
+              </a:prstClr>
+            </a:outerShdw>
+          </a:effectLst>
+        </p:spPr>
+        <p:style>
+          <a:lnRef idx="2">
+            <a:schemeClr val="accent1">
+              <a:shade val="50000"/>
+            </a:schemeClr>
+          </a:lnRef>
+          <a:fillRef idx="1">
+            <a:schemeClr val="accent1"/>
+          </a:fillRef>
+          <a:effectRef idx="0">
+            <a:schemeClr val="accent1"/>
+          </a:effectRef>
+          <a:fontRef idx="minor">
+            <a:schemeClr val="lt1"/>
+          </a:fontRef>
+        </p:style>
+        <p:txBody>
+          <a:bodyPr rtlCol="0" anchor="ctr"/>
+          <a:lstStyle/>
+          <a:p>
+            <a:pPr algn="ctr"/>
+            <a:endParaRPr lang="en-US"/>
+          </a:p>
+        </p:txBody>
+      </p:sp>
+      <p:sp>
+        <p:nvSpPr>
+          <p:cNvPr id="52" name="Isosceles Triangle 51"/>
+          <p:cNvSpPr/>
+          <p:nvPr/>
+        </p:nvSpPr>
+        <p:spPr>
+          <a:xfrm>
+            <a:off x="5806755" y="6343014"/>
+            <a:ext cx="1344964" cy="498460"/>
+          </a:xfrm>
+          <a:prstGeom prst="triangle">
+            <a:avLst/>
+          </a:prstGeom>
+          <a:solidFill>
+            <a:srgbClr val="8D98A7"/>
+          </a:solidFill>
+          <a:ln>
+            <a:solidFill>
+              <a:srgbClr val="8D98A7"/>
+            </a:solidFill>
+          </a:ln>
+          <a:effectLst>
+            <a:outerShdw blurRad="50800" dist="38100" dir="2700000" algn="tl" rotWithShape="0">
+              <a:prstClr val="black">
+                <a:alpha val="40000"/>
+              </a:prstClr>
+            </a:outerShdw>
+          </a:effectLst>
+        </p:spPr>
+        <p:style>
+          <a:lnRef idx="2">
+            <a:schemeClr val="accent1">
+              <a:shade val="50000"/>
+            </a:schemeClr>
+          </a:lnRef>
+          <a:fillRef idx="1">
+            <a:schemeClr val="accent1"/>
+          </a:fillRef>
+          <a:effectRef idx="0">
+            <a:schemeClr val="accent1"/>
+          </a:effectRef>
+          <a:fontRef idx="minor">
+            <a:schemeClr val="lt1"/>
+          </a:fontRef>
+        </p:style>
+        <p:txBody>
+          <a:bodyPr rtlCol="0" anchor="ctr"/>
+          <a:lstStyle/>
+          <a:p>
+            <a:pPr algn="ctr"/>
+            <a:endParaRPr lang="en-US"/>
+          </a:p>
+        </p:txBody>
+      </p:sp>
+      <p:sp>
+        <p:nvSpPr>
+          <p:cNvPr id="53" name="Isosceles Triangle 52"/>
+          <p:cNvSpPr/>
+          <p:nvPr/>
+        </p:nvSpPr>
+        <p:spPr>
+          <a:xfrm>
+            <a:off x="4731239" y="6330013"/>
+            <a:ext cx="1344964" cy="498460"/>
+          </a:xfrm>
+          <a:prstGeom prst="triangle">
+            <a:avLst/>
+          </a:prstGeom>
+          <a:solidFill>
+            <a:srgbClr val="8D98A7"/>
+          </a:solidFill>
+          <a:ln>
+            <a:solidFill>
+              <a:srgbClr val="8D98A7"/>
+            </a:solidFill>
+          </a:ln>
+          <a:effectLst>
+            <a:outerShdw blurRad="50800" dist="38100" dir="2700000" algn="tl" rotWithShape="0">
+              <a:prstClr val="black">
+                <a:alpha val="40000"/>
+              </a:prstClr>
+            </a:outerShdw>
+          </a:effectLst>
+        </p:spPr>
+        <p:style>
+          <a:lnRef idx="2">
+            <a:schemeClr val="accent1">
+              <a:shade val="50000"/>
+            </a:schemeClr>
+          </a:lnRef>
+          <a:fillRef idx="1">
+            <a:schemeClr val="accent1"/>
+          </a:fillRef>
+          <a:effectRef idx="0">
+            <a:schemeClr val="accent1"/>
+          </a:effectRef>
+          <a:fontRef idx="minor">
+            <a:schemeClr val="lt1"/>
+          </a:fontRef>
+        </p:style>
+        <p:txBody>
+          <a:bodyPr rtlCol="0" anchor="ctr"/>
+          <a:lstStyle/>
+          <a:p>
+            <a:pPr algn="ctr"/>
+            <a:endParaRPr lang="en-US"/>
+          </a:p>
+        </p:txBody>
+      </p:sp>
+      <p:sp>
+        <p:nvSpPr>
+          <p:cNvPr id="54" name="Isosceles Triangle 53"/>
+          <p:cNvSpPr/>
+          <p:nvPr/>
+        </p:nvSpPr>
+        <p:spPr>
+          <a:xfrm>
+            <a:off x="4037566" y="6356016"/>
+            <a:ext cx="1344964" cy="498460"/>
+          </a:xfrm>
+          <a:prstGeom prst="triangle">
+            <a:avLst/>
+          </a:prstGeom>
+          <a:solidFill>
+            <a:srgbClr val="46484A"/>
+          </a:solidFill>
+          <a:ln>
+            <a:solidFill>
+              <a:srgbClr val="46484A"/>
+            </a:solidFill>
+          </a:ln>
+          <a:effectLst/>
+        </p:spPr>
+        <p:style>
+          <a:lnRef idx="2">
+            <a:schemeClr val="accent1">
+              <a:shade val="50000"/>
+            </a:schemeClr>
+          </a:lnRef>
+          <a:fillRef idx="1">
+            <a:schemeClr val="accent1"/>
+          </a:fillRef>
+          <a:effectRef idx="0">
+            <a:schemeClr val="accent1"/>
+          </a:effectRef>
+          <a:fontRef idx="minor">
+            <a:schemeClr val="lt1"/>
+          </a:fontRef>
+        </p:style>
+        <p:txBody>
+          <a:bodyPr rtlCol="0" anchor="ctr"/>
+          <a:lstStyle/>
+          <a:p>
+            <a:pPr algn="ctr"/>
+            <a:endParaRPr lang="en-US"/>
+          </a:p>
+        </p:txBody>
+      </p:sp>
+      <p:sp>
+        <p:nvSpPr>
+          <p:cNvPr id="56" name="Isosceles Triangle 55"/>
+          <p:cNvSpPr/>
+          <p:nvPr/>
+        </p:nvSpPr>
+        <p:spPr>
+          <a:xfrm>
+            <a:off x="6221527" y="6359540"/>
+            <a:ext cx="1344964" cy="498460"/>
+          </a:xfrm>
+          <a:prstGeom prst="triangle">
+            <a:avLst/>
+          </a:prstGeom>
+          <a:solidFill>
+            <a:srgbClr val="46484A"/>
+          </a:solidFill>
+          <a:ln>
+            <a:solidFill>
+              <a:srgbClr val="46484A"/>
+            </a:solidFill>
+          </a:ln>
+          <a:effectLst/>
+        </p:spPr>
+        <p:style>
+          <a:lnRef idx="2">
+            <a:schemeClr val="accent1">
+              <a:shade val="50000"/>
+            </a:schemeClr>
+          </a:lnRef>
+          <a:fillRef idx="1">
+            <a:schemeClr val="accent1"/>
+          </a:fillRef>
+          <a:effectRef idx="0">
+            <a:schemeClr val="accent1"/>
+          </a:effectRef>
+          <a:fontRef idx="minor">
+            <a:schemeClr val="lt1"/>
+          </a:fontRef>
+        </p:style>
+        <p:txBody>
+          <a:bodyPr rtlCol="0" anchor="ctr"/>
+          <a:lstStyle/>
+          <a:p>
+            <a:pPr algn="ctr"/>
+            <a:endParaRPr lang="en-US" dirty="0"/>
+          </a:p>
+        </p:txBody>
+      </p:sp>
+      <p:sp>
+        <p:nvSpPr>
+          <p:cNvPr id="57" name="Isosceles Triangle 56"/>
+          <p:cNvSpPr/>
+          <p:nvPr/>
+        </p:nvSpPr>
+        <p:spPr>
+          <a:xfrm>
+            <a:off x="5032212" y="6356016"/>
+            <a:ext cx="1344964" cy="498460"/>
+          </a:xfrm>
+          <a:prstGeom prst="triangle">
+            <a:avLst/>
+          </a:prstGeom>
+          <a:solidFill>
+            <a:srgbClr val="46484A"/>
+          </a:solidFill>
+          <a:ln>
+            <a:solidFill>
+              <a:srgbClr val="46484A"/>
+            </a:solidFill>
+          </a:ln>
+          <a:effectLst/>
+        </p:spPr>
+        <p:style>
+          <a:lnRef idx="2">
+            <a:schemeClr val="accent1">
+              <a:shade val="50000"/>
+            </a:schemeClr>
+          </a:lnRef>
+          <a:fillRef idx="1">
+            <a:schemeClr val="accent1"/>
+          </a:fillRef>
+          <a:effectRef idx="0">
+            <a:schemeClr val="accent1"/>
+          </a:effectRef>
+          <a:fontRef idx="minor">
+            <a:schemeClr val="lt1"/>
+          </a:fontRef>
+        </p:style>
+        <p:txBody>
+          <a:bodyPr rtlCol="0" anchor="ctr"/>
+          <a:lstStyle/>
+          <a:p>
+            <a:pPr algn="ctr"/>
+            <a:endParaRPr lang="en-US"/>
+          </a:p>
+        </p:txBody>
+      </p:sp>
+      <p:pic>
+        <p:nvPicPr>
+          <p:cNvPr id="2" name="Picture 1"/>
+          <p:cNvPicPr>
+            <a:picLocks noChangeAspect="1"/>
+          </p:cNvPicPr>
+          <p:nvPr/>
+        </p:nvPicPr>
+        <p:blipFill>
+          <a:blip r:embed="rId6"/>
+          <a:stretch>
+            <a:fillRect/>
+          </a:stretch>
+        </p:blipFill>
+        <p:spPr>
+          <a:xfrm>
+            <a:off x="2126852" y="1928903"/>
+            <a:ext cx="5969806" cy="4019381"/>
+          </a:xfrm>
+          <a:prstGeom prst="rect">
+            <a:avLst/>
+          </a:prstGeom>
+        </p:spPr>
+      </p:pic>
+    </p:spTree>
+    <p:extLst>
+      <p:ext uri="{BB962C8B-B14F-4D97-AF65-F5344CB8AC3E}">
+        <p14:creationId xmlns:p14="http://schemas.microsoft.com/office/powerpoint/2010/main" val="2813831563"/>
+      </p:ext>
+    </p:extLst>
+  </p:cSld>
+  <p:clrMapOvr>
+    <a:masterClrMapping/>
+  </p:clrMapOvr>
+  <p:timing>
+    <p:tnLst>
+      <p:par>
+        <p:cTn id="1" dur="indefinite" restart="never" nodeType="tmRoot"/>
+      </p:par>
+    </p:tnLst>
+  </p:timing>
+</p:sld>
+</file>
+
+<file path=ppt/slides/slide6.xml><?xml version="1.0" encoding="utf-8"?>
+<p:sld xmlns:a="http://schemas.openxmlformats.org/drawingml/2006/main" xmlns:r="http://schemas.openxmlformats.org/officeDocument/2006/relationships" xmlns:p="http://schemas.openxmlformats.org/presentationml/2006/main">
+  <p:cSld>
+    <p:spTree>
+      <p:nvGrpSpPr>
+        <p:cNvPr id="1" name=""/>
+        <p:cNvGrpSpPr/>
+        <p:nvPr/>
+      </p:nvGrpSpPr>
+      <p:grpSpPr>
+        <a:xfrm>
+          <a:off x="0" y="0"/>
+          <a:ext cx="0" cy="0"/>
+          <a:chOff x="0" y="0"/>
+          <a:chExt cx="0" cy="0"/>
+        </a:xfrm>
+      </p:grpSpPr>
+      <p:sp>
+        <p:nvSpPr>
+          <p:cNvPr id="7" name="TextBox 6"/>
+          <p:cNvSpPr txBox="1"/>
+          <p:nvPr/>
+        </p:nvSpPr>
+        <p:spPr>
+          <a:xfrm>
+            <a:off x="352425" y="323850"/>
+            <a:ext cx="4848225" cy="861774"/>
+          </a:xfrm>
+          <a:prstGeom prst="rect">
+            <a:avLst/>
+          </a:prstGeom>
+          <a:solidFill>
+            <a:schemeClr val="bg1"/>
+          </a:solidFill>
+          <a:effectLst>
+            <a:outerShdw blurRad="50800" dist="38100" dir="2700000" algn="tl" rotWithShape="0">
+              <a:prstClr val="black">
+                <a:alpha val="40000"/>
+              </a:prstClr>
+            </a:outerShdw>
+          </a:effectLst>
+        </p:spPr>
+        <p:txBody>
+          <a:bodyPr wrap="square" rtlCol="0">
+            <a:spAutoFit/>
+          </a:bodyPr>
+          <a:lstStyle/>
+          <a:p>
+            <a:r>
+              <a:rPr lang="en-US" sz="5000" b="1" dirty="0" smtClean="0">
+                <a:solidFill>
+                  <a:srgbClr val="D92027"/>
+                </a:solidFill>
+                <a:latin typeface="Hack" panose="020B0609030202020204" pitchFamily="49" charset="0"/>
+                <a:ea typeface="Hack" panose="020B0609030202020204" pitchFamily="49" charset="0"/>
+                <a:cs typeface="Hack" panose="020B0609030202020204" pitchFamily="49" charset="0"/>
+              </a:rPr>
+              <a:t>Session 2</a:t>
+            </a:r>
+            <a:endParaRPr lang="en-US" sz="5000" b="1" dirty="0">
+              <a:solidFill>
+                <a:srgbClr val="D92027"/>
+              </a:solidFill>
+              <a:latin typeface="Hack" panose="020B0609030202020204" pitchFamily="49" charset="0"/>
+              <a:ea typeface="Hack" panose="020B0609030202020204" pitchFamily="49" charset="0"/>
+              <a:cs typeface="Hack" panose="020B0609030202020204" pitchFamily="49" charset="0"/>
+            </a:endParaRPr>
+          </a:p>
+        </p:txBody>
+      </p:sp>
+      <p:sp>
+        <p:nvSpPr>
+          <p:cNvPr id="9" name="TextBox 8"/>
+          <p:cNvSpPr txBox="1"/>
+          <p:nvPr/>
+        </p:nvSpPr>
+        <p:spPr>
+          <a:xfrm>
+            <a:off x="352425" y="1235214"/>
+            <a:ext cx="4942386" cy="646331"/>
+          </a:xfrm>
+          <a:prstGeom prst="rect">
+            <a:avLst/>
+          </a:prstGeom>
+          <a:solidFill>
+            <a:schemeClr val="bg1"/>
+          </a:solidFill>
+          <a:effectLst>
+            <a:outerShdw blurRad="50800" dist="38100" dir="2700000" algn="tl" rotWithShape="0">
+              <a:prstClr val="black">
+                <a:alpha val="40000"/>
+              </a:prstClr>
+            </a:outerShdw>
+          </a:effectLst>
+        </p:spPr>
+        <p:txBody>
+          <a:bodyPr wrap="square" rtlCol="0">
+            <a:spAutoFit/>
+          </a:bodyPr>
+          <a:lstStyle/>
+          <a:p>
+            <a:r>
+              <a:rPr lang="en-US" sz="3600" b="1" dirty="0" smtClean="0">
+                <a:solidFill>
+                  <a:srgbClr val="46484A"/>
+                </a:solidFill>
+                <a:latin typeface="Hack" panose="020B0609030202020204" pitchFamily="49" charset="0"/>
+                <a:ea typeface="Hack" panose="020B0609030202020204" pitchFamily="49" charset="0"/>
+                <a:cs typeface="Hack" panose="020B0609030202020204" pitchFamily="49" charset="0"/>
+              </a:rPr>
+              <a:t>Gradient descent</a:t>
+            </a:r>
+            <a:endParaRPr lang="en-US" sz="3600" b="1" dirty="0">
+              <a:solidFill>
+                <a:srgbClr val="46484A"/>
+              </a:solidFill>
+              <a:latin typeface="Hack" panose="020B0609030202020204" pitchFamily="49" charset="0"/>
+              <a:ea typeface="Hack" panose="020B0609030202020204" pitchFamily="49" charset="0"/>
+              <a:cs typeface="Hack" panose="020B0609030202020204" pitchFamily="49" charset="0"/>
+            </a:endParaRPr>
+          </a:p>
+        </p:txBody>
+      </p:sp>
+      <p:pic>
+        <p:nvPicPr>
+          <p:cNvPr id="12" name="Picture 11"/>
+          <p:cNvPicPr>
+            <a:picLocks noChangeAspect="1"/>
+          </p:cNvPicPr>
+          <p:nvPr/>
+        </p:nvPicPr>
+        <p:blipFill>
+          <a:blip r:embed="rId2" cstate="print">
+            <a:extLst>
+              <a:ext uri="{28A0092B-C50C-407E-A947-70E740481C1C}">
+                <a14:useLocalDpi xmlns:a14="http://schemas.microsoft.com/office/drawing/2010/main" val="0"/>
+              </a:ext>
+            </a:extLst>
+          </a:blip>
+          <a:stretch>
+            <a:fillRect/>
+          </a:stretch>
+        </p:blipFill>
+        <p:spPr>
+          <a:xfrm>
+            <a:off x="11110705" y="123825"/>
+            <a:ext cx="930903" cy="982164"/>
+          </a:xfrm>
+          <a:prstGeom prst="rect">
+            <a:avLst/>
+          </a:prstGeom>
+        </p:spPr>
+      </p:pic>
+      <p:sp>
+        <p:nvSpPr>
+          <p:cNvPr id="86" name="Isosceles Triangle 85"/>
+          <p:cNvSpPr/>
+          <p:nvPr/>
+        </p:nvSpPr>
+        <p:spPr>
+          <a:xfrm>
+            <a:off x="6502657" y="6263532"/>
+            <a:ext cx="1344964" cy="498460"/>
+          </a:xfrm>
+          <a:prstGeom prst="triangle">
+            <a:avLst/>
+          </a:prstGeom>
+          <a:solidFill>
+            <a:srgbClr val="D92027"/>
+          </a:solidFill>
+          <a:ln>
+            <a:solidFill>
+              <a:srgbClr val="D92027"/>
+            </a:solidFill>
+          </a:ln>
+          <a:effectLst>
+            <a:outerShdw blurRad="50800" dist="38100" dir="2700000" algn="tl" rotWithShape="0">
+              <a:prstClr val="black">
+                <a:alpha val="40000"/>
+              </a:prstClr>
+            </a:outerShdw>
+          </a:effectLst>
+        </p:spPr>
+        <p:style>
+          <a:lnRef idx="2">
+            <a:schemeClr val="accent1">
+              <a:shade val="50000"/>
+            </a:schemeClr>
+          </a:lnRef>
+          <a:fillRef idx="1">
+            <a:schemeClr val="accent1"/>
+          </a:fillRef>
+          <a:effectRef idx="0">
+            <a:schemeClr val="accent1"/>
+          </a:effectRef>
+          <a:fontRef idx="minor">
+            <a:schemeClr val="lt1"/>
+          </a:fontRef>
+        </p:style>
+        <p:txBody>
+          <a:bodyPr rtlCol="0" anchor="ctr"/>
+          <a:lstStyle/>
+          <a:p>
+            <a:pPr algn="ctr"/>
+            <a:endParaRPr lang="en-US"/>
+          </a:p>
+        </p:txBody>
+      </p:sp>
+      <p:sp>
+        <p:nvSpPr>
+          <p:cNvPr id="78" name="Isosceles Triangle 77"/>
+          <p:cNvSpPr/>
+          <p:nvPr/>
+        </p:nvSpPr>
+        <p:spPr>
+          <a:xfrm>
+            <a:off x="3777283" y="6242359"/>
+            <a:ext cx="1344964" cy="498460"/>
+          </a:xfrm>
+          <a:prstGeom prst="triangle">
+            <a:avLst/>
+          </a:prstGeom>
+          <a:solidFill>
+            <a:srgbClr val="D92027"/>
+          </a:solidFill>
+          <a:ln>
+            <a:solidFill>
+              <a:srgbClr val="D92027"/>
+            </a:solidFill>
+          </a:ln>
+          <a:effectLst>
+            <a:outerShdw blurRad="50800" dist="38100" dir="2700000" algn="tl" rotWithShape="0">
+              <a:prstClr val="black">
+                <a:alpha val="40000"/>
+              </a:prstClr>
+            </a:outerShdw>
+          </a:effectLst>
+        </p:spPr>
+        <p:style>
+          <a:lnRef idx="2">
+            <a:schemeClr val="accent1">
+              <a:shade val="50000"/>
+            </a:schemeClr>
+          </a:lnRef>
+          <a:fillRef idx="1">
+            <a:schemeClr val="accent1"/>
+          </a:fillRef>
+          <a:effectRef idx="0">
+            <a:schemeClr val="accent1"/>
+          </a:effectRef>
+          <a:fontRef idx="minor">
+            <a:schemeClr val="lt1"/>
+          </a:fontRef>
+        </p:style>
+        <p:txBody>
+          <a:bodyPr rtlCol="0" anchor="ctr"/>
+          <a:lstStyle/>
+          <a:p>
+            <a:pPr algn="ctr"/>
+            <a:endParaRPr lang="en-US"/>
+          </a:p>
+        </p:txBody>
+      </p:sp>
+      <p:sp>
+        <p:nvSpPr>
+          <p:cNvPr id="58" name="Isosceles Triangle 57"/>
+          <p:cNvSpPr/>
+          <p:nvPr/>
+        </p:nvSpPr>
+        <p:spPr>
+          <a:xfrm>
+            <a:off x="6948494" y="6263532"/>
+            <a:ext cx="1344964" cy="498460"/>
+          </a:xfrm>
+          <a:prstGeom prst="triangle">
+            <a:avLst/>
+          </a:prstGeom>
+          <a:solidFill>
+            <a:srgbClr val="D92027"/>
+          </a:solidFill>
+          <a:ln>
+            <a:solidFill>
+              <a:srgbClr val="D92027"/>
+            </a:solidFill>
+          </a:ln>
+          <a:effectLst>
+            <a:outerShdw blurRad="50800" dist="38100" dir="2700000" algn="tl" rotWithShape="0">
+              <a:prstClr val="black">
+                <a:alpha val="40000"/>
+              </a:prstClr>
+            </a:outerShdw>
+          </a:effectLst>
+        </p:spPr>
+        <p:style>
+          <a:lnRef idx="2">
+            <a:schemeClr val="accent1">
+              <a:shade val="50000"/>
+            </a:schemeClr>
+          </a:lnRef>
+          <a:fillRef idx="1">
+            <a:schemeClr val="accent1"/>
+          </a:fillRef>
+          <a:effectRef idx="0">
+            <a:schemeClr val="accent1"/>
+          </a:effectRef>
+          <a:fontRef idx="minor">
+            <a:schemeClr val="lt1"/>
+          </a:fontRef>
+        </p:style>
+        <p:txBody>
+          <a:bodyPr rtlCol="0" anchor="ctr"/>
+          <a:lstStyle/>
+          <a:p>
+            <a:pPr algn="ctr"/>
+            <a:endParaRPr lang="en-US"/>
+          </a:p>
+        </p:txBody>
+      </p:sp>
+      <p:sp>
+        <p:nvSpPr>
+          <p:cNvPr id="59" name="Isosceles Triangle 58"/>
+          <p:cNvSpPr/>
+          <p:nvPr/>
+        </p:nvSpPr>
+        <p:spPr>
+          <a:xfrm>
+            <a:off x="8580922" y="6251647"/>
+            <a:ext cx="1344964" cy="498460"/>
+          </a:xfrm>
+          <a:prstGeom prst="triangle">
+            <a:avLst/>
+          </a:prstGeom>
+          <a:solidFill>
+            <a:srgbClr val="D92027"/>
+          </a:solidFill>
+          <a:ln>
+            <a:solidFill>
+              <a:srgbClr val="D92027"/>
+            </a:solidFill>
+          </a:ln>
+          <a:effectLst>
+            <a:outerShdw blurRad="50800" dist="38100" dir="2700000" algn="tl" rotWithShape="0">
+              <a:prstClr val="black">
+                <a:alpha val="40000"/>
+              </a:prstClr>
+            </a:outerShdw>
+          </a:effectLst>
+        </p:spPr>
+        <p:style>
+          <a:lnRef idx="2">
+            <a:schemeClr val="accent1">
+              <a:shade val="50000"/>
+            </a:schemeClr>
+          </a:lnRef>
+          <a:fillRef idx="1">
+            <a:schemeClr val="accent1"/>
+          </a:fillRef>
+          <a:effectRef idx="0">
+            <a:schemeClr val="accent1"/>
+          </a:effectRef>
+          <a:fontRef idx="minor">
+            <a:schemeClr val="lt1"/>
+          </a:fontRef>
+        </p:style>
+        <p:txBody>
+          <a:bodyPr rtlCol="0" anchor="ctr"/>
+          <a:lstStyle/>
+          <a:p>
+            <a:pPr algn="ctr"/>
+            <a:endParaRPr lang="en-US"/>
+          </a:p>
+        </p:txBody>
+      </p:sp>
+      <p:sp>
+        <p:nvSpPr>
+          <p:cNvPr id="60" name="Isosceles Triangle 59"/>
+          <p:cNvSpPr/>
+          <p:nvPr/>
+        </p:nvSpPr>
+        <p:spPr>
+          <a:xfrm>
+            <a:off x="7927524" y="6250531"/>
+            <a:ext cx="1344964" cy="498460"/>
+          </a:xfrm>
+          <a:prstGeom prst="triangle">
+            <a:avLst/>
+          </a:prstGeom>
+          <a:solidFill>
+            <a:srgbClr val="D92027"/>
+          </a:solidFill>
+          <a:ln>
+            <a:solidFill>
+              <a:srgbClr val="D92027"/>
+            </a:solidFill>
+          </a:ln>
+          <a:effectLst>
+            <a:outerShdw blurRad="50800" dist="38100" dir="2700000" algn="tl" rotWithShape="0">
+              <a:prstClr val="black">
+                <a:alpha val="40000"/>
+              </a:prstClr>
+            </a:outerShdw>
+          </a:effectLst>
+        </p:spPr>
+        <p:style>
+          <a:lnRef idx="2">
+            <a:schemeClr val="accent1">
+              <a:shade val="50000"/>
+            </a:schemeClr>
+          </a:lnRef>
+          <a:fillRef idx="1">
+            <a:schemeClr val="accent1"/>
+          </a:fillRef>
+          <a:effectRef idx="0">
+            <a:schemeClr val="accent1"/>
+          </a:effectRef>
+          <a:fontRef idx="minor">
+            <a:schemeClr val="lt1"/>
+          </a:fontRef>
+        </p:style>
+        <p:txBody>
+          <a:bodyPr rtlCol="0" anchor="ctr"/>
+          <a:lstStyle/>
+          <a:p>
+            <a:pPr algn="ctr"/>
+            <a:endParaRPr lang="en-US"/>
+          </a:p>
+        </p:txBody>
+      </p:sp>
+      <p:sp>
+        <p:nvSpPr>
+          <p:cNvPr id="61" name="Isosceles Triangle 60"/>
+          <p:cNvSpPr/>
+          <p:nvPr/>
+        </p:nvSpPr>
+        <p:spPr>
+          <a:xfrm>
+            <a:off x="7424176" y="6250531"/>
+            <a:ext cx="1344964" cy="498460"/>
+          </a:xfrm>
+          <a:prstGeom prst="triangle">
+            <a:avLst/>
+          </a:prstGeom>
+          <a:solidFill>
+            <a:srgbClr val="D92027"/>
+          </a:solidFill>
+          <a:ln>
+            <a:solidFill>
+              <a:srgbClr val="D92027"/>
+            </a:solidFill>
+          </a:ln>
+          <a:effectLst>
+            <a:outerShdw blurRad="50800" dist="38100" dir="2700000" algn="tl" rotWithShape="0">
+              <a:prstClr val="black">
+                <a:alpha val="40000"/>
+              </a:prstClr>
+            </a:outerShdw>
+          </a:effectLst>
+        </p:spPr>
+        <p:style>
+          <a:lnRef idx="2">
+            <a:schemeClr val="accent1">
+              <a:shade val="50000"/>
+            </a:schemeClr>
+          </a:lnRef>
+          <a:fillRef idx="1">
+            <a:schemeClr val="accent1"/>
+          </a:fillRef>
+          <a:effectRef idx="0">
+            <a:schemeClr val="accent1"/>
+          </a:effectRef>
+          <a:fontRef idx="minor">
+            <a:schemeClr val="lt1"/>
+          </a:fontRef>
+        </p:style>
+        <p:txBody>
+          <a:bodyPr rtlCol="0" anchor="ctr"/>
+          <a:lstStyle/>
+          <a:p>
+            <a:pPr algn="ctr"/>
+            <a:endParaRPr lang="en-US"/>
+          </a:p>
+        </p:txBody>
+      </p:sp>
+      <p:sp>
+        <p:nvSpPr>
+          <p:cNvPr id="62" name="Isosceles Triangle 61"/>
+          <p:cNvSpPr/>
+          <p:nvPr/>
+        </p:nvSpPr>
+        <p:spPr>
+          <a:xfrm>
+            <a:off x="8341203" y="6343014"/>
+            <a:ext cx="1344964" cy="498460"/>
+          </a:xfrm>
+          <a:prstGeom prst="triangle">
+            <a:avLst/>
+          </a:prstGeom>
+          <a:solidFill>
+            <a:srgbClr val="8D98A7"/>
+          </a:solidFill>
+          <a:ln>
+            <a:solidFill>
+              <a:srgbClr val="8D98A7"/>
+            </a:solidFill>
+          </a:ln>
+          <a:effectLst>
+            <a:outerShdw blurRad="50800" dist="38100" dir="2700000" algn="tl" rotWithShape="0">
+              <a:prstClr val="black">
+                <a:alpha val="40000"/>
+              </a:prstClr>
+            </a:outerShdw>
+          </a:effectLst>
+        </p:spPr>
+        <p:style>
+          <a:lnRef idx="2">
+            <a:schemeClr val="accent1">
+              <a:shade val="50000"/>
+            </a:schemeClr>
+          </a:lnRef>
+          <a:fillRef idx="1">
+            <a:schemeClr val="accent1"/>
+          </a:fillRef>
+          <a:effectRef idx="0">
+            <a:schemeClr val="accent1"/>
+          </a:effectRef>
+          <a:fontRef idx="minor">
+            <a:schemeClr val="lt1"/>
+          </a:fontRef>
+        </p:style>
+        <p:txBody>
+          <a:bodyPr rtlCol="0" anchor="ctr"/>
+          <a:lstStyle/>
+          <a:p>
+            <a:pPr algn="ctr"/>
+            <a:endParaRPr lang="en-US"/>
+          </a:p>
+        </p:txBody>
+      </p:sp>
+      <p:sp>
+        <p:nvSpPr>
+          <p:cNvPr id="63" name="Isosceles Triangle 62"/>
+          <p:cNvSpPr/>
+          <p:nvPr/>
+        </p:nvSpPr>
+        <p:spPr>
+          <a:xfrm>
+            <a:off x="7265687" y="6330013"/>
+            <a:ext cx="1344964" cy="498460"/>
+          </a:xfrm>
+          <a:prstGeom prst="triangle">
+            <a:avLst/>
+          </a:prstGeom>
+          <a:solidFill>
+            <a:srgbClr val="8D98A7"/>
+          </a:solidFill>
+          <a:ln>
+            <a:solidFill>
+              <a:srgbClr val="8D98A7"/>
+            </a:solidFill>
+          </a:ln>
+          <a:effectLst>
+            <a:outerShdw blurRad="50800" dist="38100" dir="2700000" algn="tl" rotWithShape="0">
+              <a:prstClr val="black">
+                <a:alpha val="40000"/>
+              </a:prstClr>
+            </a:outerShdw>
+          </a:effectLst>
+        </p:spPr>
+        <p:style>
+          <a:lnRef idx="2">
+            <a:schemeClr val="accent1">
+              <a:shade val="50000"/>
+            </a:schemeClr>
+          </a:lnRef>
+          <a:fillRef idx="1">
+            <a:schemeClr val="accent1"/>
+          </a:fillRef>
+          <a:effectRef idx="0">
+            <a:schemeClr val="accent1"/>
+          </a:effectRef>
+          <a:fontRef idx="minor">
+            <a:schemeClr val="lt1"/>
+          </a:fontRef>
+        </p:style>
+        <p:txBody>
+          <a:bodyPr rtlCol="0" anchor="ctr"/>
+          <a:lstStyle/>
+          <a:p>
+            <a:pPr algn="ctr"/>
+            <a:endParaRPr lang="en-US"/>
+          </a:p>
+        </p:txBody>
+      </p:sp>
+      <p:sp>
+        <p:nvSpPr>
+          <p:cNvPr id="64" name="Isosceles Triangle 63"/>
+          <p:cNvSpPr/>
+          <p:nvPr/>
+        </p:nvSpPr>
+        <p:spPr>
+          <a:xfrm>
+            <a:off x="6572014" y="6356016"/>
+            <a:ext cx="1344964" cy="498460"/>
+          </a:xfrm>
+          <a:prstGeom prst="triangle">
+            <a:avLst/>
+          </a:prstGeom>
+          <a:solidFill>
+            <a:srgbClr val="46484A"/>
+          </a:solidFill>
+          <a:ln>
+            <a:solidFill>
+              <a:srgbClr val="46484A"/>
+            </a:solidFill>
+          </a:ln>
+          <a:effectLst>
+            <a:outerShdw blurRad="50800" dist="38100" dir="2700000" algn="tl" rotWithShape="0">
+              <a:prstClr val="black">
+                <a:alpha val="40000"/>
+              </a:prstClr>
+            </a:outerShdw>
+          </a:effectLst>
+        </p:spPr>
+        <p:style>
+          <a:lnRef idx="2">
+            <a:schemeClr val="accent1">
+              <a:shade val="50000"/>
+            </a:schemeClr>
+          </a:lnRef>
+          <a:fillRef idx="1">
+            <a:schemeClr val="accent1"/>
+          </a:fillRef>
+          <a:effectRef idx="0">
+            <a:schemeClr val="accent1"/>
+          </a:effectRef>
+          <a:fontRef idx="minor">
+            <a:schemeClr val="lt1"/>
+          </a:fontRef>
+        </p:style>
+        <p:txBody>
+          <a:bodyPr rtlCol="0" anchor="ctr"/>
+          <a:lstStyle/>
+          <a:p>
+            <a:pPr algn="ctr"/>
+            <a:endParaRPr lang="en-US"/>
+          </a:p>
+        </p:txBody>
+      </p:sp>
+      <p:sp>
+        <p:nvSpPr>
+          <p:cNvPr id="65" name="Isosceles Triangle 64"/>
+          <p:cNvSpPr/>
+          <p:nvPr/>
+        </p:nvSpPr>
+        <p:spPr>
+          <a:xfrm>
+            <a:off x="9141097" y="6238274"/>
+            <a:ext cx="1344964" cy="498460"/>
+          </a:xfrm>
+          <a:prstGeom prst="triangle">
+            <a:avLst/>
+          </a:prstGeom>
+          <a:solidFill>
+            <a:srgbClr val="D92027"/>
+          </a:solidFill>
+          <a:ln>
+            <a:solidFill>
+              <a:srgbClr val="D92027"/>
+            </a:solidFill>
+          </a:ln>
+          <a:effectLst>
+            <a:outerShdw blurRad="50800" dist="38100" dir="2700000" algn="tl" rotWithShape="0">
+              <a:prstClr val="black">
+                <a:alpha val="40000"/>
+              </a:prstClr>
+            </a:outerShdw>
+          </a:effectLst>
+        </p:spPr>
+        <p:style>
+          <a:lnRef idx="2">
+            <a:schemeClr val="accent1">
+              <a:shade val="50000"/>
+            </a:schemeClr>
+          </a:lnRef>
+          <a:fillRef idx="1">
+            <a:schemeClr val="accent1"/>
+          </a:fillRef>
+          <a:effectRef idx="0">
+            <a:schemeClr val="accent1"/>
+          </a:effectRef>
+          <a:fontRef idx="minor">
+            <a:schemeClr val="lt1"/>
+          </a:fontRef>
+        </p:style>
+        <p:txBody>
+          <a:bodyPr rtlCol="0" anchor="ctr"/>
+          <a:lstStyle/>
+          <a:p>
+            <a:pPr algn="ctr"/>
+            <a:endParaRPr lang="en-US"/>
+          </a:p>
+        </p:txBody>
+      </p:sp>
+      <p:sp>
+        <p:nvSpPr>
+          <p:cNvPr id="66" name="Isosceles Triangle 65"/>
+          <p:cNvSpPr/>
+          <p:nvPr/>
+        </p:nvSpPr>
+        <p:spPr>
+          <a:xfrm>
+            <a:off x="8746198" y="6347100"/>
+            <a:ext cx="1344964" cy="498460"/>
+          </a:xfrm>
+          <a:prstGeom prst="triangle">
+            <a:avLst/>
+          </a:prstGeom>
+          <a:solidFill>
+            <a:srgbClr val="46484A"/>
+          </a:solidFill>
+          <a:ln>
+            <a:solidFill>
+              <a:srgbClr val="46484A"/>
+            </a:solidFill>
+          </a:ln>
+          <a:effectLst>
+            <a:outerShdw blurRad="50800" dist="38100" dir="2700000" algn="tl" rotWithShape="0">
+              <a:prstClr val="black">
+                <a:alpha val="40000"/>
+              </a:prstClr>
+            </a:outerShdw>
+          </a:effectLst>
+        </p:spPr>
+        <p:style>
+          <a:lnRef idx="2">
+            <a:schemeClr val="accent1">
+              <a:shade val="50000"/>
+            </a:schemeClr>
+          </a:lnRef>
+          <a:fillRef idx="1">
+            <a:schemeClr val="accent1"/>
+          </a:fillRef>
+          <a:effectRef idx="0">
+            <a:schemeClr val="accent1"/>
+          </a:effectRef>
+          <a:fontRef idx="minor">
+            <a:schemeClr val="lt1"/>
+          </a:fontRef>
+        </p:style>
+        <p:txBody>
+          <a:bodyPr rtlCol="0" anchor="ctr"/>
+          <a:lstStyle/>
+          <a:p>
+            <a:pPr algn="ctr"/>
+            <a:endParaRPr lang="en-US" dirty="0"/>
+          </a:p>
+        </p:txBody>
+      </p:sp>
+      <p:sp>
+        <p:nvSpPr>
+          <p:cNvPr id="67" name="Isosceles Triangle 66"/>
+          <p:cNvSpPr/>
+          <p:nvPr/>
+        </p:nvSpPr>
+        <p:spPr>
+          <a:xfrm>
+            <a:off x="7566660" y="6356016"/>
+            <a:ext cx="1344964" cy="498460"/>
+          </a:xfrm>
+          <a:prstGeom prst="triangle">
+            <a:avLst/>
+          </a:prstGeom>
+          <a:solidFill>
+            <a:srgbClr val="46484A"/>
+          </a:solidFill>
+          <a:ln>
+            <a:solidFill>
+              <a:srgbClr val="46484A"/>
+            </a:solidFill>
+          </a:ln>
+          <a:effectLst>
+            <a:outerShdw blurRad="50800" dist="38100" dir="2700000" algn="tl" rotWithShape="0">
+              <a:prstClr val="black">
+                <a:alpha val="40000"/>
+              </a:prstClr>
+            </a:outerShdw>
+          </a:effectLst>
+        </p:spPr>
+        <p:style>
+          <a:lnRef idx="2">
+            <a:schemeClr val="accent1">
+              <a:shade val="50000"/>
+            </a:schemeClr>
+          </a:lnRef>
+          <a:fillRef idx="1">
+            <a:schemeClr val="accent1"/>
+          </a:fillRef>
+          <a:effectRef idx="0">
+            <a:schemeClr val="accent1"/>
+          </a:effectRef>
+          <a:fontRef idx="minor">
+            <a:schemeClr val="lt1"/>
+          </a:fontRef>
+        </p:style>
+        <p:txBody>
+          <a:bodyPr rtlCol="0" anchor="ctr"/>
+          <a:lstStyle/>
+          <a:p>
+            <a:pPr algn="ctr"/>
+            <a:endParaRPr lang="en-US"/>
+          </a:p>
+        </p:txBody>
+      </p:sp>
+      <p:sp>
+        <p:nvSpPr>
+          <p:cNvPr id="23" name="Rectangle 22"/>
+          <p:cNvSpPr/>
+          <p:nvPr/>
+        </p:nvSpPr>
+        <p:spPr>
+          <a:xfrm>
+            <a:off x="9368179" y="6356016"/>
+            <a:ext cx="2812953" cy="498460"/>
+          </a:xfrm>
+          <a:prstGeom prst="rect">
+            <a:avLst/>
+          </a:prstGeom>
+          <a:solidFill>
+            <a:schemeClr val="bg1"/>
+          </a:solidFill>
+          <a:ln>
+            <a:noFill/>
+          </a:ln>
+          <a:effectLst>
+            <a:outerShdw blurRad="50800" dist="38100" dir="2700000" algn="tl" rotWithShape="0">
+              <a:prstClr val="black">
+                <a:alpha val="40000"/>
+              </a:prstClr>
+            </a:outerShdw>
+          </a:effectLst>
+        </p:spPr>
+        <p:style>
+          <a:lnRef idx="2">
+            <a:schemeClr val="accent1">
+              <a:shade val="50000"/>
+            </a:schemeClr>
+          </a:lnRef>
+          <a:fillRef idx="1">
+            <a:schemeClr val="accent1"/>
+          </a:fillRef>
+          <a:effectRef idx="0">
+            <a:schemeClr val="accent1"/>
+          </a:effectRef>
+          <a:fontRef idx="minor">
+            <a:schemeClr val="lt1"/>
+          </a:fontRef>
+        </p:style>
+        <p:txBody>
+          <a:bodyPr rtlCol="0" anchor="ctr"/>
+          <a:lstStyle/>
+          <a:p>
+            <a:pPr algn="ctr"/>
+            <a:endParaRPr lang="en-US"/>
+          </a:p>
+        </p:txBody>
+      </p:sp>
+      <p:pic>
+        <p:nvPicPr>
+          <p:cNvPr id="13" name="Picture 12"/>
+          <p:cNvPicPr>
+            <a:picLocks noChangeAspect="1"/>
+          </p:cNvPicPr>
+          <p:nvPr/>
+        </p:nvPicPr>
+        <p:blipFill rotWithShape="1">
+          <a:blip r:embed="rId3" cstate="print">
+            <a:extLst>
+              <a:ext uri="{28A0092B-C50C-407E-A947-70E740481C1C}">
+                <a14:useLocalDpi xmlns:a14="http://schemas.microsoft.com/office/drawing/2010/main" val="0"/>
+              </a:ext>
+            </a:extLst>
+          </a:blip>
+          <a:srcRect r="34539" b="73472"/>
+          <a:stretch/>
+        </p:blipFill>
+        <p:spPr>
+          <a:xfrm>
+            <a:off x="7938169" y="6074100"/>
+            <a:ext cx="4245498" cy="780376"/>
+          </a:xfrm>
+          <a:prstGeom prst="rect">
+            <a:avLst/>
+          </a:prstGeom>
+          <a:effectLst>
+            <a:outerShdw blurRad="50800" dist="38100" dir="2700000" algn="tl" rotWithShape="0">
+              <a:prstClr val="black">
+                <a:alpha val="40000"/>
+              </a:prstClr>
+            </a:outerShdw>
+          </a:effectLst>
+        </p:spPr>
+      </p:pic>
+      <p:pic>
+        <p:nvPicPr>
+          <p:cNvPr id="14" name="Picture 13"/>
+          <p:cNvPicPr>
+            <a:picLocks noChangeAspect="1"/>
+          </p:cNvPicPr>
+          <p:nvPr/>
+        </p:nvPicPr>
+        <p:blipFill rotWithShape="1">
+          <a:blip r:embed="rId4" cstate="print">
+            <a:extLst>
+              <a:ext uri="{28A0092B-C50C-407E-A947-70E740481C1C}">
+                <a14:useLocalDpi xmlns:a14="http://schemas.microsoft.com/office/drawing/2010/main" val="0"/>
+              </a:ext>
+            </a:extLst>
+          </a:blip>
+          <a:srcRect r="34539" b="73472"/>
+          <a:stretch/>
+        </p:blipFill>
+        <p:spPr>
+          <a:xfrm>
+            <a:off x="7146304" y="5930537"/>
+            <a:ext cx="5045696" cy="927463"/>
+          </a:xfrm>
+          <a:prstGeom prst="rect">
+            <a:avLst/>
+          </a:prstGeom>
+          <a:effectLst>
+            <a:outerShdw blurRad="50800" dist="38100" dir="2700000" algn="tl" rotWithShape="0">
+              <a:prstClr val="black">
+                <a:alpha val="40000"/>
+              </a:prstClr>
+            </a:outerShdw>
+          </a:effectLst>
+        </p:spPr>
+      </p:pic>
+      <p:sp>
+        <p:nvSpPr>
+          <p:cNvPr id="20" name="TextBox 19"/>
+          <p:cNvSpPr txBox="1"/>
+          <p:nvPr/>
+        </p:nvSpPr>
+        <p:spPr>
+          <a:xfrm>
+            <a:off x="10244217" y="6473196"/>
+            <a:ext cx="1936915" cy="369332"/>
+          </a:xfrm>
+          <a:prstGeom prst="rect">
+            <a:avLst/>
+          </a:prstGeom>
+          <a:solidFill>
+            <a:schemeClr val="bg1"/>
+          </a:solidFill>
+          <a:effectLst/>
+        </p:spPr>
+        <p:txBody>
+          <a:bodyPr wrap="square" rtlCol="0">
+            <a:spAutoFit/>
+          </a:bodyPr>
+          <a:lstStyle/>
+          <a:p>
+            <a:r>
+              <a:rPr lang="en-US" b="1" dirty="0" smtClean="0">
+                <a:latin typeface="Hack" panose="020B0609030202020204" pitchFamily="49" charset="0"/>
+                <a:ea typeface="Hack" panose="020B0609030202020204" pitchFamily="49" charset="0"/>
+                <a:cs typeface="Hack" panose="020B0609030202020204" pitchFamily="49" charset="0"/>
+              </a:rPr>
+              <a:t>Grow Through</a:t>
+            </a:r>
+            <a:endParaRPr lang="en-US" b="1" dirty="0">
+              <a:latin typeface="Hack" panose="020B0609030202020204" pitchFamily="49" charset="0"/>
+              <a:ea typeface="Hack" panose="020B0609030202020204" pitchFamily="49" charset="0"/>
+              <a:cs typeface="Hack" panose="020B0609030202020204" pitchFamily="49" charset="0"/>
+            </a:endParaRPr>
+          </a:p>
+        </p:txBody>
+      </p:sp>
+      <p:pic>
+        <p:nvPicPr>
+          <p:cNvPr id="15" name="Picture 14"/>
+          <p:cNvPicPr>
+            <a:picLocks noChangeAspect="1"/>
+          </p:cNvPicPr>
+          <p:nvPr/>
+        </p:nvPicPr>
+        <p:blipFill rotWithShape="1">
+          <a:blip r:embed="rId5" cstate="print">
+            <a:extLst>
+              <a:ext uri="{28A0092B-C50C-407E-A947-70E740481C1C}">
+                <a14:useLocalDpi xmlns:a14="http://schemas.microsoft.com/office/drawing/2010/main" val="0"/>
+              </a:ext>
+            </a:extLst>
+          </a:blip>
+          <a:srcRect r="34539" b="73472"/>
+          <a:stretch/>
+        </p:blipFill>
+        <p:spPr>
+          <a:xfrm>
+            <a:off x="8629531" y="6203173"/>
+            <a:ext cx="3562469" cy="654827"/>
+          </a:xfrm>
+          <a:prstGeom prst="rect">
+            <a:avLst/>
+          </a:prstGeom>
+          <a:effectLst>
+            <a:outerShdw blurRad="50800" dist="38100" dir="2700000" algn="tl" rotWithShape="0">
+              <a:prstClr val="black">
+                <a:alpha val="40000"/>
+              </a:prstClr>
+            </a:outerShdw>
+          </a:effectLst>
+        </p:spPr>
+      </p:pic>
+      <p:sp>
+        <p:nvSpPr>
+          <p:cNvPr id="27" name="Isosceles Triangle 26"/>
+          <p:cNvSpPr/>
+          <p:nvPr/>
+        </p:nvSpPr>
+        <p:spPr>
+          <a:xfrm>
+            <a:off x="966421" y="6263532"/>
+            <a:ext cx="1344964" cy="498460"/>
+          </a:xfrm>
+          <a:prstGeom prst="triangle">
+            <a:avLst/>
+          </a:prstGeom>
+          <a:solidFill>
+            <a:srgbClr val="D92027"/>
+          </a:solidFill>
+          <a:ln>
+            <a:solidFill>
+              <a:srgbClr val="D92027"/>
+            </a:solidFill>
+          </a:ln>
+          <a:effectLst>
+            <a:outerShdw blurRad="50800" dist="38100" dir="2700000" algn="tl" rotWithShape="0">
+              <a:prstClr val="black">
+                <a:alpha val="40000"/>
+              </a:prstClr>
+            </a:outerShdw>
+          </a:effectLst>
+        </p:spPr>
+        <p:style>
+          <a:lnRef idx="2">
+            <a:schemeClr val="accent1">
+              <a:shade val="50000"/>
+            </a:schemeClr>
+          </a:lnRef>
+          <a:fillRef idx="1">
+            <a:schemeClr val="accent1"/>
+          </a:fillRef>
+          <a:effectRef idx="0">
+            <a:schemeClr val="accent1"/>
+          </a:effectRef>
+          <a:fontRef idx="minor">
+            <a:schemeClr val="lt1"/>
+          </a:fontRef>
+        </p:style>
+        <p:txBody>
+          <a:bodyPr rtlCol="0" anchor="ctr"/>
+          <a:lstStyle/>
+          <a:p>
+            <a:pPr algn="ctr"/>
+            <a:endParaRPr lang="en-US"/>
+          </a:p>
+        </p:txBody>
+      </p:sp>
+      <p:sp>
+        <p:nvSpPr>
+          <p:cNvPr id="29" name="Isosceles Triangle 28"/>
+          <p:cNvSpPr/>
+          <p:nvPr/>
+        </p:nvSpPr>
+        <p:spPr>
+          <a:xfrm>
+            <a:off x="2598849" y="6251647"/>
+            <a:ext cx="1344964" cy="498460"/>
+          </a:xfrm>
+          <a:prstGeom prst="triangle">
+            <a:avLst/>
+          </a:prstGeom>
+          <a:solidFill>
+            <a:srgbClr val="D92027"/>
+          </a:solidFill>
+          <a:ln>
+            <a:solidFill>
+              <a:srgbClr val="D92027"/>
+            </a:solidFill>
+          </a:ln>
+          <a:effectLst>
+            <a:outerShdw blurRad="50800" dist="38100" dir="2700000" algn="tl" rotWithShape="0">
+              <a:prstClr val="black">
+                <a:alpha val="40000"/>
+              </a:prstClr>
+            </a:outerShdw>
+          </a:effectLst>
+        </p:spPr>
+        <p:style>
+          <a:lnRef idx="2">
+            <a:schemeClr val="accent1">
+              <a:shade val="50000"/>
+            </a:schemeClr>
+          </a:lnRef>
+          <a:fillRef idx="1">
+            <a:schemeClr val="accent1"/>
+          </a:fillRef>
+          <a:effectRef idx="0">
+            <a:schemeClr val="accent1"/>
+          </a:effectRef>
+          <a:fontRef idx="minor">
+            <a:schemeClr val="lt1"/>
+          </a:fontRef>
+        </p:style>
+        <p:txBody>
+          <a:bodyPr rtlCol="0" anchor="ctr"/>
+          <a:lstStyle/>
+          <a:p>
+            <a:pPr algn="ctr"/>
+            <a:endParaRPr lang="en-US"/>
+          </a:p>
+        </p:txBody>
+      </p:sp>
+      <p:sp>
+        <p:nvSpPr>
+          <p:cNvPr id="30" name="Isosceles Triangle 29"/>
+          <p:cNvSpPr/>
+          <p:nvPr/>
+        </p:nvSpPr>
+        <p:spPr>
+          <a:xfrm>
+            <a:off x="1945451" y="6250531"/>
+            <a:ext cx="1344964" cy="498460"/>
+          </a:xfrm>
+          <a:prstGeom prst="triangle">
+            <a:avLst/>
+          </a:prstGeom>
+          <a:solidFill>
+            <a:srgbClr val="D92027"/>
+          </a:solidFill>
+          <a:ln>
+            <a:solidFill>
+              <a:srgbClr val="D92027"/>
+            </a:solidFill>
+          </a:ln>
+          <a:effectLst>
+            <a:outerShdw blurRad="50800" dist="38100" dir="2700000" algn="tl" rotWithShape="0">
+              <a:prstClr val="black">
+                <a:alpha val="40000"/>
+              </a:prstClr>
+            </a:outerShdw>
+          </a:effectLst>
+        </p:spPr>
+        <p:style>
+          <a:lnRef idx="2">
+            <a:schemeClr val="accent1">
+              <a:shade val="50000"/>
+            </a:schemeClr>
+          </a:lnRef>
+          <a:fillRef idx="1">
+            <a:schemeClr val="accent1"/>
+          </a:fillRef>
+          <a:effectRef idx="0">
+            <a:schemeClr val="accent1"/>
+          </a:effectRef>
+          <a:fontRef idx="minor">
+            <a:schemeClr val="lt1"/>
+          </a:fontRef>
+        </p:style>
+        <p:txBody>
+          <a:bodyPr rtlCol="0" anchor="ctr"/>
+          <a:lstStyle/>
+          <a:p>
+            <a:pPr algn="ctr"/>
+            <a:endParaRPr lang="en-US"/>
+          </a:p>
+        </p:txBody>
+      </p:sp>
+      <p:sp>
+        <p:nvSpPr>
+          <p:cNvPr id="31" name="Isosceles Triangle 30"/>
+          <p:cNvSpPr/>
+          <p:nvPr/>
+        </p:nvSpPr>
+        <p:spPr>
+          <a:xfrm>
+            <a:off x="1442103" y="6250531"/>
+            <a:ext cx="1344964" cy="498460"/>
+          </a:xfrm>
+          <a:prstGeom prst="triangle">
+            <a:avLst/>
+          </a:prstGeom>
+          <a:solidFill>
+            <a:srgbClr val="D92027"/>
+          </a:solidFill>
+          <a:ln>
+            <a:solidFill>
+              <a:srgbClr val="D92027"/>
+            </a:solidFill>
+          </a:ln>
+          <a:effectLst>
+            <a:outerShdw blurRad="50800" dist="38100" dir="2700000" algn="tl" rotWithShape="0">
+              <a:prstClr val="black">
+                <a:alpha val="40000"/>
+              </a:prstClr>
+            </a:outerShdw>
+          </a:effectLst>
+        </p:spPr>
+        <p:style>
+          <a:lnRef idx="2">
+            <a:schemeClr val="accent1">
+              <a:shade val="50000"/>
+            </a:schemeClr>
+          </a:lnRef>
+          <a:fillRef idx="1">
+            <a:schemeClr val="accent1"/>
+          </a:fillRef>
+          <a:effectRef idx="0">
+            <a:schemeClr val="accent1"/>
+          </a:effectRef>
+          <a:fontRef idx="minor">
+            <a:schemeClr val="lt1"/>
+          </a:fontRef>
+        </p:style>
+        <p:txBody>
+          <a:bodyPr rtlCol="0" anchor="ctr"/>
+          <a:lstStyle/>
+          <a:p>
+            <a:pPr algn="ctr"/>
+            <a:endParaRPr lang="en-US"/>
+          </a:p>
+        </p:txBody>
+      </p:sp>
+      <p:sp>
+        <p:nvSpPr>
+          <p:cNvPr id="32" name="Isosceles Triangle 31"/>
+          <p:cNvSpPr/>
+          <p:nvPr/>
+        </p:nvSpPr>
+        <p:spPr>
+          <a:xfrm>
+            <a:off x="309197" y="6237529"/>
+            <a:ext cx="1344964" cy="498460"/>
+          </a:xfrm>
+          <a:prstGeom prst="triangle">
+            <a:avLst/>
+          </a:prstGeom>
+          <a:solidFill>
+            <a:srgbClr val="D92027"/>
+          </a:solidFill>
+          <a:ln>
+            <a:solidFill>
+              <a:srgbClr val="D92027"/>
+            </a:solidFill>
+          </a:ln>
+          <a:effectLst>
+            <a:outerShdw blurRad="50800" dist="38100" dir="2700000" algn="tl" rotWithShape="0">
+              <a:prstClr val="black">
+                <a:alpha val="40000"/>
+              </a:prstClr>
+            </a:outerShdw>
+          </a:effectLst>
+        </p:spPr>
+        <p:style>
+          <a:lnRef idx="2">
+            <a:schemeClr val="accent1">
+              <a:shade val="50000"/>
+            </a:schemeClr>
+          </a:lnRef>
+          <a:fillRef idx="1">
+            <a:schemeClr val="accent1"/>
+          </a:fillRef>
+          <a:effectRef idx="0">
+            <a:schemeClr val="accent1"/>
+          </a:effectRef>
+          <a:fontRef idx="minor">
+            <a:schemeClr val="lt1"/>
+          </a:fontRef>
+        </p:style>
+        <p:txBody>
+          <a:bodyPr rtlCol="0" anchor="ctr"/>
+          <a:lstStyle/>
+          <a:p>
+            <a:pPr algn="ctr"/>
+            <a:endParaRPr lang="en-US"/>
+          </a:p>
+        </p:txBody>
+      </p:sp>
+      <p:sp>
+        <p:nvSpPr>
+          <p:cNvPr id="33" name="Isosceles Triangle 32"/>
+          <p:cNvSpPr/>
+          <p:nvPr/>
+        </p:nvSpPr>
+        <p:spPr>
+          <a:xfrm>
+            <a:off x="0" y="6356016"/>
+            <a:ext cx="1344964" cy="498460"/>
+          </a:xfrm>
+          <a:prstGeom prst="triangle">
+            <a:avLst/>
+          </a:prstGeom>
+          <a:solidFill>
+            <a:srgbClr val="8D98A7"/>
+          </a:solidFill>
+          <a:ln>
+            <a:solidFill>
+              <a:srgbClr val="8D98A7"/>
+            </a:solidFill>
+          </a:ln>
+        </p:spPr>
+        <p:style>
+          <a:lnRef idx="2">
+            <a:schemeClr val="accent1">
+              <a:shade val="50000"/>
+            </a:schemeClr>
+          </a:lnRef>
+          <a:fillRef idx="1">
+            <a:schemeClr val="accent1"/>
+          </a:fillRef>
+          <a:effectRef idx="0">
+            <a:schemeClr val="accent1"/>
+          </a:effectRef>
+          <a:fontRef idx="minor">
+            <a:schemeClr val="lt1"/>
+          </a:fontRef>
+        </p:style>
+        <p:txBody>
+          <a:bodyPr rtlCol="0" anchor="ctr"/>
+          <a:lstStyle/>
+          <a:p>
+            <a:pPr algn="ctr"/>
+            <a:endParaRPr lang="en-US"/>
+          </a:p>
+        </p:txBody>
+      </p:sp>
+      <p:sp>
+        <p:nvSpPr>
+          <p:cNvPr id="38" name="Isosceles Triangle 37"/>
+          <p:cNvSpPr/>
+          <p:nvPr/>
+        </p:nvSpPr>
+        <p:spPr>
+          <a:xfrm>
+            <a:off x="2359130" y="6343014"/>
+            <a:ext cx="1344964" cy="498460"/>
+          </a:xfrm>
+          <a:prstGeom prst="triangle">
+            <a:avLst/>
+          </a:prstGeom>
+          <a:solidFill>
+            <a:srgbClr val="8D98A7"/>
+          </a:solidFill>
+          <a:ln>
+            <a:solidFill>
+              <a:srgbClr val="8D98A7"/>
+            </a:solidFill>
+          </a:ln>
+          <a:effectLst>
+            <a:outerShdw blurRad="50800" dist="38100" dir="2700000" algn="tl" rotWithShape="0">
+              <a:prstClr val="black">
+                <a:alpha val="40000"/>
+              </a:prstClr>
+            </a:outerShdw>
+          </a:effectLst>
+        </p:spPr>
+        <p:style>
+          <a:lnRef idx="2">
+            <a:schemeClr val="accent1">
+              <a:shade val="50000"/>
+            </a:schemeClr>
+          </a:lnRef>
+          <a:fillRef idx="1">
+            <a:schemeClr val="accent1"/>
+          </a:fillRef>
+          <a:effectRef idx="0">
+            <a:schemeClr val="accent1"/>
+          </a:effectRef>
+          <a:fontRef idx="minor">
+            <a:schemeClr val="lt1"/>
+          </a:fontRef>
+        </p:style>
+        <p:txBody>
+          <a:bodyPr rtlCol="0" anchor="ctr"/>
+          <a:lstStyle/>
+          <a:p>
+            <a:pPr algn="ctr"/>
+            <a:endParaRPr lang="en-US"/>
+          </a:p>
+        </p:txBody>
+      </p:sp>
+      <p:sp>
+        <p:nvSpPr>
+          <p:cNvPr id="39" name="Isosceles Triangle 38"/>
+          <p:cNvSpPr/>
+          <p:nvPr/>
+        </p:nvSpPr>
+        <p:spPr>
+          <a:xfrm>
+            <a:off x="1283614" y="6330013"/>
+            <a:ext cx="1344964" cy="498460"/>
+          </a:xfrm>
+          <a:prstGeom prst="triangle">
+            <a:avLst/>
+          </a:prstGeom>
+          <a:solidFill>
+            <a:srgbClr val="8D98A7"/>
+          </a:solidFill>
+          <a:ln>
+            <a:solidFill>
+              <a:srgbClr val="8D98A7"/>
+            </a:solidFill>
+          </a:ln>
+          <a:effectLst>
+            <a:outerShdw blurRad="50800" dist="38100" dir="2700000" algn="tl" rotWithShape="0">
+              <a:prstClr val="black">
+                <a:alpha val="40000"/>
+              </a:prstClr>
+            </a:outerShdw>
+          </a:effectLst>
+        </p:spPr>
+        <p:style>
+          <a:lnRef idx="2">
+            <a:schemeClr val="accent1">
+              <a:shade val="50000"/>
+            </a:schemeClr>
+          </a:lnRef>
+          <a:fillRef idx="1">
+            <a:schemeClr val="accent1"/>
+          </a:fillRef>
+          <a:effectRef idx="0">
+            <a:schemeClr val="accent1"/>
+          </a:effectRef>
+          <a:fontRef idx="minor">
+            <a:schemeClr val="lt1"/>
+          </a:fontRef>
+        </p:style>
+        <p:txBody>
+          <a:bodyPr rtlCol="0" anchor="ctr"/>
+          <a:lstStyle/>
+          <a:p>
+            <a:pPr algn="ctr"/>
+            <a:endParaRPr lang="en-US"/>
+          </a:p>
+        </p:txBody>
+      </p:sp>
+      <p:sp>
+        <p:nvSpPr>
+          <p:cNvPr id="40" name="Isosceles Triangle 39"/>
+          <p:cNvSpPr/>
+          <p:nvPr/>
+        </p:nvSpPr>
+        <p:spPr>
+          <a:xfrm>
+            <a:off x="589941" y="6356016"/>
+            <a:ext cx="1344964" cy="498460"/>
+          </a:xfrm>
+          <a:prstGeom prst="triangle">
+            <a:avLst/>
+          </a:prstGeom>
+          <a:solidFill>
+            <a:srgbClr val="46484A"/>
+          </a:solidFill>
+          <a:ln>
+            <a:solidFill>
+              <a:srgbClr val="46484A"/>
+            </a:solidFill>
+          </a:ln>
+          <a:effectLst/>
+        </p:spPr>
+        <p:style>
+          <a:lnRef idx="2">
+            <a:schemeClr val="accent1">
+              <a:shade val="50000"/>
+            </a:schemeClr>
+          </a:lnRef>
+          <a:fillRef idx="1">
+            <a:schemeClr val="accent1"/>
+          </a:fillRef>
+          <a:effectRef idx="0">
+            <a:schemeClr val="accent1"/>
+          </a:effectRef>
+          <a:fontRef idx="minor">
+            <a:schemeClr val="lt1"/>
+          </a:fontRef>
+        </p:style>
+        <p:txBody>
+          <a:bodyPr rtlCol="0" anchor="ctr"/>
+          <a:lstStyle/>
+          <a:p>
+            <a:pPr algn="ctr"/>
+            <a:endParaRPr lang="en-US"/>
+          </a:p>
+        </p:txBody>
+      </p:sp>
+      <p:sp>
+        <p:nvSpPr>
+          <p:cNvPr id="47" name="Isosceles Triangle 46"/>
+          <p:cNvSpPr/>
+          <p:nvPr/>
+        </p:nvSpPr>
+        <p:spPr>
+          <a:xfrm>
+            <a:off x="3159024" y="6238274"/>
+            <a:ext cx="1344964" cy="498460"/>
+          </a:xfrm>
+          <a:prstGeom prst="triangle">
+            <a:avLst/>
+          </a:prstGeom>
+          <a:solidFill>
+            <a:srgbClr val="D92027"/>
+          </a:solidFill>
+          <a:ln>
+            <a:solidFill>
+              <a:srgbClr val="D92027"/>
+            </a:solidFill>
+          </a:ln>
+          <a:effectLst>
+            <a:outerShdw blurRad="50800" dist="38100" dir="2700000" algn="tl" rotWithShape="0">
+              <a:prstClr val="black">
+                <a:alpha val="40000"/>
+              </a:prstClr>
+            </a:outerShdw>
+          </a:effectLst>
+        </p:spPr>
+        <p:style>
+          <a:lnRef idx="2">
+            <a:schemeClr val="accent1">
+              <a:shade val="50000"/>
+            </a:schemeClr>
+          </a:lnRef>
+          <a:fillRef idx="1">
+            <a:schemeClr val="accent1"/>
+          </a:fillRef>
+          <a:effectRef idx="0">
+            <a:schemeClr val="accent1"/>
+          </a:effectRef>
+          <a:fontRef idx="minor">
+            <a:schemeClr val="lt1"/>
+          </a:fontRef>
+        </p:style>
+        <p:txBody>
+          <a:bodyPr rtlCol="0" anchor="ctr"/>
+          <a:lstStyle/>
+          <a:p>
+            <a:pPr algn="ctr"/>
+            <a:endParaRPr lang="en-US"/>
+          </a:p>
+        </p:txBody>
+      </p:sp>
+      <p:sp>
+        <p:nvSpPr>
+          <p:cNvPr id="44" name="Isosceles Triangle 43"/>
+          <p:cNvSpPr/>
+          <p:nvPr/>
+        </p:nvSpPr>
+        <p:spPr>
+          <a:xfrm>
+            <a:off x="2764125" y="6347100"/>
+            <a:ext cx="1344964" cy="498460"/>
+          </a:xfrm>
+          <a:prstGeom prst="triangle">
+            <a:avLst/>
+          </a:prstGeom>
+          <a:solidFill>
+            <a:srgbClr val="46484A"/>
+          </a:solidFill>
+          <a:ln>
+            <a:solidFill>
+              <a:srgbClr val="46484A"/>
+            </a:solidFill>
+          </a:ln>
+          <a:effectLst>
+            <a:outerShdw blurRad="50800" dist="38100" dir="2700000" algn="tl" rotWithShape="0">
+              <a:prstClr val="black">
+                <a:alpha val="40000"/>
+              </a:prstClr>
+            </a:outerShdw>
+          </a:effectLst>
+        </p:spPr>
+        <p:style>
+          <a:lnRef idx="2">
+            <a:schemeClr val="accent1">
+              <a:shade val="50000"/>
+            </a:schemeClr>
+          </a:lnRef>
+          <a:fillRef idx="1">
+            <a:schemeClr val="accent1"/>
+          </a:fillRef>
+          <a:effectRef idx="0">
+            <a:schemeClr val="accent1"/>
+          </a:effectRef>
+          <a:fontRef idx="minor">
+            <a:schemeClr val="lt1"/>
+          </a:fontRef>
+        </p:style>
+        <p:txBody>
+          <a:bodyPr rtlCol="0" anchor="ctr"/>
+          <a:lstStyle/>
+          <a:p>
+            <a:pPr algn="ctr"/>
+            <a:endParaRPr lang="en-US" dirty="0"/>
+          </a:p>
+        </p:txBody>
+      </p:sp>
+      <p:sp>
+        <p:nvSpPr>
+          <p:cNvPr id="45" name="Isosceles Triangle 44"/>
+          <p:cNvSpPr/>
+          <p:nvPr/>
+        </p:nvSpPr>
+        <p:spPr>
+          <a:xfrm>
+            <a:off x="1584587" y="6356016"/>
+            <a:ext cx="1344964" cy="498460"/>
+          </a:xfrm>
+          <a:prstGeom prst="triangle">
+            <a:avLst/>
+          </a:prstGeom>
+          <a:solidFill>
+            <a:srgbClr val="46484A"/>
+          </a:solidFill>
+          <a:ln>
+            <a:solidFill>
+              <a:srgbClr val="46484A"/>
+            </a:solidFill>
+          </a:ln>
+          <a:effectLst/>
+        </p:spPr>
+        <p:style>
+          <a:lnRef idx="2">
+            <a:schemeClr val="accent1">
+              <a:shade val="50000"/>
+            </a:schemeClr>
+          </a:lnRef>
+          <a:fillRef idx="1">
+            <a:schemeClr val="accent1"/>
+          </a:fillRef>
+          <a:effectRef idx="0">
+            <a:schemeClr val="accent1"/>
+          </a:effectRef>
+          <a:fontRef idx="minor">
+            <a:schemeClr val="lt1"/>
+          </a:fontRef>
+        </p:style>
+        <p:txBody>
+          <a:bodyPr rtlCol="0" anchor="ctr"/>
+          <a:lstStyle/>
+          <a:p>
+            <a:pPr algn="ctr"/>
+            <a:endParaRPr lang="en-US"/>
+          </a:p>
+        </p:txBody>
+      </p:sp>
+      <p:sp>
+        <p:nvSpPr>
+          <p:cNvPr id="37" name="Isosceles Triangle 36"/>
+          <p:cNvSpPr/>
+          <p:nvPr/>
+        </p:nvSpPr>
+        <p:spPr>
+          <a:xfrm>
+            <a:off x="3468780" y="6351558"/>
+            <a:ext cx="1344964" cy="498460"/>
+          </a:xfrm>
+          <a:prstGeom prst="triangle">
+            <a:avLst/>
+          </a:prstGeom>
+          <a:solidFill>
+            <a:srgbClr val="8D98A7"/>
+          </a:solidFill>
+          <a:ln>
+            <a:solidFill>
+              <a:srgbClr val="8D98A7"/>
+            </a:solidFill>
+          </a:ln>
+          <a:effectLst/>
+        </p:spPr>
+        <p:style>
+          <a:lnRef idx="2">
+            <a:schemeClr val="accent1">
+              <a:shade val="50000"/>
+            </a:schemeClr>
+          </a:lnRef>
+          <a:fillRef idx="1">
+            <a:schemeClr val="accent1"/>
+          </a:fillRef>
+          <a:effectRef idx="0">
+            <a:schemeClr val="accent1"/>
+          </a:effectRef>
+          <a:fontRef idx="minor">
+            <a:schemeClr val="lt1"/>
+          </a:fontRef>
+        </p:style>
+        <p:txBody>
+          <a:bodyPr rtlCol="0" anchor="ctr"/>
+          <a:lstStyle/>
+          <a:p>
+            <a:pPr algn="ctr"/>
+            <a:endParaRPr lang="en-US" dirty="0"/>
+          </a:p>
+        </p:txBody>
+      </p:sp>
+      <p:sp>
+        <p:nvSpPr>
+          <p:cNvPr id="48" name="Isosceles Triangle 47"/>
+          <p:cNvSpPr/>
+          <p:nvPr/>
+        </p:nvSpPr>
+        <p:spPr>
+          <a:xfrm>
+            <a:off x="4414046" y="6263532"/>
+            <a:ext cx="1344964" cy="498460"/>
+          </a:xfrm>
+          <a:prstGeom prst="triangle">
+            <a:avLst/>
+          </a:prstGeom>
+          <a:solidFill>
+            <a:srgbClr val="D92027"/>
+          </a:solidFill>
+          <a:ln>
+            <a:solidFill>
+              <a:srgbClr val="D92027"/>
+            </a:solidFill>
+          </a:ln>
+          <a:effectLst>
+            <a:outerShdw blurRad="50800" dist="38100" dir="2700000" algn="tl" rotWithShape="0">
+              <a:prstClr val="black">
+                <a:alpha val="40000"/>
+              </a:prstClr>
+            </a:outerShdw>
+          </a:effectLst>
+        </p:spPr>
+        <p:style>
+          <a:lnRef idx="2">
+            <a:schemeClr val="accent1">
+              <a:shade val="50000"/>
+            </a:schemeClr>
+          </a:lnRef>
+          <a:fillRef idx="1">
+            <a:schemeClr val="accent1"/>
+          </a:fillRef>
+          <a:effectRef idx="0">
+            <a:schemeClr val="accent1"/>
+          </a:effectRef>
+          <a:fontRef idx="minor">
+            <a:schemeClr val="lt1"/>
+          </a:fontRef>
+        </p:style>
+        <p:txBody>
+          <a:bodyPr rtlCol="0" anchor="ctr"/>
+          <a:lstStyle/>
+          <a:p>
+            <a:pPr algn="ctr"/>
+            <a:endParaRPr lang="en-US"/>
+          </a:p>
+        </p:txBody>
+      </p:sp>
+      <p:sp>
+        <p:nvSpPr>
+          <p:cNvPr id="49" name="Isosceles Triangle 48"/>
+          <p:cNvSpPr/>
+          <p:nvPr/>
+        </p:nvSpPr>
+        <p:spPr>
+          <a:xfrm>
+            <a:off x="6046473" y="6251647"/>
+            <a:ext cx="1344964" cy="498460"/>
+          </a:xfrm>
+          <a:prstGeom prst="triangle">
+            <a:avLst/>
+          </a:prstGeom>
+          <a:solidFill>
+            <a:srgbClr val="D92027"/>
+          </a:solidFill>
+          <a:ln>
+            <a:solidFill>
+              <a:srgbClr val="D92027"/>
+            </a:solidFill>
+          </a:ln>
+          <a:effectLst>
+            <a:outerShdw blurRad="50800" dist="38100" dir="2700000" algn="tl" rotWithShape="0">
+              <a:prstClr val="black">
+                <a:alpha val="40000"/>
+              </a:prstClr>
+            </a:outerShdw>
+          </a:effectLst>
+        </p:spPr>
+        <p:style>
+          <a:lnRef idx="2">
+            <a:schemeClr val="accent1">
+              <a:shade val="50000"/>
+            </a:schemeClr>
+          </a:lnRef>
+          <a:fillRef idx="1">
+            <a:schemeClr val="accent1"/>
+          </a:fillRef>
+          <a:effectRef idx="0">
+            <a:schemeClr val="accent1"/>
+          </a:effectRef>
+          <a:fontRef idx="minor">
+            <a:schemeClr val="lt1"/>
+          </a:fontRef>
+        </p:style>
+        <p:txBody>
+          <a:bodyPr rtlCol="0" anchor="ctr"/>
+          <a:lstStyle/>
+          <a:p>
+            <a:pPr algn="ctr"/>
+            <a:endParaRPr lang="en-US"/>
+          </a:p>
+        </p:txBody>
+      </p:sp>
+      <p:sp>
+        <p:nvSpPr>
+          <p:cNvPr id="50" name="Isosceles Triangle 49"/>
+          <p:cNvSpPr/>
+          <p:nvPr/>
+        </p:nvSpPr>
+        <p:spPr>
+          <a:xfrm>
+            <a:off x="5393076" y="6250531"/>
+            <a:ext cx="1344964" cy="498460"/>
+          </a:xfrm>
+          <a:prstGeom prst="triangle">
+            <a:avLst/>
+          </a:prstGeom>
+          <a:solidFill>
+            <a:srgbClr val="D92027"/>
+          </a:solidFill>
+          <a:ln>
+            <a:solidFill>
+              <a:srgbClr val="D92027"/>
+            </a:solidFill>
+          </a:ln>
+          <a:effectLst>
+            <a:outerShdw blurRad="50800" dist="38100" dir="2700000" algn="tl" rotWithShape="0">
+              <a:prstClr val="black">
+                <a:alpha val="40000"/>
+              </a:prstClr>
+            </a:outerShdw>
+          </a:effectLst>
+        </p:spPr>
+        <p:style>
+          <a:lnRef idx="2">
+            <a:schemeClr val="accent1">
+              <a:shade val="50000"/>
+            </a:schemeClr>
+          </a:lnRef>
+          <a:fillRef idx="1">
+            <a:schemeClr val="accent1"/>
+          </a:fillRef>
+          <a:effectRef idx="0">
+            <a:schemeClr val="accent1"/>
+          </a:effectRef>
+          <a:fontRef idx="minor">
+            <a:schemeClr val="lt1"/>
+          </a:fontRef>
+        </p:style>
+        <p:txBody>
+          <a:bodyPr rtlCol="0" anchor="ctr"/>
+          <a:lstStyle/>
+          <a:p>
+            <a:pPr algn="ctr"/>
+            <a:endParaRPr lang="en-US"/>
+          </a:p>
+        </p:txBody>
+      </p:sp>
+      <p:sp>
+        <p:nvSpPr>
+          <p:cNvPr id="51" name="Isosceles Triangle 50"/>
+          <p:cNvSpPr/>
+          <p:nvPr/>
+        </p:nvSpPr>
+        <p:spPr>
+          <a:xfrm>
+            <a:off x="4889728" y="6250531"/>
+            <a:ext cx="1344964" cy="498460"/>
+          </a:xfrm>
+          <a:prstGeom prst="triangle">
+            <a:avLst/>
+          </a:prstGeom>
+          <a:solidFill>
+            <a:srgbClr val="D92027"/>
+          </a:solidFill>
+          <a:ln>
+            <a:solidFill>
+              <a:srgbClr val="D92027"/>
+            </a:solidFill>
+          </a:ln>
+          <a:effectLst>
+            <a:outerShdw blurRad="50800" dist="38100" dir="2700000" algn="tl" rotWithShape="0">
+              <a:prstClr val="black">
+                <a:alpha val="40000"/>
+              </a:prstClr>
+            </a:outerShdw>
+          </a:effectLst>
+        </p:spPr>
+        <p:style>
+          <a:lnRef idx="2">
+            <a:schemeClr val="accent1">
+              <a:shade val="50000"/>
+            </a:schemeClr>
+          </a:lnRef>
+          <a:fillRef idx="1">
+            <a:schemeClr val="accent1"/>
+          </a:fillRef>
+          <a:effectRef idx="0">
+            <a:schemeClr val="accent1"/>
+          </a:effectRef>
+          <a:fontRef idx="minor">
+            <a:schemeClr val="lt1"/>
+          </a:fontRef>
+        </p:style>
+        <p:txBody>
+          <a:bodyPr rtlCol="0" anchor="ctr"/>
+          <a:lstStyle/>
+          <a:p>
+            <a:pPr algn="ctr"/>
+            <a:endParaRPr lang="en-US"/>
+          </a:p>
+        </p:txBody>
+      </p:sp>
+      <p:sp>
+        <p:nvSpPr>
+          <p:cNvPr id="52" name="Isosceles Triangle 51"/>
+          <p:cNvSpPr/>
+          <p:nvPr/>
+        </p:nvSpPr>
+        <p:spPr>
+          <a:xfrm>
+            <a:off x="5806755" y="6343014"/>
+            <a:ext cx="1344964" cy="498460"/>
+          </a:xfrm>
+          <a:prstGeom prst="triangle">
+            <a:avLst/>
+          </a:prstGeom>
+          <a:solidFill>
+            <a:srgbClr val="8D98A7"/>
+          </a:solidFill>
+          <a:ln>
+            <a:solidFill>
+              <a:srgbClr val="8D98A7"/>
+            </a:solidFill>
+          </a:ln>
+          <a:effectLst>
+            <a:outerShdw blurRad="50800" dist="38100" dir="2700000" algn="tl" rotWithShape="0">
+              <a:prstClr val="black">
+                <a:alpha val="40000"/>
+              </a:prstClr>
+            </a:outerShdw>
+          </a:effectLst>
+        </p:spPr>
+        <p:style>
+          <a:lnRef idx="2">
+            <a:schemeClr val="accent1">
+              <a:shade val="50000"/>
+            </a:schemeClr>
+          </a:lnRef>
+          <a:fillRef idx="1">
+            <a:schemeClr val="accent1"/>
+          </a:fillRef>
+          <a:effectRef idx="0">
+            <a:schemeClr val="accent1"/>
+          </a:effectRef>
+          <a:fontRef idx="minor">
+            <a:schemeClr val="lt1"/>
+          </a:fontRef>
+        </p:style>
+        <p:txBody>
+          <a:bodyPr rtlCol="0" anchor="ctr"/>
+          <a:lstStyle/>
+          <a:p>
+            <a:pPr algn="ctr"/>
+            <a:endParaRPr lang="en-US"/>
+          </a:p>
+        </p:txBody>
+      </p:sp>
+      <p:sp>
+        <p:nvSpPr>
+          <p:cNvPr id="53" name="Isosceles Triangle 52"/>
+          <p:cNvSpPr/>
+          <p:nvPr/>
+        </p:nvSpPr>
+        <p:spPr>
+          <a:xfrm>
+            <a:off x="4731239" y="6330013"/>
+            <a:ext cx="1344964" cy="498460"/>
+          </a:xfrm>
+          <a:prstGeom prst="triangle">
+            <a:avLst/>
+          </a:prstGeom>
+          <a:solidFill>
+            <a:srgbClr val="8D98A7"/>
+          </a:solidFill>
+          <a:ln>
+            <a:solidFill>
+              <a:srgbClr val="8D98A7"/>
+            </a:solidFill>
+          </a:ln>
+          <a:effectLst>
+            <a:outerShdw blurRad="50800" dist="38100" dir="2700000" algn="tl" rotWithShape="0">
+              <a:prstClr val="black">
+                <a:alpha val="40000"/>
+              </a:prstClr>
+            </a:outerShdw>
+          </a:effectLst>
+        </p:spPr>
+        <p:style>
+          <a:lnRef idx="2">
+            <a:schemeClr val="accent1">
+              <a:shade val="50000"/>
+            </a:schemeClr>
+          </a:lnRef>
+          <a:fillRef idx="1">
+            <a:schemeClr val="accent1"/>
+          </a:fillRef>
+          <a:effectRef idx="0">
+            <a:schemeClr val="accent1"/>
+          </a:effectRef>
+          <a:fontRef idx="minor">
+            <a:schemeClr val="lt1"/>
+          </a:fontRef>
+        </p:style>
+        <p:txBody>
+          <a:bodyPr rtlCol="0" anchor="ctr"/>
+          <a:lstStyle/>
+          <a:p>
+            <a:pPr algn="ctr"/>
+            <a:endParaRPr lang="en-US"/>
+          </a:p>
+        </p:txBody>
+      </p:sp>
+      <p:sp>
+        <p:nvSpPr>
+          <p:cNvPr id="54" name="Isosceles Triangle 53"/>
+          <p:cNvSpPr/>
+          <p:nvPr/>
+        </p:nvSpPr>
+        <p:spPr>
+          <a:xfrm>
+            <a:off x="4037566" y="6356016"/>
+            <a:ext cx="1344964" cy="498460"/>
+          </a:xfrm>
+          <a:prstGeom prst="triangle">
+            <a:avLst/>
+          </a:prstGeom>
+          <a:solidFill>
+            <a:srgbClr val="46484A"/>
+          </a:solidFill>
+          <a:ln>
+            <a:solidFill>
+              <a:srgbClr val="46484A"/>
+            </a:solidFill>
+          </a:ln>
+          <a:effectLst/>
+        </p:spPr>
+        <p:style>
+          <a:lnRef idx="2">
+            <a:schemeClr val="accent1">
+              <a:shade val="50000"/>
+            </a:schemeClr>
+          </a:lnRef>
+          <a:fillRef idx="1">
+            <a:schemeClr val="accent1"/>
+          </a:fillRef>
+          <a:effectRef idx="0">
+            <a:schemeClr val="accent1"/>
+          </a:effectRef>
+          <a:fontRef idx="minor">
+            <a:schemeClr val="lt1"/>
+          </a:fontRef>
+        </p:style>
+        <p:txBody>
+          <a:bodyPr rtlCol="0" anchor="ctr"/>
+          <a:lstStyle/>
+          <a:p>
+            <a:pPr algn="ctr"/>
+            <a:endParaRPr lang="en-US"/>
+          </a:p>
+        </p:txBody>
+      </p:sp>
+      <p:sp>
+        <p:nvSpPr>
+          <p:cNvPr id="56" name="Isosceles Triangle 55"/>
+          <p:cNvSpPr/>
+          <p:nvPr/>
+        </p:nvSpPr>
+        <p:spPr>
+          <a:xfrm>
+            <a:off x="6221527" y="6359540"/>
+            <a:ext cx="1344964" cy="498460"/>
+          </a:xfrm>
+          <a:prstGeom prst="triangle">
+            <a:avLst/>
+          </a:prstGeom>
+          <a:solidFill>
+            <a:srgbClr val="46484A"/>
+          </a:solidFill>
+          <a:ln>
+            <a:solidFill>
+              <a:srgbClr val="46484A"/>
+            </a:solidFill>
+          </a:ln>
+          <a:effectLst/>
+        </p:spPr>
+        <p:style>
+          <a:lnRef idx="2">
+            <a:schemeClr val="accent1">
+              <a:shade val="50000"/>
+            </a:schemeClr>
+          </a:lnRef>
+          <a:fillRef idx="1">
+            <a:schemeClr val="accent1"/>
+          </a:fillRef>
+          <a:effectRef idx="0">
+            <a:schemeClr val="accent1"/>
+          </a:effectRef>
+          <a:fontRef idx="minor">
+            <a:schemeClr val="lt1"/>
+          </a:fontRef>
+        </p:style>
+        <p:txBody>
+          <a:bodyPr rtlCol="0" anchor="ctr"/>
+          <a:lstStyle/>
+          <a:p>
+            <a:pPr algn="ctr"/>
+            <a:endParaRPr lang="en-US" dirty="0"/>
+          </a:p>
+        </p:txBody>
+      </p:sp>
+      <p:sp>
+        <p:nvSpPr>
+          <p:cNvPr id="57" name="Isosceles Triangle 56"/>
+          <p:cNvSpPr/>
+          <p:nvPr/>
+        </p:nvSpPr>
+        <p:spPr>
+          <a:xfrm>
+            <a:off x="5032212" y="6356016"/>
+            <a:ext cx="1344964" cy="498460"/>
+          </a:xfrm>
+          <a:prstGeom prst="triangle">
+            <a:avLst/>
+          </a:prstGeom>
+          <a:solidFill>
+            <a:srgbClr val="46484A"/>
+          </a:solidFill>
+          <a:ln>
+            <a:solidFill>
+              <a:srgbClr val="46484A"/>
+            </a:solidFill>
+          </a:ln>
+          <a:effectLst/>
+        </p:spPr>
+        <p:style>
+          <a:lnRef idx="2">
+            <a:schemeClr val="accent1">
+              <a:shade val="50000"/>
+            </a:schemeClr>
+          </a:lnRef>
+          <a:fillRef idx="1">
+            <a:schemeClr val="accent1"/>
+          </a:fillRef>
+          <a:effectRef idx="0">
+            <a:schemeClr val="accent1"/>
+          </a:effectRef>
+          <a:fontRef idx="minor">
+            <a:schemeClr val="lt1"/>
+          </a:fontRef>
+        </p:style>
+        <p:txBody>
+          <a:bodyPr rtlCol="0" anchor="ctr"/>
+          <a:lstStyle/>
+          <a:p>
+            <a:pPr algn="ctr"/>
+            <a:endParaRPr lang="en-US"/>
+          </a:p>
+        </p:txBody>
+      </p:sp>
+      <p:pic>
+        <p:nvPicPr>
+          <p:cNvPr id="3" name="Picture 2"/>
+          <p:cNvPicPr>
+            <a:picLocks noChangeAspect="1"/>
+          </p:cNvPicPr>
+          <p:nvPr/>
+        </p:nvPicPr>
+        <p:blipFill>
+          <a:blip r:embed="rId6"/>
+          <a:stretch>
+            <a:fillRect/>
+          </a:stretch>
+        </p:blipFill>
+        <p:spPr>
+          <a:xfrm>
+            <a:off x="5579193" y="724079"/>
+            <a:ext cx="5152968" cy="2746648"/>
+          </a:xfrm>
+          <a:prstGeom prst="rect">
+            <a:avLst/>
+          </a:prstGeom>
+        </p:spPr>
+      </p:pic>
+      <p:sp>
+        <p:nvSpPr>
+          <p:cNvPr id="55" name="TextBox 54"/>
+          <p:cNvSpPr txBox="1"/>
+          <p:nvPr/>
+        </p:nvSpPr>
+        <p:spPr>
+          <a:xfrm>
+            <a:off x="257774" y="1948025"/>
+            <a:ext cx="4774438" cy="1015663"/>
+          </a:xfrm>
+          <a:prstGeom prst="rect">
+            <a:avLst/>
+          </a:prstGeom>
+          <a:noFill/>
+        </p:spPr>
+        <p:txBody>
+          <a:bodyPr wrap="square" rtlCol="0">
+            <a:spAutoFit/>
+          </a:bodyPr>
+          <a:lstStyle/>
+          <a:p>
+            <a:r>
+              <a:rPr lang="en-US" sz="2000" dirty="0" smtClean="0">
+                <a:latin typeface="Hack" panose="020B0609030202020204" pitchFamily="49" charset="0"/>
+                <a:ea typeface="Hack" panose="020B0609030202020204" pitchFamily="49" charset="0"/>
+                <a:cs typeface="Hack" panose="020B0609030202020204" pitchFamily="49" charset="0"/>
+              </a:rPr>
+              <a:t>We start with an initial value</a:t>
+            </a:r>
+            <a:r>
+              <a:rPr lang="en-US" sz="2000" dirty="0">
+                <a:latin typeface="Hack" panose="020B0609030202020204" pitchFamily="49" charset="0"/>
+                <a:ea typeface="Hack" panose="020B0609030202020204" pitchFamily="49" charset="0"/>
+                <a:cs typeface="Hack" panose="020B0609030202020204" pitchFamily="49" charset="0"/>
+              </a:rPr>
+              <a:t> </a:t>
+            </a:r>
+            <a:r>
+              <a:rPr lang="en-US" sz="2000" dirty="0" smtClean="0">
+                <a:latin typeface="Hack" panose="020B0609030202020204" pitchFamily="49" charset="0"/>
+                <a:ea typeface="Hack" panose="020B0609030202020204" pitchFamily="49" charset="0"/>
+                <a:cs typeface="Hack" panose="020B0609030202020204" pitchFamily="49" charset="0"/>
+              </a:rPr>
+              <a:t>then we keep changing until we reach a local minimum.</a:t>
+            </a:r>
+            <a:endParaRPr lang="en-US" sz="2000" dirty="0" smtClean="0">
+              <a:latin typeface="Hack" panose="020B0609030202020204" pitchFamily="49" charset="0"/>
+              <a:ea typeface="Hack" panose="020B0609030202020204" pitchFamily="49" charset="0"/>
+              <a:cs typeface="Hack" panose="020B0609030202020204" pitchFamily="49" charset="0"/>
+            </a:endParaRPr>
+          </a:p>
+        </p:txBody>
+      </p:sp>
+      <p:pic>
+        <p:nvPicPr>
+          <p:cNvPr id="4" name="Picture 3"/>
+          <p:cNvPicPr>
+            <a:picLocks noChangeAspect="1"/>
+          </p:cNvPicPr>
+          <p:nvPr/>
+        </p:nvPicPr>
+        <p:blipFill>
+          <a:blip r:embed="rId7"/>
+          <a:stretch>
+            <a:fillRect/>
+          </a:stretch>
+        </p:blipFill>
+        <p:spPr>
+          <a:xfrm>
+            <a:off x="731435" y="3350318"/>
+            <a:ext cx="4855177" cy="2567062"/>
+          </a:xfrm>
+          <a:prstGeom prst="rect">
+            <a:avLst/>
+          </a:prstGeom>
+        </p:spPr>
+      </p:pic>
+      <p:pic>
+        <p:nvPicPr>
+          <p:cNvPr id="5" name="Picture 4"/>
+          <p:cNvPicPr>
+            <a:picLocks noChangeAspect="1"/>
+          </p:cNvPicPr>
+          <p:nvPr/>
+        </p:nvPicPr>
+        <p:blipFill>
+          <a:blip r:embed="rId8"/>
+          <a:stretch>
+            <a:fillRect/>
+          </a:stretch>
+        </p:blipFill>
+        <p:spPr>
+          <a:xfrm>
+            <a:off x="6738040" y="3487253"/>
+            <a:ext cx="4730817" cy="2436316"/>
+          </a:xfrm>
+          <a:prstGeom prst="rect">
+            <a:avLst/>
+          </a:prstGeom>
+        </p:spPr>
+      </p:pic>
+      <p:cxnSp>
+        <p:nvCxnSpPr>
+          <p:cNvPr id="8" name="Straight Arrow Connector 7"/>
+          <p:cNvCxnSpPr/>
+          <p:nvPr/>
+        </p:nvCxnSpPr>
+        <p:spPr>
+          <a:xfrm flipV="1">
+            <a:off x="3159024" y="3614057"/>
+            <a:ext cx="2403186" cy="1619794"/>
+          </a:xfrm>
+          <a:prstGeom prst="straightConnector1">
+            <a:avLst/>
+          </a:prstGeom>
+          <a:ln>
+            <a:tailEnd type="triangle"/>
+          </a:ln>
+        </p:spPr>
+        <p:style>
+          <a:lnRef idx="1">
+            <a:schemeClr val="dk1"/>
+          </a:lnRef>
+          <a:fillRef idx="0">
+            <a:schemeClr val="dk1"/>
+          </a:fillRef>
+          <a:effectRef idx="0">
+            <a:schemeClr val="dk1"/>
+          </a:effectRef>
+          <a:fontRef idx="minor">
+            <a:schemeClr val="tx1"/>
+          </a:fontRef>
+        </p:style>
+      </p:cxnSp>
+      <p:cxnSp>
+        <p:nvCxnSpPr>
+          <p:cNvPr id="11" name="Straight Arrow Connector 10"/>
+          <p:cNvCxnSpPr/>
+          <p:nvPr/>
+        </p:nvCxnSpPr>
+        <p:spPr>
+          <a:xfrm flipH="1" flipV="1">
+            <a:off x="5904411" y="3614057"/>
+            <a:ext cx="4186751" cy="1419497"/>
+          </a:xfrm>
+          <a:prstGeom prst="straightConnector1">
+            <a:avLst/>
+          </a:prstGeom>
+          <a:ln>
+            <a:tailEnd type="triangle"/>
+          </a:ln>
+        </p:spPr>
+        <p:style>
+          <a:lnRef idx="1">
+            <a:schemeClr val="dk1"/>
+          </a:lnRef>
+          <a:fillRef idx="0">
+            <a:schemeClr val="dk1"/>
+          </a:fillRef>
+          <a:effectRef idx="0">
+            <a:schemeClr val="dk1"/>
+          </a:effectRef>
+          <a:fontRef idx="minor">
+            <a:schemeClr val="tx1"/>
+          </a:fontRef>
+        </p:style>
+      </p:cxnSp>
+      <p:sp>
+        <p:nvSpPr>
+          <p:cNvPr id="17" name="TextBox 16"/>
+          <p:cNvSpPr txBox="1"/>
+          <p:nvPr/>
+        </p:nvSpPr>
+        <p:spPr>
+          <a:xfrm>
+            <a:off x="5104724" y="2969997"/>
+            <a:ext cx="1302008" cy="646331"/>
+          </a:xfrm>
+          <a:prstGeom prst="rect">
+            <a:avLst/>
+          </a:prstGeom>
+          <a:noFill/>
+        </p:spPr>
+        <p:txBody>
+          <a:bodyPr wrap="square" rtlCol="0">
+            <a:spAutoFit/>
+          </a:bodyPr>
+          <a:lstStyle/>
+          <a:p>
+            <a:pPr algn="ctr"/>
+            <a:r>
+              <a:rPr lang="en-US" dirty="0" smtClean="0">
+                <a:solidFill>
+                  <a:srgbClr val="C00000"/>
+                </a:solidFill>
+                <a:latin typeface="Hack" panose="020B0609030202020204"/>
+              </a:rPr>
+              <a:t>Local minimum</a:t>
+            </a:r>
+            <a:endParaRPr lang="en-US" dirty="0">
+              <a:solidFill>
+                <a:srgbClr val="C00000"/>
+              </a:solidFill>
+              <a:latin typeface="Hack" panose="020B0609030202020204"/>
+            </a:endParaRPr>
+          </a:p>
+        </p:txBody>
+      </p:sp>
+    </p:spTree>
+    <p:extLst>
+      <p:ext uri="{BB962C8B-B14F-4D97-AF65-F5344CB8AC3E}">
+        <p14:creationId xmlns:p14="http://schemas.microsoft.com/office/powerpoint/2010/main" val="3178151486"/>
+      </p:ext>
+    </p:extLst>
+  </p:cSld>
+  <p:clrMapOvr>
+    <a:masterClrMapping/>
+  </p:clrMapOvr>
+  <p:timing>
+    <p:tnLst>
+      <p:par>
+        <p:cTn id="1" dur="indefinite" restart="never" nodeType="tmRoot">
+          <p:childTnLst>
+            <p:seq concurrent="1" nextAc="seek">
+              <p:cTn id="2" dur="indefinite" nodeType="mainSeq">
+                <p:childTnLst>
+                  <p:par>
+                    <p:cTn id="3" fill="hold">
+                      <p:stCondLst>
+                        <p:cond delay="indefinite"/>
+                      </p:stCondLst>
+                      <p:childTnLst>
+                        <p:par>
+                          <p:cTn id="4" fill="hold">
+                            <p:stCondLst>
+                              <p:cond delay="0"/>
+                            </p:stCondLst>
+                            <p:childTnLst>
+                              <p:par>
+                                <p:cTn id="5" presetID="10" presetClass="entr" presetSubtype="0" fill="hold" nodeType="clickEffect">
+                                  <p:stCondLst>
+                                    <p:cond delay="0"/>
+                                  </p:stCondLst>
+                                  <p:childTnLst>
+                                    <p:set>
+                                      <p:cBhvr>
+                                        <p:cTn id="6" dur="1" fill="hold">
+                                          <p:stCondLst>
+                                            <p:cond delay="0"/>
+                                          </p:stCondLst>
+                                        </p:cTn>
+                                        <p:tgtEl>
+                                          <p:spTgt spid="4"/>
+                                        </p:tgtEl>
+                                        <p:attrNameLst>
+                                          <p:attrName>style.visibility</p:attrName>
+                                        </p:attrNameLst>
+                                      </p:cBhvr>
+                                      <p:to>
+                                        <p:strVal val="visible"/>
+                                      </p:to>
+                                    </p:set>
+                                    <p:animEffect transition="in" filter="fade">
+                                      <p:cBhvr>
+                                        <p:cTn id="7" dur="500"/>
+                                        <p:tgtEl>
+                                          <p:spTgt spid="4"/>
+                                        </p:tgtEl>
+                                      </p:cBhvr>
+                                    </p:animEffect>
+                                  </p:childTnLst>
+                                </p:cTn>
+                              </p:par>
+                            </p:childTnLst>
+                          </p:cTn>
+                        </p:par>
+                      </p:childTnLst>
+                    </p:cTn>
+                  </p:par>
+                  <p:par>
+                    <p:cTn id="8" fill="hold">
+                      <p:stCondLst>
+                        <p:cond delay="indefinite"/>
+                      </p:stCondLst>
+                      <p:childTnLst>
+                        <p:par>
+                          <p:cTn id="9" fill="hold">
+                            <p:stCondLst>
+                              <p:cond delay="0"/>
+                            </p:stCondLst>
+                            <p:childTnLst>
+                              <p:par>
+                                <p:cTn id="10" presetID="10" presetClass="entr" presetSubtype="0" fill="hold" nodeType="clickEffect">
+                                  <p:stCondLst>
+                                    <p:cond delay="0"/>
+                                  </p:stCondLst>
+                                  <p:childTnLst>
+                                    <p:set>
+                                      <p:cBhvr>
+                                        <p:cTn id="11" dur="1" fill="hold">
+                                          <p:stCondLst>
+                                            <p:cond delay="0"/>
+                                          </p:stCondLst>
+                                        </p:cTn>
+                                        <p:tgtEl>
+                                          <p:spTgt spid="5"/>
+                                        </p:tgtEl>
+                                        <p:attrNameLst>
+                                          <p:attrName>style.visibility</p:attrName>
+                                        </p:attrNameLst>
+                                      </p:cBhvr>
+                                      <p:to>
+                                        <p:strVal val="visible"/>
+                                      </p:to>
+                                    </p:set>
+                                    <p:animEffect transition="in" filter="fade">
+                                      <p:cBhvr>
+                                        <p:cTn id="12" dur="500"/>
+                                        <p:tgtEl>
+                                          <p:spTgt spid="5"/>
+                                        </p:tgtEl>
+                                      </p:cBhvr>
+                                    </p:animEffect>
+                                  </p:childTnLst>
+                                </p:cTn>
+                              </p:par>
+                            </p:childTnLst>
+                          </p:cTn>
+                        </p:par>
+                      </p:childTnLst>
+                    </p:cTn>
+                  </p:par>
+                  <p:par>
+                    <p:cTn id="13" fill="hold">
+                      <p:stCondLst>
+                        <p:cond delay="indefinite"/>
+                      </p:stCondLst>
+                      <p:childTnLst>
+                        <p:par>
+                          <p:cTn id="14" fill="hold">
+                            <p:stCondLst>
+                              <p:cond delay="0"/>
+                            </p:stCondLst>
+                            <p:childTnLst>
+                              <p:par>
+                                <p:cTn id="15" presetID="10" presetClass="entr" presetSubtype="0" fill="hold" grpId="0" nodeType="clickEffect">
+                                  <p:stCondLst>
+                                    <p:cond delay="0"/>
+                                  </p:stCondLst>
+                                  <p:childTnLst>
+                                    <p:set>
+                                      <p:cBhvr>
+                                        <p:cTn id="16" dur="1" fill="hold">
+                                          <p:stCondLst>
+                                            <p:cond delay="0"/>
+                                          </p:stCondLst>
+                                        </p:cTn>
+                                        <p:tgtEl>
+                                          <p:spTgt spid="17"/>
+                                        </p:tgtEl>
+                                        <p:attrNameLst>
+                                          <p:attrName>style.visibility</p:attrName>
+                                        </p:attrNameLst>
+                                      </p:cBhvr>
+                                      <p:to>
+                                        <p:strVal val="visible"/>
+                                      </p:to>
+                                    </p:set>
+                                    <p:animEffect transition="in" filter="fade">
+                                      <p:cBhvr>
+                                        <p:cTn id="17" dur="500"/>
+                                        <p:tgtEl>
+                                          <p:spTgt spid="17"/>
+                                        </p:tgtEl>
+                                      </p:cBhvr>
+                                    </p:animEffect>
+                                  </p:childTnLst>
+                                </p:cTn>
+                              </p:par>
+                              <p:par>
+                                <p:cTn id="18" presetID="10" presetClass="entr" presetSubtype="0" fill="hold" nodeType="withEffect">
+                                  <p:stCondLst>
+                                    <p:cond delay="0"/>
+                                  </p:stCondLst>
+                                  <p:childTnLst>
+                                    <p:set>
+                                      <p:cBhvr>
+                                        <p:cTn id="19" dur="1" fill="hold">
+                                          <p:stCondLst>
+                                            <p:cond delay="0"/>
+                                          </p:stCondLst>
+                                        </p:cTn>
+                                        <p:tgtEl>
+                                          <p:spTgt spid="11"/>
+                                        </p:tgtEl>
+                                        <p:attrNameLst>
+                                          <p:attrName>style.visibility</p:attrName>
+                                        </p:attrNameLst>
+                                      </p:cBhvr>
+                                      <p:to>
+                                        <p:strVal val="visible"/>
+                                      </p:to>
+                                    </p:set>
+                                    <p:animEffect transition="in" filter="fade">
+                                      <p:cBhvr>
+                                        <p:cTn id="20" dur="500"/>
+                                        <p:tgtEl>
+                                          <p:spTgt spid="11"/>
+                                        </p:tgtEl>
+                                      </p:cBhvr>
+                                    </p:animEffect>
+                                  </p:childTnLst>
+                                </p:cTn>
+                              </p:par>
+                              <p:par>
+                                <p:cTn id="21" presetID="10" presetClass="entr" presetSubtype="0" fill="hold" nodeType="withEffect">
+                                  <p:stCondLst>
+                                    <p:cond delay="0"/>
+                                  </p:stCondLst>
+                                  <p:childTnLst>
+                                    <p:set>
+                                      <p:cBhvr>
+                                        <p:cTn id="22" dur="1" fill="hold">
+                                          <p:stCondLst>
+                                            <p:cond delay="0"/>
+                                          </p:stCondLst>
+                                        </p:cTn>
+                                        <p:tgtEl>
+                                          <p:spTgt spid="8"/>
+                                        </p:tgtEl>
+                                        <p:attrNameLst>
+                                          <p:attrName>style.visibility</p:attrName>
+                                        </p:attrNameLst>
+                                      </p:cBhvr>
+                                      <p:to>
+                                        <p:strVal val="visible"/>
+                                      </p:to>
+                                    </p:set>
+                                    <p:animEffect transition="in" filter="fade">
+                                      <p:cBhvr>
+                                        <p:cTn id="23" dur="500"/>
+                                        <p:tgtEl>
+                                          <p:spTgt spid="8"/>
+                                        </p:tgtEl>
+                                      </p:cBhvr>
+                                    </p:animEffect>
+                                  </p:childTnLst>
+                                </p:cTn>
+                              </p:par>
+                            </p:childTnLst>
+                          </p:cTn>
+                        </p:par>
+                      </p:childTnLst>
+                    </p:cTn>
+                  </p:par>
+                </p:childTnLst>
+              </p:cTn>
+              <p:prevCondLst>
+                <p:cond evt="onPrev" delay="0">
+                  <p:tgtEl>
+                    <p:sldTgt/>
+                  </p:tgtEl>
+                </p:cond>
+              </p:prevCondLst>
+              <p:nextCondLst>
+                <p:cond evt="onNext" delay="0">
+                  <p:tgtEl>
+                    <p:sldTgt/>
+                  </p:tgtEl>
+                </p:cond>
+              </p:nextCondLst>
+            </p:seq>
+          </p:childTnLst>
+        </p:cTn>
+      </p:par>
+    </p:tnLst>
+    <p:bldLst>
+      <p:bldP spid="17" grpId="0"/>
+    </p:bldLst>
+  </p:timing>
+</p:sld>
+</file>
+
+<file path=ppt/slides/slide7.xml><?xml version="1.0" encoding="utf-8"?>
+<p:sld xmlns:a="http://schemas.openxmlformats.org/drawingml/2006/main" xmlns:r="http://schemas.openxmlformats.org/officeDocument/2006/relationships" xmlns:p="http://schemas.openxmlformats.org/presentationml/2006/main">
+  <p:cSld>
+    <p:spTree>
+      <p:nvGrpSpPr>
+        <p:cNvPr id="1" name=""/>
+        <p:cNvGrpSpPr/>
+        <p:nvPr/>
+      </p:nvGrpSpPr>
+      <p:grpSpPr>
+        <a:xfrm>
+          <a:off x="0" y="0"/>
+          <a:ext cx="0" cy="0"/>
+          <a:chOff x="0" y="0"/>
+          <a:chExt cx="0" cy="0"/>
+        </a:xfrm>
+      </p:grpSpPr>
+      <p:sp>
+        <p:nvSpPr>
+          <p:cNvPr id="7" name="TextBox 6"/>
+          <p:cNvSpPr txBox="1"/>
+          <p:nvPr/>
+        </p:nvSpPr>
+        <p:spPr>
+          <a:xfrm>
+            <a:off x="352425" y="323850"/>
+            <a:ext cx="4848225" cy="861774"/>
+          </a:xfrm>
+          <a:prstGeom prst="rect">
+            <a:avLst/>
+          </a:prstGeom>
+          <a:solidFill>
+            <a:schemeClr val="bg1"/>
+          </a:solidFill>
+          <a:effectLst>
+            <a:outerShdw blurRad="50800" dist="38100" dir="2700000" algn="tl" rotWithShape="0">
+              <a:prstClr val="black">
+                <a:alpha val="40000"/>
+              </a:prstClr>
+            </a:outerShdw>
+          </a:effectLst>
+        </p:spPr>
+        <p:txBody>
+          <a:bodyPr wrap="square" rtlCol="0">
+            <a:spAutoFit/>
+          </a:bodyPr>
+          <a:lstStyle/>
+          <a:p>
+            <a:r>
+              <a:rPr lang="en-US" sz="5000" b="1" dirty="0" smtClean="0">
+                <a:solidFill>
+                  <a:srgbClr val="D92027"/>
+                </a:solidFill>
+                <a:latin typeface="Hack" panose="020B0609030202020204" pitchFamily="49" charset="0"/>
+                <a:ea typeface="Hack" panose="020B0609030202020204" pitchFamily="49" charset="0"/>
+                <a:cs typeface="Hack" panose="020B0609030202020204" pitchFamily="49" charset="0"/>
+              </a:rPr>
+              <a:t>Session 2</a:t>
+            </a:r>
+            <a:endParaRPr lang="en-US" sz="5000" b="1" dirty="0">
+              <a:solidFill>
+                <a:srgbClr val="D92027"/>
+              </a:solidFill>
+              <a:latin typeface="Hack" panose="020B0609030202020204" pitchFamily="49" charset="0"/>
+              <a:ea typeface="Hack" panose="020B0609030202020204" pitchFamily="49" charset="0"/>
+              <a:cs typeface="Hack" panose="020B0609030202020204" pitchFamily="49" charset="0"/>
+            </a:endParaRPr>
+          </a:p>
+        </p:txBody>
+      </p:sp>
+      <p:sp>
+        <p:nvSpPr>
+          <p:cNvPr id="9" name="TextBox 8"/>
+          <p:cNvSpPr txBox="1"/>
+          <p:nvPr/>
+        </p:nvSpPr>
+        <p:spPr>
+          <a:xfrm>
+            <a:off x="352425" y="1235214"/>
+            <a:ext cx="4942386" cy="646331"/>
+          </a:xfrm>
+          <a:prstGeom prst="rect">
+            <a:avLst/>
+          </a:prstGeom>
+          <a:solidFill>
+            <a:schemeClr val="bg1"/>
+          </a:solidFill>
+          <a:effectLst>
+            <a:outerShdw blurRad="50800" dist="38100" dir="2700000" algn="tl" rotWithShape="0">
+              <a:prstClr val="black">
+                <a:alpha val="40000"/>
+              </a:prstClr>
+            </a:outerShdw>
+          </a:effectLst>
+        </p:spPr>
+        <p:txBody>
+          <a:bodyPr wrap="square" rtlCol="0">
+            <a:spAutoFit/>
+          </a:bodyPr>
+          <a:lstStyle/>
+          <a:p>
+            <a:r>
+              <a:rPr lang="en-US" sz="3600" b="1" dirty="0" smtClean="0">
+                <a:solidFill>
+                  <a:srgbClr val="46484A"/>
+                </a:solidFill>
+                <a:latin typeface="Hack" panose="020B0609030202020204" pitchFamily="49" charset="0"/>
+                <a:ea typeface="Hack" panose="020B0609030202020204" pitchFamily="49" charset="0"/>
+                <a:cs typeface="Hack" panose="020B0609030202020204" pitchFamily="49" charset="0"/>
+              </a:rPr>
+              <a:t>Gradient descent</a:t>
+            </a:r>
+            <a:endParaRPr lang="en-US" sz="3600" b="1" dirty="0">
+              <a:solidFill>
+                <a:srgbClr val="46484A"/>
+              </a:solidFill>
+              <a:latin typeface="Hack" panose="020B0609030202020204" pitchFamily="49" charset="0"/>
+              <a:ea typeface="Hack" panose="020B0609030202020204" pitchFamily="49" charset="0"/>
+              <a:cs typeface="Hack" panose="020B0609030202020204" pitchFamily="49" charset="0"/>
+            </a:endParaRPr>
+          </a:p>
+        </p:txBody>
+      </p:sp>
+      <p:pic>
+        <p:nvPicPr>
+          <p:cNvPr id="12" name="Picture 11"/>
+          <p:cNvPicPr>
+            <a:picLocks noChangeAspect="1"/>
+          </p:cNvPicPr>
+          <p:nvPr/>
+        </p:nvPicPr>
+        <p:blipFill>
+          <a:blip r:embed="rId2" cstate="print">
+            <a:extLst>
+              <a:ext uri="{28A0092B-C50C-407E-A947-70E740481C1C}">
+                <a14:useLocalDpi xmlns:a14="http://schemas.microsoft.com/office/drawing/2010/main" val="0"/>
+              </a:ext>
+            </a:extLst>
+          </a:blip>
+          <a:stretch>
+            <a:fillRect/>
+          </a:stretch>
+        </p:blipFill>
+        <p:spPr>
+          <a:xfrm>
+            <a:off x="11110705" y="123825"/>
+            <a:ext cx="930903" cy="982164"/>
+          </a:xfrm>
+          <a:prstGeom prst="rect">
+            <a:avLst/>
+          </a:prstGeom>
+        </p:spPr>
+      </p:pic>
+      <p:sp>
+        <p:nvSpPr>
+          <p:cNvPr id="86" name="Isosceles Triangle 85"/>
+          <p:cNvSpPr/>
+          <p:nvPr/>
+        </p:nvSpPr>
+        <p:spPr>
+          <a:xfrm>
+            <a:off x="6502657" y="6263532"/>
+            <a:ext cx="1344964" cy="498460"/>
+          </a:xfrm>
+          <a:prstGeom prst="triangle">
+            <a:avLst/>
+          </a:prstGeom>
+          <a:solidFill>
+            <a:srgbClr val="D92027"/>
+          </a:solidFill>
+          <a:ln>
+            <a:solidFill>
+              <a:srgbClr val="D92027"/>
+            </a:solidFill>
+          </a:ln>
+          <a:effectLst>
+            <a:outerShdw blurRad="50800" dist="38100" dir="2700000" algn="tl" rotWithShape="0">
+              <a:prstClr val="black">
+                <a:alpha val="40000"/>
+              </a:prstClr>
+            </a:outerShdw>
+          </a:effectLst>
+        </p:spPr>
+        <p:style>
+          <a:lnRef idx="2">
+            <a:schemeClr val="accent1">
+              <a:shade val="50000"/>
+            </a:schemeClr>
+          </a:lnRef>
+          <a:fillRef idx="1">
+            <a:schemeClr val="accent1"/>
+          </a:fillRef>
+          <a:effectRef idx="0">
+            <a:schemeClr val="accent1"/>
+          </a:effectRef>
+          <a:fontRef idx="minor">
+            <a:schemeClr val="lt1"/>
+          </a:fontRef>
+        </p:style>
+        <p:txBody>
+          <a:bodyPr rtlCol="0" anchor="ctr"/>
+          <a:lstStyle/>
+          <a:p>
+            <a:pPr algn="ctr"/>
+            <a:endParaRPr lang="en-US"/>
+          </a:p>
+        </p:txBody>
+      </p:sp>
+      <p:sp>
+        <p:nvSpPr>
+          <p:cNvPr id="78" name="Isosceles Triangle 77"/>
+          <p:cNvSpPr/>
+          <p:nvPr/>
+        </p:nvSpPr>
+        <p:spPr>
+          <a:xfrm>
+            <a:off x="3777283" y="6242359"/>
+            <a:ext cx="1344964" cy="498460"/>
+          </a:xfrm>
+          <a:prstGeom prst="triangle">
+            <a:avLst/>
+          </a:prstGeom>
+          <a:solidFill>
+            <a:srgbClr val="D92027"/>
+          </a:solidFill>
+          <a:ln>
+            <a:solidFill>
+              <a:srgbClr val="D92027"/>
+            </a:solidFill>
+          </a:ln>
+          <a:effectLst>
+            <a:outerShdw blurRad="50800" dist="38100" dir="2700000" algn="tl" rotWithShape="0">
+              <a:prstClr val="black">
+                <a:alpha val="40000"/>
+              </a:prstClr>
+            </a:outerShdw>
+          </a:effectLst>
+        </p:spPr>
+        <p:style>
+          <a:lnRef idx="2">
+            <a:schemeClr val="accent1">
+              <a:shade val="50000"/>
+            </a:schemeClr>
+          </a:lnRef>
+          <a:fillRef idx="1">
+            <a:schemeClr val="accent1"/>
+          </a:fillRef>
+          <a:effectRef idx="0">
+            <a:schemeClr val="accent1"/>
+          </a:effectRef>
+          <a:fontRef idx="minor">
+            <a:schemeClr val="lt1"/>
+          </a:fontRef>
+        </p:style>
+        <p:txBody>
+          <a:bodyPr rtlCol="0" anchor="ctr"/>
+          <a:lstStyle/>
+          <a:p>
+            <a:pPr algn="ctr"/>
+            <a:endParaRPr lang="en-US"/>
+          </a:p>
+        </p:txBody>
+      </p:sp>
+      <p:sp>
+        <p:nvSpPr>
+          <p:cNvPr id="58" name="Isosceles Triangle 57"/>
+          <p:cNvSpPr/>
+          <p:nvPr/>
+        </p:nvSpPr>
+        <p:spPr>
+          <a:xfrm>
+            <a:off x="6948494" y="6263532"/>
+            <a:ext cx="1344964" cy="498460"/>
+          </a:xfrm>
+          <a:prstGeom prst="triangle">
+            <a:avLst/>
+          </a:prstGeom>
+          <a:solidFill>
+            <a:srgbClr val="D92027"/>
+          </a:solidFill>
+          <a:ln>
+            <a:solidFill>
+              <a:srgbClr val="D92027"/>
+            </a:solidFill>
+          </a:ln>
+          <a:effectLst>
+            <a:outerShdw blurRad="50800" dist="38100" dir="2700000" algn="tl" rotWithShape="0">
+              <a:prstClr val="black">
+                <a:alpha val="40000"/>
+              </a:prstClr>
+            </a:outerShdw>
+          </a:effectLst>
+        </p:spPr>
+        <p:style>
+          <a:lnRef idx="2">
+            <a:schemeClr val="accent1">
+              <a:shade val="50000"/>
+            </a:schemeClr>
+          </a:lnRef>
+          <a:fillRef idx="1">
+            <a:schemeClr val="accent1"/>
+          </a:fillRef>
+          <a:effectRef idx="0">
+            <a:schemeClr val="accent1"/>
+          </a:effectRef>
+          <a:fontRef idx="minor">
+            <a:schemeClr val="lt1"/>
+          </a:fontRef>
+        </p:style>
+        <p:txBody>
+          <a:bodyPr rtlCol="0" anchor="ctr"/>
+          <a:lstStyle/>
+          <a:p>
+            <a:pPr algn="ctr"/>
+            <a:endParaRPr lang="en-US"/>
+          </a:p>
+        </p:txBody>
+      </p:sp>
+      <p:sp>
+        <p:nvSpPr>
+          <p:cNvPr id="59" name="Isosceles Triangle 58"/>
+          <p:cNvSpPr/>
+          <p:nvPr/>
+        </p:nvSpPr>
+        <p:spPr>
+          <a:xfrm>
+            <a:off x="8580922" y="6251647"/>
+            <a:ext cx="1344964" cy="498460"/>
+          </a:xfrm>
+          <a:prstGeom prst="triangle">
+            <a:avLst/>
+          </a:prstGeom>
+          <a:solidFill>
+            <a:srgbClr val="D92027"/>
+          </a:solidFill>
+          <a:ln>
+            <a:solidFill>
+              <a:srgbClr val="D92027"/>
+            </a:solidFill>
+          </a:ln>
+          <a:effectLst>
+            <a:outerShdw blurRad="50800" dist="38100" dir="2700000" algn="tl" rotWithShape="0">
+              <a:prstClr val="black">
+                <a:alpha val="40000"/>
+              </a:prstClr>
+            </a:outerShdw>
+          </a:effectLst>
+        </p:spPr>
+        <p:style>
+          <a:lnRef idx="2">
+            <a:schemeClr val="accent1">
+              <a:shade val="50000"/>
+            </a:schemeClr>
+          </a:lnRef>
+          <a:fillRef idx="1">
+            <a:schemeClr val="accent1"/>
+          </a:fillRef>
+          <a:effectRef idx="0">
+            <a:schemeClr val="accent1"/>
+          </a:effectRef>
+          <a:fontRef idx="minor">
+            <a:schemeClr val="lt1"/>
+          </a:fontRef>
+        </p:style>
+        <p:txBody>
+          <a:bodyPr rtlCol="0" anchor="ctr"/>
+          <a:lstStyle/>
+          <a:p>
+            <a:pPr algn="ctr"/>
+            <a:endParaRPr lang="en-US"/>
+          </a:p>
+        </p:txBody>
+      </p:sp>
+      <p:sp>
+        <p:nvSpPr>
+          <p:cNvPr id="60" name="Isosceles Triangle 59"/>
+          <p:cNvSpPr/>
+          <p:nvPr/>
+        </p:nvSpPr>
+        <p:spPr>
+          <a:xfrm>
+            <a:off x="7927524" y="6250531"/>
+            <a:ext cx="1344964" cy="498460"/>
+          </a:xfrm>
+          <a:prstGeom prst="triangle">
+            <a:avLst/>
+          </a:prstGeom>
+          <a:solidFill>
+            <a:srgbClr val="D92027"/>
+          </a:solidFill>
+          <a:ln>
+            <a:solidFill>
+              <a:srgbClr val="D92027"/>
+            </a:solidFill>
+          </a:ln>
+          <a:effectLst>
+            <a:outerShdw blurRad="50800" dist="38100" dir="2700000" algn="tl" rotWithShape="0">
+              <a:prstClr val="black">
+                <a:alpha val="40000"/>
+              </a:prstClr>
+            </a:outerShdw>
+          </a:effectLst>
+        </p:spPr>
+        <p:style>
+          <a:lnRef idx="2">
+            <a:schemeClr val="accent1">
+              <a:shade val="50000"/>
+            </a:schemeClr>
+          </a:lnRef>
+          <a:fillRef idx="1">
+            <a:schemeClr val="accent1"/>
+          </a:fillRef>
+          <a:effectRef idx="0">
+            <a:schemeClr val="accent1"/>
+          </a:effectRef>
+          <a:fontRef idx="minor">
+            <a:schemeClr val="lt1"/>
+          </a:fontRef>
+        </p:style>
+        <p:txBody>
+          <a:bodyPr rtlCol="0" anchor="ctr"/>
+          <a:lstStyle/>
+          <a:p>
+            <a:pPr algn="ctr"/>
+            <a:endParaRPr lang="en-US"/>
+          </a:p>
+        </p:txBody>
+      </p:sp>
+      <p:sp>
+        <p:nvSpPr>
+          <p:cNvPr id="61" name="Isosceles Triangle 60"/>
+          <p:cNvSpPr/>
+          <p:nvPr/>
+        </p:nvSpPr>
+        <p:spPr>
+          <a:xfrm>
+            <a:off x="7424176" y="6250531"/>
+            <a:ext cx="1344964" cy="498460"/>
+          </a:xfrm>
+          <a:prstGeom prst="triangle">
+            <a:avLst/>
+          </a:prstGeom>
+          <a:solidFill>
+            <a:srgbClr val="D92027"/>
+          </a:solidFill>
+          <a:ln>
+            <a:solidFill>
+              <a:srgbClr val="D92027"/>
+            </a:solidFill>
+          </a:ln>
+          <a:effectLst>
+            <a:outerShdw blurRad="50800" dist="38100" dir="2700000" algn="tl" rotWithShape="0">
+              <a:prstClr val="black">
+                <a:alpha val="40000"/>
+              </a:prstClr>
+            </a:outerShdw>
+          </a:effectLst>
+        </p:spPr>
+        <p:style>
+          <a:lnRef idx="2">
+            <a:schemeClr val="accent1">
+              <a:shade val="50000"/>
+            </a:schemeClr>
+          </a:lnRef>
+          <a:fillRef idx="1">
+            <a:schemeClr val="accent1"/>
+          </a:fillRef>
+          <a:effectRef idx="0">
+            <a:schemeClr val="accent1"/>
+          </a:effectRef>
+          <a:fontRef idx="minor">
+            <a:schemeClr val="lt1"/>
+          </a:fontRef>
+        </p:style>
+        <p:txBody>
+          <a:bodyPr rtlCol="0" anchor="ctr"/>
+          <a:lstStyle/>
+          <a:p>
+            <a:pPr algn="ctr"/>
+            <a:endParaRPr lang="en-US"/>
+          </a:p>
+        </p:txBody>
+      </p:sp>
+      <p:sp>
+        <p:nvSpPr>
+          <p:cNvPr id="62" name="Isosceles Triangle 61"/>
+          <p:cNvSpPr/>
+          <p:nvPr/>
+        </p:nvSpPr>
+        <p:spPr>
+          <a:xfrm>
+            <a:off x="8341203" y="6343014"/>
+            <a:ext cx="1344964" cy="498460"/>
+          </a:xfrm>
+          <a:prstGeom prst="triangle">
+            <a:avLst/>
+          </a:prstGeom>
+          <a:solidFill>
+            <a:srgbClr val="8D98A7"/>
+          </a:solidFill>
+          <a:ln>
+            <a:solidFill>
+              <a:srgbClr val="8D98A7"/>
+            </a:solidFill>
+          </a:ln>
+          <a:effectLst>
+            <a:outerShdw blurRad="50800" dist="38100" dir="2700000" algn="tl" rotWithShape="0">
+              <a:prstClr val="black">
+                <a:alpha val="40000"/>
+              </a:prstClr>
+            </a:outerShdw>
+          </a:effectLst>
+        </p:spPr>
+        <p:style>
+          <a:lnRef idx="2">
+            <a:schemeClr val="accent1">
+              <a:shade val="50000"/>
+            </a:schemeClr>
+          </a:lnRef>
+          <a:fillRef idx="1">
+            <a:schemeClr val="accent1"/>
+          </a:fillRef>
+          <a:effectRef idx="0">
+            <a:schemeClr val="accent1"/>
+          </a:effectRef>
+          <a:fontRef idx="minor">
+            <a:schemeClr val="lt1"/>
+          </a:fontRef>
+        </p:style>
+        <p:txBody>
+          <a:bodyPr rtlCol="0" anchor="ctr"/>
+          <a:lstStyle/>
+          <a:p>
+            <a:pPr algn="ctr"/>
+            <a:endParaRPr lang="en-US"/>
+          </a:p>
+        </p:txBody>
+      </p:sp>
+      <p:sp>
+        <p:nvSpPr>
+          <p:cNvPr id="63" name="Isosceles Triangle 62"/>
+          <p:cNvSpPr/>
+          <p:nvPr/>
+        </p:nvSpPr>
+        <p:spPr>
+          <a:xfrm>
+            <a:off x="7265687" y="6330013"/>
+            <a:ext cx="1344964" cy="498460"/>
+          </a:xfrm>
+          <a:prstGeom prst="triangle">
+            <a:avLst/>
+          </a:prstGeom>
+          <a:solidFill>
+            <a:srgbClr val="8D98A7"/>
+          </a:solidFill>
+          <a:ln>
+            <a:solidFill>
+              <a:srgbClr val="8D98A7"/>
+            </a:solidFill>
+          </a:ln>
+          <a:effectLst>
+            <a:outerShdw blurRad="50800" dist="38100" dir="2700000" algn="tl" rotWithShape="0">
+              <a:prstClr val="black">
+                <a:alpha val="40000"/>
+              </a:prstClr>
+            </a:outerShdw>
+          </a:effectLst>
+        </p:spPr>
+        <p:style>
+          <a:lnRef idx="2">
+            <a:schemeClr val="accent1">
+              <a:shade val="50000"/>
+            </a:schemeClr>
+          </a:lnRef>
+          <a:fillRef idx="1">
+            <a:schemeClr val="accent1"/>
+          </a:fillRef>
+          <a:effectRef idx="0">
+            <a:schemeClr val="accent1"/>
+          </a:effectRef>
+          <a:fontRef idx="minor">
+            <a:schemeClr val="lt1"/>
+          </a:fontRef>
+        </p:style>
+        <p:txBody>
+          <a:bodyPr rtlCol="0" anchor="ctr"/>
+          <a:lstStyle/>
+          <a:p>
+            <a:pPr algn="ctr"/>
+            <a:endParaRPr lang="en-US"/>
+          </a:p>
+        </p:txBody>
+      </p:sp>
+      <p:sp>
+        <p:nvSpPr>
+          <p:cNvPr id="64" name="Isosceles Triangle 63"/>
+          <p:cNvSpPr/>
+          <p:nvPr/>
+        </p:nvSpPr>
+        <p:spPr>
+          <a:xfrm>
+            <a:off x="6572014" y="6356016"/>
+            <a:ext cx="1344964" cy="498460"/>
+          </a:xfrm>
+          <a:prstGeom prst="triangle">
+            <a:avLst/>
+          </a:prstGeom>
+          <a:solidFill>
+            <a:srgbClr val="46484A"/>
+          </a:solidFill>
+          <a:ln>
+            <a:solidFill>
+              <a:srgbClr val="46484A"/>
+            </a:solidFill>
+          </a:ln>
+          <a:effectLst>
+            <a:outerShdw blurRad="50800" dist="38100" dir="2700000" algn="tl" rotWithShape="0">
+              <a:prstClr val="black">
+                <a:alpha val="40000"/>
+              </a:prstClr>
+            </a:outerShdw>
+          </a:effectLst>
+        </p:spPr>
+        <p:style>
+          <a:lnRef idx="2">
+            <a:schemeClr val="accent1">
+              <a:shade val="50000"/>
+            </a:schemeClr>
+          </a:lnRef>
+          <a:fillRef idx="1">
+            <a:schemeClr val="accent1"/>
+          </a:fillRef>
+          <a:effectRef idx="0">
+            <a:schemeClr val="accent1"/>
+          </a:effectRef>
+          <a:fontRef idx="minor">
+            <a:schemeClr val="lt1"/>
+          </a:fontRef>
+        </p:style>
+        <p:txBody>
+          <a:bodyPr rtlCol="0" anchor="ctr"/>
+          <a:lstStyle/>
+          <a:p>
+            <a:pPr algn="ctr"/>
+            <a:endParaRPr lang="en-US"/>
+          </a:p>
+        </p:txBody>
+      </p:sp>
+      <p:sp>
+        <p:nvSpPr>
+          <p:cNvPr id="65" name="Isosceles Triangle 64"/>
+          <p:cNvSpPr/>
+          <p:nvPr/>
+        </p:nvSpPr>
+        <p:spPr>
+          <a:xfrm>
+            <a:off x="9141097" y="6238274"/>
+            <a:ext cx="1344964" cy="498460"/>
+          </a:xfrm>
+          <a:prstGeom prst="triangle">
+            <a:avLst/>
+          </a:prstGeom>
+          <a:solidFill>
+            <a:srgbClr val="D92027"/>
+          </a:solidFill>
+          <a:ln>
+            <a:solidFill>
+              <a:srgbClr val="D92027"/>
+            </a:solidFill>
+          </a:ln>
+          <a:effectLst>
+            <a:outerShdw blurRad="50800" dist="38100" dir="2700000" algn="tl" rotWithShape="0">
+              <a:prstClr val="black">
+                <a:alpha val="40000"/>
+              </a:prstClr>
+            </a:outerShdw>
+          </a:effectLst>
+        </p:spPr>
+        <p:style>
+          <a:lnRef idx="2">
+            <a:schemeClr val="accent1">
+              <a:shade val="50000"/>
+            </a:schemeClr>
+          </a:lnRef>
+          <a:fillRef idx="1">
+            <a:schemeClr val="accent1"/>
+          </a:fillRef>
+          <a:effectRef idx="0">
+            <a:schemeClr val="accent1"/>
+          </a:effectRef>
+          <a:fontRef idx="minor">
+            <a:schemeClr val="lt1"/>
+          </a:fontRef>
+        </p:style>
+        <p:txBody>
+          <a:bodyPr rtlCol="0" anchor="ctr"/>
+          <a:lstStyle/>
+          <a:p>
+            <a:pPr algn="ctr"/>
+            <a:endParaRPr lang="en-US"/>
+          </a:p>
+        </p:txBody>
+      </p:sp>
+      <p:sp>
+        <p:nvSpPr>
+          <p:cNvPr id="66" name="Isosceles Triangle 65"/>
+          <p:cNvSpPr/>
+          <p:nvPr/>
+        </p:nvSpPr>
+        <p:spPr>
+          <a:xfrm>
+            <a:off x="8746198" y="6347100"/>
+            <a:ext cx="1344964" cy="498460"/>
+          </a:xfrm>
+          <a:prstGeom prst="triangle">
+            <a:avLst/>
+          </a:prstGeom>
+          <a:solidFill>
+            <a:srgbClr val="46484A"/>
+          </a:solidFill>
+          <a:ln>
+            <a:solidFill>
+              <a:srgbClr val="46484A"/>
+            </a:solidFill>
+          </a:ln>
+          <a:effectLst>
+            <a:outerShdw blurRad="50800" dist="38100" dir="2700000" algn="tl" rotWithShape="0">
+              <a:prstClr val="black">
+                <a:alpha val="40000"/>
+              </a:prstClr>
+            </a:outerShdw>
+          </a:effectLst>
+        </p:spPr>
+        <p:style>
+          <a:lnRef idx="2">
+            <a:schemeClr val="accent1">
+              <a:shade val="50000"/>
+            </a:schemeClr>
+          </a:lnRef>
+          <a:fillRef idx="1">
+            <a:schemeClr val="accent1"/>
+          </a:fillRef>
+          <a:effectRef idx="0">
+            <a:schemeClr val="accent1"/>
+          </a:effectRef>
+          <a:fontRef idx="minor">
+            <a:schemeClr val="lt1"/>
+          </a:fontRef>
+        </p:style>
+        <p:txBody>
+          <a:bodyPr rtlCol="0" anchor="ctr"/>
+          <a:lstStyle/>
+          <a:p>
+            <a:pPr algn="ctr"/>
+            <a:endParaRPr lang="en-US" dirty="0"/>
+          </a:p>
+        </p:txBody>
+      </p:sp>
+      <p:sp>
+        <p:nvSpPr>
+          <p:cNvPr id="67" name="Isosceles Triangle 66"/>
+          <p:cNvSpPr/>
+          <p:nvPr/>
+        </p:nvSpPr>
+        <p:spPr>
+          <a:xfrm>
+            <a:off x="7566660" y="6356016"/>
+            <a:ext cx="1344964" cy="498460"/>
+          </a:xfrm>
+          <a:prstGeom prst="triangle">
+            <a:avLst/>
+          </a:prstGeom>
+          <a:solidFill>
+            <a:srgbClr val="46484A"/>
+          </a:solidFill>
+          <a:ln>
+            <a:solidFill>
+              <a:srgbClr val="46484A"/>
+            </a:solidFill>
+          </a:ln>
+          <a:effectLst>
+            <a:outerShdw blurRad="50800" dist="38100" dir="2700000" algn="tl" rotWithShape="0">
+              <a:prstClr val="black">
+                <a:alpha val="40000"/>
+              </a:prstClr>
+            </a:outerShdw>
+          </a:effectLst>
+        </p:spPr>
+        <p:style>
+          <a:lnRef idx="2">
+            <a:schemeClr val="accent1">
+              <a:shade val="50000"/>
+            </a:schemeClr>
+          </a:lnRef>
+          <a:fillRef idx="1">
+            <a:schemeClr val="accent1"/>
+          </a:fillRef>
+          <a:effectRef idx="0">
+            <a:schemeClr val="accent1"/>
+          </a:effectRef>
+          <a:fontRef idx="minor">
+            <a:schemeClr val="lt1"/>
+          </a:fontRef>
+        </p:style>
+        <p:txBody>
+          <a:bodyPr rtlCol="0" anchor="ctr"/>
+          <a:lstStyle/>
+          <a:p>
+            <a:pPr algn="ctr"/>
+            <a:endParaRPr lang="en-US"/>
+          </a:p>
+        </p:txBody>
+      </p:sp>
+      <p:sp>
+        <p:nvSpPr>
+          <p:cNvPr id="23" name="Rectangle 22"/>
+          <p:cNvSpPr/>
+          <p:nvPr/>
+        </p:nvSpPr>
+        <p:spPr>
+          <a:xfrm>
+            <a:off x="9368179" y="6356016"/>
+            <a:ext cx="2812953" cy="498460"/>
+          </a:xfrm>
+          <a:prstGeom prst="rect">
+            <a:avLst/>
+          </a:prstGeom>
+          <a:solidFill>
+            <a:schemeClr val="bg1"/>
+          </a:solidFill>
+          <a:ln>
+            <a:noFill/>
+          </a:ln>
+          <a:effectLst>
+            <a:outerShdw blurRad="50800" dist="38100" dir="2700000" algn="tl" rotWithShape="0">
+              <a:prstClr val="black">
+                <a:alpha val="40000"/>
+              </a:prstClr>
+            </a:outerShdw>
+          </a:effectLst>
+        </p:spPr>
+        <p:style>
+          <a:lnRef idx="2">
+            <a:schemeClr val="accent1">
+              <a:shade val="50000"/>
+            </a:schemeClr>
+          </a:lnRef>
+          <a:fillRef idx="1">
+            <a:schemeClr val="accent1"/>
+          </a:fillRef>
+          <a:effectRef idx="0">
+            <a:schemeClr val="accent1"/>
+          </a:effectRef>
+          <a:fontRef idx="minor">
+            <a:schemeClr val="lt1"/>
+          </a:fontRef>
+        </p:style>
+        <p:txBody>
+          <a:bodyPr rtlCol="0" anchor="ctr"/>
+          <a:lstStyle/>
+          <a:p>
+            <a:pPr algn="ctr"/>
+            <a:endParaRPr lang="en-US"/>
+          </a:p>
+        </p:txBody>
+      </p:sp>
+      <p:pic>
+        <p:nvPicPr>
+          <p:cNvPr id="13" name="Picture 12"/>
+          <p:cNvPicPr>
+            <a:picLocks noChangeAspect="1"/>
+          </p:cNvPicPr>
+          <p:nvPr/>
+        </p:nvPicPr>
+        <p:blipFill rotWithShape="1">
+          <a:blip r:embed="rId3" cstate="print">
+            <a:extLst>
+              <a:ext uri="{28A0092B-C50C-407E-A947-70E740481C1C}">
+                <a14:useLocalDpi xmlns:a14="http://schemas.microsoft.com/office/drawing/2010/main" val="0"/>
+              </a:ext>
+            </a:extLst>
+          </a:blip>
+          <a:srcRect r="34539" b="73472"/>
+          <a:stretch/>
+        </p:blipFill>
+        <p:spPr>
+          <a:xfrm>
+            <a:off x="7938169" y="6074100"/>
+            <a:ext cx="4245498" cy="780376"/>
+          </a:xfrm>
+          <a:prstGeom prst="rect">
+            <a:avLst/>
+          </a:prstGeom>
+          <a:effectLst>
+            <a:outerShdw blurRad="50800" dist="38100" dir="2700000" algn="tl" rotWithShape="0">
+              <a:prstClr val="black">
+                <a:alpha val="40000"/>
+              </a:prstClr>
+            </a:outerShdw>
+          </a:effectLst>
+        </p:spPr>
+      </p:pic>
+      <p:pic>
+        <p:nvPicPr>
+          <p:cNvPr id="14" name="Picture 13"/>
+          <p:cNvPicPr>
+            <a:picLocks noChangeAspect="1"/>
+          </p:cNvPicPr>
+          <p:nvPr/>
+        </p:nvPicPr>
+        <p:blipFill rotWithShape="1">
+          <a:blip r:embed="rId4" cstate="print">
+            <a:extLst>
+              <a:ext uri="{28A0092B-C50C-407E-A947-70E740481C1C}">
+                <a14:useLocalDpi xmlns:a14="http://schemas.microsoft.com/office/drawing/2010/main" val="0"/>
+              </a:ext>
+            </a:extLst>
+          </a:blip>
+          <a:srcRect r="34539" b="73472"/>
+          <a:stretch/>
+        </p:blipFill>
+        <p:spPr>
+          <a:xfrm>
+            <a:off x="7146304" y="5930537"/>
+            <a:ext cx="5045696" cy="927463"/>
+          </a:xfrm>
+          <a:prstGeom prst="rect">
+            <a:avLst/>
+          </a:prstGeom>
+          <a:effectLst>
+            <a:outerShdw blurRad="50800" dist="38100" dir="2700000" algn="tl" rotWithShape="0">
+              <a:prstClr val="black">
+                <a:alpha val="40000"/>
+              </a:prstClr>
+            </a:outerShdw>
+          </a:effectLst>
+        </p:spPr>
+      </p:pic>
+      <p:sp>
+        <p:nvSpPr>
+          <p:cNvPr id="20" name="TextBox 19"/>
+          <p:cNvSpPr txBox="1"/>
+          <p:nvPr/>
+        </p:nvSpPr>
+        <p:spPr>
+          <a:xfrm>
+            <a:off x="10244217" y="6473196"/>
+            <a:ext cx="1936915" cy="369332"/>
+          </a:xfrm>
+          <a:prstGeom prst="rect">
+            <a:avLst/>
+          </a:prstGeom>
+          <a:solidFill>
+            <a:schemeClr val="bg1"/>
+          </a:solidFill>
+          <a:effectLst/>
+        </p:spPr>
+        <p:txBody>
+          <a:bodyPr wrap="square" rtlCol="0">
+            <a:spAutoFit/>
+          </a:bodyPr>
+          <a:lstStyle/>
+          <a:p>
+            <a:r>
+              <a:rPr lang="en-US" b="1" dirty="0" smtClean="0">
+                <a:latin typeface="Hack" panose="020B0609030202020204" pitchFamily="49" charset="0"/>
+                <a:ea typeface="Hack" panose="020B0609030202020204" pitchFamily="49" charset="0"/>
+                <a:cs typeface="Hack" panose="020B0609030202020204" pitchFamily="49" charset="0"/>
+              </a:rPr>
+              <a:t>Grow Through</a:t>
+            </a:r>
+            <a:endParaRPr lang="en-US" b="1" dirty="0">
+              <a:latin typeface="Hack" panose="020B0609030202020204" pitchFamily="49" charset="0"/>
+              <a:ea typeface="Hack" panose="020B0609030202020204" pitchFamily="49" charset="0"/>
+              <a:cs typeface="Hack" panose="020B0609030202020204" pitchFamily="49" charset="0"/>
+            </a:endParaRPr>
+          </a:p>
+        </p:txBody>
+      </p:sp>
+      <p:pic>
+        <p:nvPicPr>
+          <p:cNvPr id="15" name="Picture 14"/>
+          <p:cNvPicPr>
+            <a:picLocks noChangeAspect="1"/>
+          </p:cNvPicPr>
+          <p:nvPr/>
+        </p:nvPicPr>
+        <p:blipFill rotWithShape="1">
+          <a:blip r:embed="rId5" cstate="print">
+            <a:extLst>
+              <a:ext uri="{28A0092B-C50C-407E-A947-70E740481C1C}">
+                <a14:useLocalDpi xmlns:a14="http://schemas.microsoft.com/office/drawing/2010/main" val="0"/>
+              </a:ext>
+            </a:extLst>
+          </a:blip>
+          <a:srcRect r="34539" b="73472"/>
+          <a:stretch/>
+        </p:blipFill>
+        <p:spPr>
+          <a:xfrm>
+            <a:off x="8629531" y="6203173"/>
+            <a:ext cx="3562469" cy="654827"/>
+          </a:xfrm>
+          <a:prstGeom prst="rect">
+            <a:avLst/>
+          </a:prstGeom>
+          <a:effectLst>
+            <a:outerShdw blurRad="50800" dist="38100" dir="2700000" algn="tl" rotWithShape="0">
+              <a:prstClr val="black">
+                <a:alpha val="40000"/>
+              </a:prstClr>
+            </a:outerShdw>
+          </a:effectLst>
+        </p:spPr>
+      </p:pic>
+      <p:sp>
+        <p:nvSpPr>
+          <p:cNvPr id="27" name="Isosceles Triangle 26"/>
+          <p:cNvSpPr/>
+          <p:nvPr/>
+        </p:nvSpPr>
+        <p:spPr>
+          <a:xfrm>
+            <a:off x="966421" y="6263532"/>
+            <a:ext cx="1344964" cy="498460"/>
+          </a:xfrm>
+          <a:prstGeom prst="triangle">
+            <a:avLst/>
+          </a:prstGeom>
+          <a:solidFill>
+            <a:srgbClr val="D92027"/>
+          </a:solidFill>
+          <a:ln>
+            <a:solidFill>
+              <a:srgbClr val="D92027"/>
+            </a:solidFill>
+          </a:ln>
+          <a:effectLst>
+            <a:outerShdw blurRad="50800" dist="38100" dir="2700000" algn="tl" rotWithShape="0">
+              <a:prstClr val="black">
+                <a:alpha val="40000"/>
+              </a:prstClr>
+            </a:outerShdw>
+          </a:effectLst>
+        </p:spPr>
+        <p:style>
+          <a:lnRef idx="2">
+            <a:schemeClr val="accent1">
+              <a:shade val="50000"/>
+            </a:schemeClr>
+          </a:lnRef>
+          <a:fillRef idx="1">
+            <a:schemeClr val="accent1"/>
+          </a:fillRef>
+          <a:effectRef idx="0">
+            <a:schemeClr val="accent1"/>
+          </a:effectRef>
+          <a:fontRef idx="minor">
+            <a:schemeClr val="lt1"/>
+          </a:fontRef>
+        </p:style>
+        <p:txBody>
+          <a:bodyPr rtlCol="0" anchor="ctr"/>
+          <a:lstStyle/>
+          <a:p>
+            <a:pPr algn="ctr"/>
+            <a:endParaRPr lang="en-US"/>
+          </a:p>
+        </p:txBody>
+      </p:sp>
+      <p:sp>
+        <p:nvSpPr>
+          <p:cNvPr id="29" name="Isosceles Triangle 28"/>
+          <p:cNvSpPr/>
+          <p:nvPr/>
+        </p:nvSpPr>
+        <p:spPr>
+          <a:xfrm>
+            <a:off x="2598849" y="6251647"/>
+            <a:ext cx="1344964" cy="498460"/>
+          </a:xfrm>
+          <a:prstGeom prst="triangle">
+            <a:avLst/>
+          </a:prstGeom>
+          <a:solidFill>
+            <a:srgbClr val="D92027"/>
+          </a:solidFill>
+          <a:ln>
+            <a:solidFill>
+              <a:srgbClr val="D92027"/>
+            </a:solidFill>
+          </a:ln>
+          <a:effectLst>
+            <a:outerShdw blurRad="50800" dist="38100" dir="2700000" algn="tl" rotWithShape="0">
+              <a:prstClr val="black">
+                <a:alpha val="40000"/>
+              </a:prstClr>
+            </a:outerShdw>
+          </a:effectLst>
+        </p:spPr>
+        <p:style>
+          <a:lnRef idx="2">
+            <a:schemeClr val="accent1">
+              <a:shade val="50000"/>
+            </a:schemeClr>
+          </a:lnRef>
+          <a:fillRef idx="1">
+            <a:schemeClr val="accent1"/>
+          </a:fillRef>
+          <a:effectRef idx="0">
+            <a:schemeClr val="accent1"/>
+          </a:effectRef>
+          <a:fontRef idx="minor">
+            <a:schemeClr val="lt1"/>
+          </a:fontRef>
+        </p:style>
+        <p:txBody>
+          <a:bodyPr rtlCol="0" anchor="ctr"/>
+          <a:lstStyle/>
+          <a:p>
+            <a:pPr algn="ctr"/>
+            <a:endParaRPr lang="en-US"/>
+          </a:p>
+        </p:txBody>
+      </p:sp>
+      <p:sp>
+        <p:nvSpPr>
+          <p:cNvPr id="30" name="Isosceles Triangle 29"/>
+          <p:cNvSpPr/>
+          <p:nvPr/>
+        </p:nvSpPr>
+        <p:spPr>
+          <a:xfrm>
+            <a:off x="1945451" y="6250531"/>
+            <a:ext cx="1344964" cy="498460"/>
+          </a:xfrm>
+          <a:prstGeom prst="triangle">
+            <a:avLst/>
+          </a:prstGeom>
+          <a:solidFill>
+            <a:srgbClr val="D92027"/>
+          </a:solidFill>
+          <a:ln>
+            <a:solidFill>
+              <a:srgbClr val="D92027"/>
+            </a:solidFill>
+          </a:ln>
+          <a:effectLst>
+            <a:outerShdw blurRad="50800" dist="38100" dir="2700000" algn="tl" rotWithShape="0">
+              <a:prstClr val="black">
+                <a:alpha val="40000"/>
+              </a:prstClr>
+            </a:outerShdw>
+          </a:effectLst>
+        </p:spPr>
+        <p:style>
+          <a:lnRef idx="2">
+            <a:schemeClr val="accent1">
+              <a:shade val="50000"/>
+            </a:schemeClr>
+          </a:lnRef>
+          <a:fillRef idx="1">
+            <a:schemeClr val="accent1"/>
+          </a:fillRef>
+          <a:effectRef idx="0">
+            <a:schemeClr val="accent1"/>
+          </a:effectRef>
+          <a:fontRef idx="minor">
+            <a:schemeClr val="lt1"/>
+          </a:fontRef>
+        </p:style>
+        <p:txBody>
+          <a:bodyPr rtlCol="0" anchor="ctr"/>
+          <a:lstStyle/>
+          <a:p>
+            <a:pPr algn="ctr"/>
+            <a:endParaRPr lang="en-US"/>
+          </a:p>
+        </p:txBody>
+      </p:sp>
+      <p:sp>
+        <p:nvSpPr>
+          <p:cNvPr id="31" name="Isosceles Triangle 30"/>
+          <p:cNvSpPr/>
+          <p:nvPr/>
+        </p:nvSpPr>
+        <p:spPr>
+          <a:xfrm>
+            <a:off x="1442103" y="6250531"/>
+            <a:ext cx="1344964" cy="498460"/>
+          </a:xfrm>
+          <a:prstGeom prst="triangle">
+            <a:avLst/>
+          </a:prstGeom>
+          <a:solidFill>
+            <a:srgbClr val="D92027"/>
+          </a:solidFill>
+          <a:ln>
+            <a:solidFill>
+              <a:srgbClr val="D92027"/>
+            </a:solidFill>
+          </a:ln>
+          <a:effectLst>
+            <a:outerShdw blurRad="50800" dist="38100" dir="2700000" algn="tl" rotWithShape="0">
+              <a:prstClr val="black">
+                <a:alpha val="40000"/>
+              </a:prstClr>
+            </a:outerShdw>
+          </a:effectLst>
+        </p:spPr>
+        <p:style>
+          <a:lnRef idx="2">
+            <a:schemeClr val="accent1">
+              <a:shade val="50000"/>
+            </a:schemeClr>
+          </a:lnRef>
+          <a:fillRef idx="1">
+            <a:schemeClr val="accent1"/>
+          </a:fillRef>
+          <a:effectRef idx="0">
+            <a:schemeClr val="accent1"/>
+          </a:effectRef>
+          <a:fontRef idx="minor">
+            <a:schemeClr val="lt1"/>
+          </a:fontRef>
+        </p:style>
+        <p:txBody>
+          <a:bodyPr rtlCol="0" anchor="ctr"/>
+          <a:lstStyle/>
+          <a:p>
+            <a:pPr algn="ctr"/>
+            <a:endParaRPr lang="en-US"/>
+          </a:p>
+        </p:txBody>
+      </p:sp>
+      <p:sp>
+        <p:nvSpPr>
+          <p:cNvPr id="32" name="Isosceles Triangle 31"/>
+          <p:cNvSpPr/>
+          <p:nvPr/>
+        </p:nvSpPr>
+        <p:spPr>
+          <a:xfrm>
+            <a:off x="309197" y="6237529"/>
+            <a:ext cx="1344964" cy="498460"/>
+          </a:xfrm>
+          <a:prstGeom prst="triangle">
+            <a:avLst/>
+          </a:prstGeom>
+          <a:solidFill>
+            <a:srgbClr val="D92027"/>
+          </a:solidFill>
+          <a:ln>
+            <a:solidFill>
+              <a:srgbClr val="D92027"/>
+            </a:solidFill>
+          </a:ln>
+          <a:effectLst>
+            <a:outerShdw blurRad="50800" dist="38100" dir="2700000" algn="tl" rotWithShape="0">
+              <a:prstClr val="black">
+                <a:alpha val="40000"/>
+              </a:prstClr>
+            </a:outerShdw>
+          </a:effectLst>
+        </p:spPr>
+        <p:style>
+          <a:lnRef idx="2">
+            <a:schemeClr val="accent1">
+              <a:shade val="50000"/>
+            </a:schemeClr>
+          </a:lnRef>
+          <a:fillRef idx="1">
+            <a:schemeClr val="accent1"/>
+          </a:fillRef>
+          <a:effectRef idx="0">
+            <a:schemeClr val="accent1"/>
+          </a:effectRef>
+          <a:fontRef idx="minor">
+            <a:schemeClr val="lt1"/>
+          </a:fontRef>
+        </p:style>
+        <p:txBody>
+          <a:bodyPr rtlCol="0" anchor="ctr"/>
+          <a:lstStyle/>
+          <a:p>
+            <a:pPr algn="ctr"/>
+            <a:endParaRPr lang="en-US"/>
+          </a:p>
+        </p:txBody>
+      </p:sp>
+      <p:sp>
+        <p:nvSpPr>
+          <p:cNvPr id="33" name="Isosceles Triangle 32"/>
+          <p:cNvSpPr/>
+          <p:nvPr/>
+        </p:nvSpPr>
+        <p:spPr>
+          <a:xfrm>
+            <a:off x="0" y="6356016"/>
+            <a:ext cx="1344964" cy="498460"/>
+          </a:xfrm>
+          <a:prstGeom prst="triangle">
+            <a:avLst/>
+          </a:prstGeom>
+          <a:solidFill>
+            <a:srgbClr val="8D98A7"/>
+          </a:solidFill>
+          <a:ln>
+            <a:solidFill>
+              <a:srgbClr val="8D98A7"/>
+            </a:solidFill>
+          </a:ln>
+        </p:spPr>
+        <p:style>
+          <a:lnRef idx="2">
+            <a:schemeClr val="accent1">
+              <a:shade val="50000"/>
+            </a:schemeClr>
+          </a:lnRef>
+          <a:fillRef idx="1">
+            <a:schemeClr val="accent1"/>
+          </a:fillRef>
+          <a:effectRef idx="0">
+            <a:schemeClr val="accent1"/>
+          </a:effectRef>
+          <a:fontRef idx="minor">
+            <a:schemeClr val="lt1"/>
+          </a:fontRef>
+        </p:style>
+        <p:txBody>
+          <a:bodyPr rtlCol="0" anchor="ctr"/>
+          <a:lstStyle/>
+          <a:p>
+            <a:pPr algn="ctr"/>
+            <a:endParaRPr lang="en-US"/>
+          </a:p>
+        </p:txBody>
+      </p:sp>
+      <p:sp>
+        <p:nvSpPr>
+          <p:cNvPr id="38" name="Isosceles Triangle 37"/>
+          <p:cNvSpPr/>
+          <p:nvPr/>
+        </p:nvSpPr>
+        <p:spPr>
+          <a:xfrm>
+            <a:off x="2359130" y="6343014"/>
+            <a:ext cx="1344964" cy="498460"/>
+          </a:xfrm>
+          <a:prstGeom prst="triangle">
+            <a:avLst/>
+          </a:prstGeom>
+          <a:solidFill>
+            <a:srgbClr val="8D98A7"/>
+          </a:solidFill>
+          <a:ln>
+            <a:solidFill>
+              <a:srgbClr val="8D98A7"/>
+            </a:solidFill>
+          </a:ln>
+          <a:effectLst>
+            <a:outerShdw blurRad="50800" dist="38100" dir="2700000" algn="tl" rotWithShape="0">
+              <a:prstClr val="black">
+                <a:alpha val="40000"/>
+              </a:prstClr>
+            </a:outerShdw>
+          </a:effectLst>
+        </p:spPr>
+        <p:style>
+          <a:lnRef idx="2">
+            <a:schemeClr val="accent1">
+              <a:shade val="50000"/>
+            </a:schemeClr>
+          </a:lnRef>
+          <a:fillRef idx="1">
+            <a:schemeClr val="accent1"/>
+          </a:fillRef>
+          <a:effectRef idx="0">
+            <a:schemeClr val="accent1"/>
+          </a:effectRef>
+          <a:fontRef idx="minor">
+            <a:schemeClr val="lt1"/>
+          </a:fontRef>
+        </p:style>
+        <p:txBody>
+          <a:bodyPr rtlCol="0" anchor="ctr"/>
+          <a:lstStyle/>
+          <a:p>
+            <a:pPr algn="ctr"/>
+            <a:endParaRPr lang="en-US"/>
+          </a:p>
+        </p:txBody>
+      </p:sp>
+      <p:sp>
+        <p:nvSpPr>
+          <p:cNvPr id="39" name="Isosceles Triangle 38"/>
+          <p:cNvSpPr/>
+          <p:nvPr/>
+        </p:nvSpPr>
+        <p:spPr>
+          <a:xfrm>
+            <a:off x="1283614" y="6330013"/>
+            <a:ext cx="1344964" cy="498460"/>
+          </a:xfrm>
+          <a:prstGeom prst="triangle">
+            <a:avLst/>
+          </a:prstGeom>
+          <a:solidFill>
+            <a:srgbClr val="8D98A7"/>
+          </a:solidFill>
+          <a:ln>
+            <a:solidFill>
+              <a:srgbClr val="8D98A7"/>
+            </a:solidFill>
+          </a:ln>
+          <a:effectLst>
+            <a:outerShdw blurRad="50800" dist="38100" dir="2700000" algn="tl" rotWithShape="0">
+              <a:prstClr val="black">
+                <a:alpha val="40000"/>
+              </a:prstClr>
+            </a:outerShdw>
+          </a:effectLst>
+        </p:spPr>
+        <p:style>
+          <a:lnRef idx="2">
+            <a:schemeClr val="accent1">
+              <a:shade val="50000"/>
+            </a:schemeClr>
+          </a:lnRef>
+          <a:fillRef idx="1">
+            <a:schemeClr val="accent1"/>
+          </a:fillRef>
+          <a:effectRef idx="0">
+            <a:schemeClr val="accent1"/>
+          </a:effectRef>
+          <a:fontRef idx="minor">
+            <a:schemeClr val="lt1"/>
+          </a:fontRef>
+        </p:style>
+        <p:txBody>
+          <a:bodyPr rtlCol="0" anchor="ctr"/>
+          <a:lstStyle/>
+          <a:p>
+            <a:pPr algn="ctr"/>
+            <a:endParaRPr lang="en-US"/>
+          </a:p>
+        </p:txBody>
+      </p:sp>
+      <p:sp>
+        <p:nvSpPr>
+          <p:cNvPr id="40" name="Isosceles Triangle 39"/>
+          <p:cNvSpPr/>
+          <p:nvPr/>
+        </p:nvSpPr>
+        <p:spPr>
+          <a:xfrm>
+            <a:off x="589941" y="6356016"/>
+            <a:ext cx="1344964" cy="498460"/>
+          </a:xfrm>
+          <a:prstGeom prst="triangle">
+            <a:avLst/>
+          </a:prstGeom>
+          <a:solidFill>
+            <a:srgbClr val="46484A"/>
+          </a:solidFill>
+          <a:ln>
+            <a:solidFill>
+              <a:srgbClr val="46484A"/>
+            </a:solidFill>
+          </a:ln>
+          <a:effectLst/>
+        </p:spPr>
+        <p:style>
+          <a:lnRef idx="2">
+            <a:schemeClr val="accent1">
+              <a:shade val="50000"/>
+            </a:schemeClr>
+          </a:lnRef>
+          <a:fillRef idx="1">
+            <a:schemeClr val="accent1"/>
+          </a:fillRef>
+          <a:effectRef idx="0">
+            <a:schemeClr val="accent1"/>
+          </a:effectRef>
+          <a:fontRef idx="minor">
+            <a:schemeClr val="lt1"/>
+          </a:fontRef>
+        </p:style>
+        <p:txBody>
+          <a:bodyPr rtlCol="0" anchor="ctr"/>
+          <a:lstStyle/>
+          <a:p>
+            <a:pPr algn="ctr"/>
+            <a:endParaRPr lang="en-US"/>
+          </a:p>
+        </p:txBody>
+      </p:sp>
+      <p:sp>
+        <p:nvSpPr>
+          <p:cNvPr id="47" name="Isosceles Triangle 46"/>
+          <p:cNvSpPr/>
+          <p:nvPr/>
+        </p:nvSpPr>
+        <p:spPr>
+          <a:xfrm>
+            <a:off x="3159024" y="6238274"/>
+            <a:ext cx="1344964" cy="498460"/>
+          </a:xfrm>
+          <a:prstGeom prst="triangle">
+            <a:avLst/>
+          </a:prstGeom>
+          <a:solidFill>
+            <a:srgbClr val="D92027"/>
+          </a:solidFill>
+          <a:ln>
+            <a:solidFill>
+              <a:srgbClr val="D92027"/>
+            </a:solidFill>
+          </a:ln>
+          <a:effectLst>
+            <a:outerShdw blurRad="50800" dist="38100" dir="2700000" algn="tl" rotWithShape="0">
+              <a:prstClr val="black">
+                <a:alpha val="40000"/>
+              </a:prstClr>
+            </a:outerShdw>
+          </a:effectLst>
+        </p:spPr>
+        <p:style>
+          <a:lnRef idx="2">
+            <a:schemeClr val="accent1">
+              <a:shade val="50000"/>
+            </a:schemeClr>
+          </a:lnRef>
+          <a:fillRef idx="1">
+            <a:schemeClr val="accent1"/>
+          </a:fillRef>
+          <a:effectRef idx="0">
+            <a:schemeClr val="accent1"/>
+          </a:effectRef>
+          <a:fontRef idx="minor">
+            <a:schemeClr val="lt1"/>
+          </a:fontRef>
+        </p:style>
+        <p:txBody>
+          <a:bodyPr rtlCol="0" anchor="ctr"/>
+          <a:lstStyle/>
+          <a:p>
+            <a:pPr algn="ctr"/>
+            <a:endParaRPr lang="en-US"/>
+          </a:p>
+        </p:txBody>
+      </p:sp>
+      <p:sp>
+        <p:nvSpPr>
+          <p:cNvPr id="44" name="Isosceles Triangle 43"/>
+          <p:cNvSpPr/>
+          <p:nvPr/>
+        </p:nvSpPr>
+        <p:spPr>
+          <a:xfrm>
+            <a:off x="2764125" y="6347100"/>
+            <a:ext cx="1344964" cy="498460"/>
+          </a:xfrm>
+          <a:prstGeom prst="triangle">
+            <a:avLst/>
+          </a:prstGeom>
+          <a:solidFill>
+            <a:srgbClr val="46484A"/>
+          </a:solidFill>
+          <a:ln>
+            <a:solidFill>
+              <a:srgbClr val="46484A"/>
+            </a:solidFill>
+          </a:ln>
+          <a:effectLst>
+            <a:outerShdw blurRad="50800" dist="38100" dir="2700000" algn="tl" rotWithShape="0">
+              <a:prstClr val="black">
+                <a:alpha val="40000"/>
+              </a:prstClr>
+            </a:outerShdw>
+          </a:effectLst>
+        </p:spPr>
+        <p:style>
+          <a:lnRef idx="2">
+            <a:schemeClr val="accent1">
+              <a:shade val="50000"/>
+            </a:schemeClr>
+          </a:lnRef>
+          <a:fillRef idx="1">
+            <a:schemeClr val="accent1"/>
+          </a:fillRef>
+          <a:effectRef idx="0">
+            <a:schemeClr val="accent1"/>
+          </a:effectRef>
+          <a:fontRef idx="minor">
+            <a:schemeClr val="lt1"/>
+          </a:fontRef>
+        </p:style>
+        <p:txBody>
+          <a:bodyPr rtlCol="0" anchor="ctr"/>
+          <a:lstStyle/>
+          <a:p>
+            <a:pPr algn="ctr"/>
+            <a:endParaRPr lang="en-US" dirty="0"/>
+          </a:p>
+        </p:txBody>
+      </p:sp>
+      <p:sp>
+        <p:nvSpPr>
+          <p:cNvPr id="45" name="Isosceles Triangle 44"/>
+          <p:cNvSpPr/>
+          <p:nvPr/>
+        </p:nvSpPr>
+        <p:spPr>
+          <a:xfrm>
+            <a:off x="1584587" y="6356016"/>
+            <a:ext cx="1344964" cy="498460"/>
+          </a:xfrm>
+          <a:prstGeom prst="triangle">
+            <a:avLst/>
+          </a:prstGeom>
+          <a:solidFill>
+            <a:srgbClr val="46484A"/>
+          </a:solidFill>
+          <a:ln>
+            <a:solidFill>
+              <a:srgbClr val="46484A"/>
+            </a:solidFill>
+          </a:ln>
+          <a:effectLst/>
+        </p:spPr>
+        <p:style>
+          <a:lnRef idx="2">
+            <a:schemeClr val="accent1">
+              <a:shade val="50000"/>
+            </a:schemeClr>
+          </a:lnRef>
+          <a:fillRef idx="1">
+            <a:schemeClr val="accent1"/>
+          </a:fillRef>
+          <a:effectRef idx="0">
+            <a:schemeClr val="accent1"/>
+          </a:effectRef>
+          <a:fontRef idx="minor">
+            <a:schemeClr val="lt1"/>
+          </a:fontRef>
+        </p:style>
+        <p:txBody>
+          <a:bodyPr rtlCol="0" anchor="ctr"/>
+          <a:lstStyle/>
+          <a:p>
+            <a:pPr algn="ctr"/>
+            <a:endParaRPr lang="en-US"/>
+          </a:p>
+        </p:txBody>
+      </p:sp>
+      <p:sp>
+        <p:nvSpPr>
+          <p:cNvPr id="37" name="Isosceles Triangle 36"/>
+          <p:cNvSpPr/>
+          <p:nvPr/>
+        </p:nvSpPr>
+        <p:spPr>
+          <a:xfrm>
+            <a:off x="3468780" y="6351558"/>
+            <a:ext cx="1344964" cy="498460"/>
+          </a:xfrm>
+          <a:prstGeom prst="triangle">
+            <a:avLst/>
+          </a:prstGeom>
+          <a:solidFill>
+            <a:srgbClr val="8D98A7"/>
+          </a:solidFill>
+          <a:ln>
+            <a:solidFill>
+              <a:srgbClr val="8D98A7"/>
+            </a:solidFill>
+          </a:ln>
+          <a:effectLst/>
+        </p:spPr>
+        <p:style>
+          <a:lnRef idx="2">
+            <a:schemeClr val="accent1">
+              <a:shade val="50000"/>
+            </a:schemeClr>
+          </a:lnRef>
+          <a:fillRef idx="1">
+            <a:schemeClr val="accent1"/>
+          </a:fillRef>
+          <a:effectRef idx="0">
+            <a:schemeClr val="accent1"/>
+          </a:effectRef>
+          <a:fontRef idx="minor">
+            <a:schemeClr val="lt1"/>
+          </a:fontRef>
+        </p:style>
+        <p:txBody>
+          <a:bodyPr rtlCol="0" anchor="ctr"/>
+          <a:lstStyle/>
+          <a:p>
+            <a:pPr algn="ctr"/>
+            <a:endParaRPr lang="en-US" dirty="0"/>
+          </a:p>
+        </p:txBody>
+      </p:sp>
+      <p:sp>
+        <p:nvSpPr>
+          <p:cNvPr id="48" name="Isosceles Triangle 47"/>
+          <p:cNvSpPr/>
+          <p:nvPr/>
+        </p:nvSpPr>
+        <p:spPr>
+          <a:xfrm>
+            <a:off x="4414046" y="6263532"/>
+            <a:ext cx="1344964" cy="498460"/>
+          </a:xfrm>
+          <a:prstGeom prst="triangle">
+            <a:avLst/>
+          </a:prstGeom>
+          <a:solidFill>
+            <a:srgbClr val="D92027"/>
+          </a:solidFill>
+          <a:ln>
+            <a:solidFill>
+              <a:srgbClr val="D92027"/>
+            </a:solidFill>
+          </a:ln>
+          <a:effectLst>
+            <a:outerShdw blurRad="50800" dist="38100" dir="2700000" algn="tl" rotWithShape="0">
+              <a:prstClr val="black">
+                <a:alpha val="40000"/>
+              </a:prstClr>
+            </a:outerShdw>
+          </a:effectLst>
+        </p:spPr>
+        <p:style>
+          <a:lnRef idx="2">
+            <a:schemeClr val="accent1">
+              <a:shade val="50000"/>
+            </a:schemeClr>
+          </a:lnRef>
+          <a:fillRef idx="1">
+            <a:schemeClr val="accent1"/>
+          </a:fillRef>
+          <a:effectRef idx="0">
+            <a:schemeClr val="accent1"/>
+          </a:effectRef>
+          <a:fontRef idx="minor">
+            <a:schemeClr val="lt1"/>
+          </a:fontRef>
+        </p:style>
+        <p:txBody>
+          <a:bodyPr rtlCol="0" anchor="ctr"/>
+          <a:lstStyle/>
+          <a:p>
+            <a:pPr algn="ctr"/>
+            <a:endParaRPr lang="en-US"/>
+          </a:p>
+        </p:txBody>
+      </p:sp>
+      <p:sp>
+        <p:nvSpPr>
+          <p:cNvPr id="49" name="Isosceles Triangle 48"/>
+          <p:cNvSpPr/>
+          <p:nvPr/>
+        </p:nvSpPr>
+        <p:spPr>
+          <a:xfrm>
+            <a:off x="6046473" y="6251647"/>
+            <a:ext cx="1344964" cy="498460"/>
+          </a:xfrm>
+          <a:prstGeom prst="triangle">
+            <a:avLst/>
+          </a:prstGeom>
+          <a:solidFill>
+            <a:srgbClr val="D92027"/>
+          </a:solidFill>
+          <a:ln>
+            <a:solidFill>
+              <a:srgbClr val="D92027"/>
+            </a:solidFill>
+          </a:ln>
+          <a:effectLst>
+            <a:outerShdw blurRad="50800" dist="38100" dir="2700000" algn="tl" rotWithShape="0">
+              <a:prstClr val="black">
+                <a:alpha val="40000"/>
+              </a:prstClr>
+            </a:outerShdw>
+          </a:effectLst>
+        </p:spPr>
+        <p:style>
+          <a:lnRef idx="2">
+            <a:schemeClr val="accent1">
+              <a:shade val="50000"/>
+            </a:schemeClr>
+          </a:lnRef>
+          <a:fillRef idx="1">
+            <a:schemeClr val="accent1"/>
+          </a:fillRef>
+          <a:effectRef idx="0">
+            <a:schemeClr val="accent1"/>
+          </a:effectRef>
+          <a:fontRef idx="minor">
+            <a:schemeClr val="lt1"/>
+          </a:fontRef>
+        </p:style>
+        <p:txBody>
+          <a:bodyPr rtlCol="0" anchor="ctr"/>
+          <a:lstStyle/>
+          <a:p>
+            <a:pPr algn="ctr"/>
+            <a:endParaRPr lang="en-US"/>
+          </a:p>
+        </p:txBody>
+      </p:sp>
+      <p:sp>
+        <p:nvSpPr>
+          <p:cNvPr id="50" name="Isosceles Triangle 49"/>
+          <p:cNvSpPr/>
+          <p:nvPr/>
+        </p:nvSpPr>
+        <p:spPr>
+          <a:xfrm>
+            <a:off x="5393076" y="6250531"/>
+            <a:ext cx="1344964" cy="498460"/>
+          </a:xfrm>
+          <a:prstGeom prst="triangle">
+            <a:avLst/>
+          </a:prstGeom>
+          <a:solidFill>
+            <a:srgbClr val="D92027"/>
+          </a:solidFill>
+          <a:ln>
+            <a:solidFill>
+              <a:srgbClr val="D92027"/>
+            </a:solidFill>
+          </a:ln>
+          <a:effectLst>
+            <a:outerShdw blurRad="50800" dist="38100" dir="2700000" algn="tl" rotWithShape="0">
+              <a:prstClr val="black">
+                <a:alpha val="40000"/>
+              </a:prstClr>
+            </a:outerShdw>
+          </a:effectLst>
+        </p:spPr>
+        <p:style>
+          <a:lnRef idx="2">
+            <a:schemeClr val="accent1">
+              <a:shade val="50000"/>
+            </a:schemeClr>
+          </a:lnRef>
+          <a:fillRef idx="1">
+            <a:schemeClr val="accent1"/>
+          </a:fillRef>
+          <a:effectRef idx="0">
+            <a:schemeClr val="accent1"/>
+          </a:effectRef>
+          <a:fontRef idx="minor">
+            <a:schemeClr val="lt1"/>
+          </a:fontRef>
+        </p:style>
+        <p:txBody>
+          <a:bodyPr rtlCol="0" anchor="ctr"/>
+          <a:lstStyle/>
+          <a:p>
+            <a:pPr algn="ctr"/>
+            <a:endParaRPr lang="en-US"/>
+          </a:p>
+        </p:txBody>
+      </p:sp>
+      <p:sp>
+        <p:nvSpPr>
+          <p:cNvPr id="51" name="Isosceles Triangle 50"/>
+          <p:cNvSpPr/>
+          <p:nvPr/>
+        </p:nvSpPr>
+        <p:spPr>
+          <a:xfrm>
+            <a:off x="4889728" y="6250531"/>
+            <a:ext cx="1344964" cy="498460"/>
+          </a:xfrm>
+          <a:prstGeom prst="triangle">
+            <a:avLst/>
+          </a:prstGeom>
+          <a:solidFill>
+            <a:srgbClr val="D92027"/>
+          </a:solidFill>
+          <a:ln>
+            <a:solidFill>
+              <a:srgbClr val="D92027"/>
+            </a:solidFill>
+          </a:ln>
+          <a:effectLst>
+            <a:outerShdw blurRad="50800" dist="38100" dir="2700000" algn="tl" rotWithShape="0">
+              <a:prstClr val="black">
+                <a:alpha val="40000"/>
+              </a:prstClr>
+            </a:outerShdw>
+          </a:effectLst>
+        </p:spPr>
+        <p:style>
+          <a:lnRef idx="2">
+            <a:schemeClr val="accent1">
+              <a:shade val="50000"/>
+            </a:schemeClr>
+          </a:lnRef>
+          <a:fillRef idx="1">
+            <a:schemeClr val="accent1"/>
+          </a:fillRef>
+          <a:effectRef idx="0">
+            <a:schemeClr val="accent1"/>
+          </a:effectRef>
+          <a:fontRef idx="minor">
+            <a:schemeClr val="lt1"/>
+          </a:fontRef>
+        </p:style>
+        <p:txBody>
+          <a:bodyPr rtlCol="0" anchor="ctr"/>
+          <a:lstStyle/>
+          <a:p>
+            <a:pPr algn="ctr"/>
+            <a:endParaRPr lang="en-US"/>
+          </a:p>
+        </p:txBody>
+      </p:sp>
+      <p:sp>
+        <p:nvSpPr>
+          <p:cNvPr id="52" name="Isosceles Triangle 51"/>
+          <p:cNvSpPr/>
+          <p:nvPr/>
+        </p:nvSpPr>
+        <p:spPr>
+          <a:xfrm>
+            <a:off x="5806755" y="6343014"/>
+            <a:ext cx="1344964" cy="498460"/>
+          </a:xfrm>
+          <a:prstGeom prst="triangle">
+            <a:avLst/>
+          </a:prstGeom>
+          <a:solidFill>
+            <a:srgbClr val="8D98A7"/>
+          </a:solidFill>
+          <a:ln>
+            <a:solidFill>
+              <a:srgbClr val="8D98A7"/>
+            </a:solidFill>
+          </a:ln>
+          <a:effectLst>
+            <a:outerShdw blurRad="50800" dist="38100" dir="2700000" algn="tl" rotWithShape="0">
+              <a:prstClr val="black">
+                <a:alpha val="40000"/>
+              </a:prstClr>
+            </a:outerShdw>
+          </a:effectLst>
+        </p:spPr>
+        <p:style>
+          <a:lnRef idx="2">
+            <a:schemeClr val="accent1">
+              <a:shade val="50000"/>
+            </a:schemeClr>
+          </a:lnRef>
+          <a:fillRef idx="1">
+            <a:schemeClr val="accent1"/>
+          </a:fillRef>
+          <a:effectRef idx="0">
+            <a:schemeClr val="accent1"/>
+          </a:effectRef>
+          <a:fontRef idx="minor">
+            <a:schemeClr val="lt1"/>
+          </a:fontRef>
+        </p:style>
+        <p:txBody>
+          <a:bodyPr rtlCol="0" anchor="ctr"/>
+          <a:lstStyle/>
+          <a:p>
+            <a:pPr algn="ctr"/>
+            <a:endParaRPr lang="en-US"/>
+          </a:p>
+        </p:txBody>
+      </p:sp>
+      <p:sp>
+        <p:nvSpPr>
+          <p:cNvPr id="53" name="Isosceles Triangle 52"/>
+          <p:cNvSpPr/>
+          <p:nvPr/>
+        </p:nvSpPr>
+        <p:spPr>
+          <a:xfrm>
+            <a:off x="4731239" y="6330013"/>
+            <a:ext cx="1344964" cy="498460"/>
+          </a:xfrm>
+          <a:prstGeom prst="triangle">
+            <a:avLst/>
+          </a:prstGeom>
+          <a:solidFill>
+            <a:srgbClr val="8D98A7"/>
+          </a:solidFill>
+          <a:ln>
+            <a:solidFill>
+              <a:srgbClr val="8D98A7"/>
+            </a:solidFill>
+          </a:ln>
+          <a:effectLst>
+            <a:outerShdw blurRad="50800" dist="38100" dir="2700000" algn="tl" rotWithShape="0">
+              <a:prstClr val="black">
+                <a:alpha val="40000"/>
+              </a:prstClr>
+            </a:outerShdw>
+          </a:effectLst>
+        </p:spPr>
+        <p:style>
+          <a:lnRef idx="2">
+            <a:schemeClr val="accent1">
+              <a:shade val="50000"/>
+            </a:schemeClr>
+          </a:lnRef>
+          <a:fillRef idx="1">
+            <a:schemeClr val="accent1"/>
+          </a:fillRef>
+          <a:effectRef idx="0">
+            <a:schemeClr val="accent1"/>
+          </a:effectRef>
+          <a:fontRef idx="minor">
+            <a:schemeClr val="lt1"/>
+          </a:fontRef>
+        </p:style>
+        <p:txBody>
+          <a:bodyPr rtlCol="0" anchor="ctr"/>
+          <a:lstStyle/>
+          <a:p>
+            <a:pPr algn="ctr"/>
+            <a:endParaRPr lang="en-US"/>
+          </a:p>
+        </p:txBody>
+      </p:sp>
+      <p:sp>
+        <p:nvSpPr>
+          <p:cNvPr id="54" name="Isosceles Triangle 53"/>
+          <p:cNvSpPr/>
+          <p:nvPr/>
+        </p:nvSpPr>
+        <p:spPr>
+          <a:xfrm>
+            <a:off x="4037566" y="6356016"/>
+            <a:ext cx="1344964" cy="498460"/>
+          </a:xfrm>
+          <a:prstGeom prst="triangle">
+            <a:avLst/>
+          </a:prstGeom>
+          <a:solidFill>
+            <a:srgbClr val="46484A"/>
+          </a:solidFill>
+          <a:ln>
+            <a:solidFill>
+              <a:srgbClr val="46484A"/>
+            </a:solidFill>
+          </a:ln>
+          <a:effectLst/>
+        </p:spPr>
+        <p:style>
+          <a:lnRef idx="2">
+            <a:schemeClr val="accent1">
+              <a:shade val="50000"/>
+            </a:schemeClr>
+          </a:lnRef>
+          <a:fillRef idx="1">
+            <a:schemeClr val="accent1"/>
+          </a:fillRef>
+          <a:effectRef idx="0">
+            <a:schemeClr val="accent1"/>
+          </a:effectRef>
+          <a:fontRef idx="minor">
+            <a:schemeClr val="lt1"/>
+          </a:fontRef>
+        </p:style>
+        <p:txBody>
+          <a:bodyPr rtlCol="0" anchor="ctr"/>
+          <a:lstStyle/>
+          <a:p>
+            <a:pPr algn="ctr"/>
+            <a:endParaRPr lang="en-US"/>
+          </a:p>
+        </p:txBody>
+      </p:sp>
+      <p:sp>
+        <p:nvSpPr>
+          <p:cNvPr id="56" name="Isosceles Triangle 55"/>
+          <p:cNvSpPr/>
+          <p:nvPr/>
+        </p:nvSpPr>
+        <p:spPr>
+          <a:xfrm>
+            <a:off x="6221527" y="6359540"/>
+            <a:ext cx="1344964" cy="498460"/>
+          </a:xfrm>
+          <a:prstGeom prst="triangle">
+            <a:avLst/>
+          </a:prstGeom>
+          <a:solidFill>
+            <a:srgbClr val="46484A"/>
+          </a:solidFill>
+          <a:ln>
+            <a:solidFill>
+              <a:srgbClr val="46484A"/>
+            </a:solidFill>
+          </a:ln>
+          <a:effectLst/>
+        </p:spPr>
+        <p:style>
+          <a:lnRef idx="2">
+            <a:schemeClr val="accent1">
+              <a:shade val="50000"/>
+            </a:schemeClr>
+          </a:lnRef>
+          <a:fillRef idx="1">
+            <a:schemeClr val="accent1"/>
+          </a:fillRef>
+          <a:effectRef idx="0">
+            <a:schemeClr val="accent1"/>
+          </a:effectRef>
+          <a:fontRef idx="minor">
+            <a:schemeClr val="lt1"/>
+          </a:fontRef>
+        </p:style>
+        <p:txBody>
+          <a:bodyPr rtlCol="0" anchor="ctr"/>
+          <a:lstStyle/>
+          <a:p>
+            <a:pPr algn="ctr"/>
+            <a:endParaRPr lang="en-US" dirty="0"/>
+          </a:p>
+        </p:txBody>
+      </p:sp>
+      <p:sp>
+        <p:nvSpPr>
+          <p:cNvPr id="57" name="Isosceles Triangle 56"/>
+          <p:cNvSpPr/>
+          <p:nvPr/>
+        </p:nvSpPr>
+        <p:spPr>
+          <a:xfrm>
+            <a:off x="5032212" y="6356016"/>
+            <a:ext cx="1344964" cy="498460"/>
+          </a:xfrm>
+          <a:prstGeom prst="triangle">
+            <a:avLst/>
+          </a:prstGeom>
+          <a:solidFill>
+            <a:srgbClr val="46484A"/>
+          </a:solidFill>
+          <a:ln>
+            <a:solidFill>
+              <a:srgbClr val="46484A"/>
+            </a:solidFill>
+          </a:ln>
+          <a:effectLst/>
+        </p:spPr>
+        <p:style>
+          <a:lnRef idx="2">
+            <a:schemeClr val="accent1">
+              <a:shade val="50000"/>
+            </a:schemeClr>
+          </a:lnRef>
+          <a:fillRef idx="1">
+            <a:schemeClr val="accent1"/>
+          </a:fillRef>
+          <a:effectRef idx="0">
+            <a:schemeClr val="accent1"/>
+          </a:effectRef>
+          <a:fontRef idx="minor">
+            <a:schemeClr val="lt1"/>
+          </a:fontRef>
+        </p:style>
+        <p:txBody>
+          <a:bodyPr rtlCol="0" anchor="ctr"/>
+          <a:lstStyle/>
+          <a:p>
+            <a:pPr algn="ctr"/>
+            <a:endParaRPr lang="en-US"/>
+          </a:p>
+        </p:txBody>
+      </p:sp>
+    </p:spTree>
+    <p:extLst>
+      <p:ext uri="{BB962C8B-B14F-4D97-AF65-F5344CB8AC3E}">
+        <p14:creationId xmlns:p14="http://schemas.microsoft.com/office/powerpoint/2010/main" val="1978088875"/>
+      </p:ext>
+    </p:extLst>
+  </p:cSld>
+  <p:clrMapOvr>
+    <a:masterClrMapping/>
+  </p:clrMapOvr>
+  <p:timing>
+    <p:tnLst>
+      <p:par>
+        <p:cTn id="1" dur="indefinite" restart="never" nodeType="tmRoot"/>
+      </p:par>
+    </p:tnLst>
+  </p:timing>
+</p:sld>
+</file>
+
+<file path=ppt/slides/slide8.xml><?xml version="1.0" encoding="utf-8"?>
 <p:sld xmlns:a="http://schemas.openxmlformats.org/drawingml/2006/main" xmlns:r="http://schemas.openxmlformats.org/officeDocument/2006/relationships" xmlns:p="http://schemas.openxmlformats.org/presentationml/2006/main">
   <p:cSld>
     <p:spTree>
